--- a/原型.pptx
+++ b/原型.pptx
@@ -4265,7 +4265,7 @@
         </p:nvSpPr>
         <p:spPr>
           <a:xfrm>
-            <a:off x="6219367" y="5094514"/>
+            <a:off x="6219366" y="5884223"/>
             <a:ext cx="783772" cy="449943"/>
           </a:xfrm>
           <a:prstGeom prst="rect">
@@ -4309,7 +4309,7 @@
         </p:nvSpPr>
         <p:spPr>
           <a:xfrm>
-            <a:off x="7257139" y="5094514"/>
+            <a:off x="7257138" y="5884223"/>
             <a:ext cx="783772" cy="449943"/>
           </a:xfrm>
           <a:prstGeom prst="rect">
@@ -4382,6 +4382,104 @@
           <a:p>
             <a:pPr algn="ctr"/>
             <a:endParaRPr lang="zh-CN" altLang="en-US"/>
+          </a:p>
+        </p:txBody>
+      </p:sp>
+      <p:sp>
+        <p:nvSpPr>
+          <p:cNvPr id="10" name="圆角矩形 9"/>
+          <p:cNvSpPr/>
+          <p:nvPr/>
+        </p:nvSpPr>
+        <p:spPr>
+          <a:xfrm>
+            <a:off x="3817253" y="4484912"/>
+            <a:ext cx="4223657" cy="464457"/>
+          </a:xfrm>
+          <a:prstGeom prst="roundRect">
+            <a:avLst/>
+          </a:prstGeom>
+        </p:spPr>
+        <p:style>
+          <a:lnRef idx="2">
+            <a:schemeClr val="accent1">
+              <a:shade val="50000"/>
+            </a:schemeClr>
+          </a:lnRef>
+          <a:fillRef idx="1">
+            <a:schemeClr val="accent1"/>
+          </a:fillRef>
+          <a:effectRef idx="0">
+            <a:schemeClr val="accent1"/>
+          </a:effectRef>
+          <a:fontRef idx="minor">
+            <a:schemeClr val="lt1"/>
+          </a:fontRef>
+        </p:style>
+        <p:txBody>
+          <a:bodyPr rtlCol="0" anchor="ctr"/>
+          <a:lstStyle/>
+          <a:p>
+            <a:r>
+              <a:rPr lang="zh-CN" altLang="en-US" dirty="0"/>
+              <a:t>是否付费</a:t>
+            </a:r>
+            <a:r>
+              <a:rPr lang="zh-CN" altLang="en-US" dirty="0" smtClean="0"/>
+              <a:t>：      是</a:t>
+            </a:r>
+            <a:endParaRPr lang="zh-CN" altLang="en-US" dirty="0"/>
+          </a:p>
+        </p:txBody>
+      </p:sp>
+      <p:sp>
+        <p:nvSpPr>
+          <p:cNvPr id="15" name="圆角矩形 14"/>
+          <p:cNvSpPr/>
+          <p:nvPr/>
+        </p:nvSpPr>
+        <p:spPr>
+          <a:xfrm>
+            <a:off x="3817253" y="5100452"/>
+            <a:ext cx="4223657" cy="464457"/>
+          </a:xfrm>
+          <a:prstGeom prst="roundRect">
+            <a:avLst/>
+          </a:prstGeom>
+        </p:spPr>
+        <p:style>
+          <a:lnRef idx="2">
+            <a:schemeClr val="accent1">
+              <a:shade val="50000"/>
+            </a:schemeClr>
+          </a:lnRef>
+          <a:fillRef idx="1">
+            <a:schemeClr val="accent1"/>
+          </a:fillRef>
+          <a:effectRef idx="0">
+            <a:schemeClr val="accent1"/>
+          </a:effectRef>
+          <a:fontRef idx="minor">
+            <a:schemeClr val="lt1"/>
+          </a:fontRef>
+        </p:style>
+        <p:txBody>
+          <a:bodyPr rtlCol="0" anchor="ctr"/>
+          <a:lstStyle/>
+          <a:p>
+            <a:r>
+              <a:rPr lang="zh-CN" altLang="en-US" dirty="0" smtClean="0"/>
+              <a:t>价格：      </a:t>
+            </a:r>
+            <a:r>
+              <a:rPr lang="en-US" altLang="zh-CN" dirty="0" smtClean="0"/>
+              <a:t>100</a:t>
+            </a:r>
+            <a:r>
+              <a:rPr lang="zh-CN" altLang="en-US" dirty="0" smtClean="0"/>
+              <a:t>元</a:t>
+            </a:r>
+            <a:endParaRPr lang="zh-CN" altLang="en-US" dirty="0"/>
           </a:p>
         </p:txBody>
       </p:sp>
@@ -4814,7 +4912,6 @@
               <a:rPr lang="zh-CN" altLang="en-US" sz="1200" dirty="0"/>
               <a:t>增加同级</a:t>
             </a:r>
-            <a:endParaRPr lang="zh-CN" altLang="en-US" sz="1200" dirty="0"/>
           </a:p>
         </p:txBody>
       </p:sp>
@@ -4858,7 +4955,6 @@
               <a:rPr lang="zh-CN" altLang="en-US" sz="1200" dirty="0"/>
               <a:t>文件上传</a:t>
             </a:r>
-            <a:endParaRPr lang="zh-CN" altLang="en-US" sz="1200" dirty="0"/>
           </a:p>
         </p:txBody>
       </p:sp>
@@ -4902,7 +4998,6 @@
               <a:rPr lang="zh-CN" altLang="en-US" sz="1200" dirty="0"/>
               <a:t>增加下一级</a:t>
             </a:r>
-            <a:endParaRPr lang="zh-CN" altLang="en-US" sz="1200" dirty="0"/>
           </a:p>
         </p:txBody>
       </p:sp>
@@ -4946,7 +5041,6 @@
               <a:rPr lang="zh-CN" altLang="en-US" sz="1200" dirty="0"/>
               <a:t>是否为末级</a:t>
             </a:r>
-            <a:endParaRPr lang="zh-CN" altLang="en-US" sz="1200" dirty="0"/>
           </a:p>
         </p:txBody>
       </p:sp>
@@ -4990,7 +5084,6 @@
               <a:rPr lang="zh-CN" altLang="en-US" sz="1200" dirty="0"/>
               <a:t>层级描述</a:t>
             </a:r>
-            <a:endParaRPr lang="zh-CN" altLang="en-US" sz="1200" dirty="0"/>
           </a:p>
         </p:txBody>
       </p:sp>
@@ -5034,7 +5127,6 @@
               <a:rPr lang="zh-CN" altLang="en-US" sz="1200" dirty="0"/>
               <a:t>操作</a:t>
             </a:r>
-            <a:endParaRPr lang="zh-CN" altLang="en-US" sz="1200" dirty="0"/>
           </a:p>
         </p:txBody>
       </p:sp>
@@ -5078,7 +5170,6 @@
               <a:rPr lang="zh-CN" altLang="en-US" sz="1200" dirty="0"/>
               <a:t>浏览</a:t>
             </a:r>
-            <a:endParaRPr lang="zh-CN" altLang="en-US" sz="1200" dirty="0"/>
           </a:p>
         </p:txBody>
       </p:sp>

--- a/原型.pptx
+++ b/原型.pptx
@@ -5,13 +5,15 @@
     <p:sldMasterId id="2147483648" r:id="rId1"/>
   </p:sldMasterIdLst>
   <p:notesMasterIdLst>
-    <p:notesMasterId r:id="rId6"/>
+    <p:notesMasterId r:id="rId8"/>
   </p:notesMasterIdLst>
   <p:sldIdLst>
     <p:sldId id="256" r:id="rId2"/>
     <p:sldId id="257" r:id="rId3"/>
     <p:sldId id="258" r:id="rId4"/>
     <p:sldId id="259" r:id="rId5"/>
+    <p:sldId id="260" r:id="rId6"/>
+    <p:sldId id="261" r:id="rId7"/>
   </p:sldIdLst>
   <p:sldSz cx="12192000" cy="6858000"/>
   <p:notesSz cx="6858000" cy="9144000"/>
@@ -212,7 +214,7 @@
           <a:p>
             <a:fld id="{7CC567AE-3527-46A0-89DD-7C5BD712834F}" type="datetimeFigureOut">
               <a:rPr lang="zh-CN" altLang="en-US" smtClean="0"/>
-              <a:t>2020/6/30</a:t>
+              <a:t>2020/7/5</a:t>
             </a:fld>
             <a:endParaRPr lang="zh-CN" altLang="en-US"/>
           </a:p>
@@ -710,8 +712,19 @@
           <a:p>
             <a:r>
               <a:rPr lang="zh-CN" altLang="en-US" dirty="0" smtClean="0"/>
-              <a:t>大纲名称需要根据层级先后将字体慢慢变小，做出有层次的效果</a:t>
-            </a:r>
+              <a:t>大纲名称需要根据层级先后将字体慢慢变小，是否为末级，如果不是末级就是灰色，为末级的改成绿色，如第一章需要改为末级则需要删除第一章下所有层级才可以，层级描述是对课程大纲中某一层级的教学进行一段文字描述，操作就是修改和删除，修改大纲名称，删除大纲，点击预览可以看见学生端展示的效果做出层级之间有层次的效果</a:t>
+            </a:r>
+            <a:r>
+              <a:rPr lang="en-US" altLang="zh-CN" dirty="0" smtClean="0"/>
+              <a:t>,</a:t>
+            </a:r>
+            <a:r>
+              <a:rPr lang="zh-CN" altLang="en-US" dirty="0" smtClean="0"/>
+              <a:t>点击文件上传进入下一个幻灯片</a:t>
+            </a:r>
+            <a:endParaRPr lang="en-US" altLang="zh-CN" dirty="0" smtClean="0"/>
+          </a:p>
+          <a:p>
             <a:endParaRPr lang="zh-CN" altLang="en-US" dirty="0"/>
           </a:p>
         </p:txBody>
@@ -743,6 +756,94 @@
     <p:extLst>
       <p:ext uri="{BB962C8B-B14F-4D97-AF65-F5344CB8AC3E}">
         <p14:creationId xmlns:p14="http://schemas.microsoft.com/office/powerpoint/2010/main" val="1289597904"/>
+      </p:ext>
+    </p:extLst>
+  </p:cSld>
+  <p:clrMapOvr>
+    <a:masterClrMapping/>
+  </p:clrMapOvr>
+</p:notes>
+</file>
+
+<file path=ppt/notesSlides/notesSlide4.xml><?xml version="1.0" encoding="utf-8"?>
+<p:notes xmlns:a="http://schemas.openxmlformats.org/drawingml/2006/main" xmlns:r="http://schemas.openxmlformats.org/officeDocument/2006/relationships" xmlns:p="http://schemas.openxmlformats.org/presentationml/2006/main">
+  <p:cSld>
+    <p:spTree>
+      <p:nvGrpSpPr>
+        <p:cNvPr id="1" name=""/>
+        <p:cNvGrpSpPr/>
+        <p:nvPr/>
+      </p:nvGrpSpPr>
+      <p:grpSpPr>
+        <a:xfrm>
+          <a:off x="0" y="0"/>
+          <a:ext cx="0" cy="0"/>
+          <a:chOff x="0" y="0"/>
+          <a:chExt cx="0" cy="0"/>
+        </a:xfrm>
+      </p:grpSpPr>
+      <p:sp>
+        <p:nvSpPr>
+          <p:cNvPr id="2" name="幻灯片图像占位符 1"/>
+          <p:cNvSpPr>
+            <a:spLocks noGrp="1" noRot="1" noChangeAspect="1"/>
+          </p:cNvSpPr>
+          <p:nvPr>
+            <p:ph type="sldImg"/>
+          </p:nvPr>
+        </p:nvSpPr>
+        <p:spPr/>
+      </p:sp>
+      <p:sp>
+        <p:nvSpPr>
+          <p:cNvPr id="3" name="备注占位符 2"/>
+          <p:cNvSpPr>
+            <a:spLocks noGrp="1"/>
+          </p:cNvSpPr>
+          <p:nvPr>
+            <p:ph type="body" idx="1"/>
+          </p:nvPr>
+        </p:nvSpPr>
+        <p:spPr/>
+        <p:txBody>
+          <a:bodyPr/>
+          <a:lstStyle/>
+          <a:p>
+            <a:r>
+              <a:rPr lang="zh-CN" altLang="en-US" dirty="0" smtClean="0"/>
+              <a:t>当鼠标滑动到右侧资料名称上弹出编辑按钮，编辑可以修改文件名称</a:t>
+            </a:r>
+            <a:endParaRPr lang="zh-CN" altLang="en-US" dirty="0"/>
+          </a:p>
+        </p:txBody>
+      </p:sp>
+      <p:sp>
+        <p:nvSpPr>
+          <p:cNvPr id="4" name="灯片编号占位符 3"/>
+          <p:cNvSpPr>
+            <a:spLocks noGrp="1"/>
+          </p:cNvSpPr>
+          <p:nvPr>
+            <p:ph type="sldNum" sz="quarter" idx="10"/>
+          </p:nvPr>
+        </p:nvSpPr>
+        <p:spPr/>
+        <p:txBody>
+          <a:bodyPr/>
+          <a:lstStyle/>
+          <a:p>
+            <a:fld id="{03B09839-7E02-4274-A791-142181B9C2E2}" type="slidenum">
+              <a:rPr lang="zh-CN" altLang="en-US" smtClean="0"/>
+              <a:t>5</a:t>
+            </a:fld>
+            <a:endParaRPr lang="zh-CN" altLang="en-US"/>
+          </a:p>
+        </p:txBody>
+      </p:sp>
+    </p:spTree>
+    <p:extLst>
+      <p:ext uri="{BB962C8B-B14F-4D97-AF65-F5344CB8AC3E}">
+        <p14:creationId xmlns:p14="http://schemas.microsoft.com/office/powerpoint/2010/main" val="3868513726"/>
       </p:ext>
     </p:extLst>
   </p:cSld>
@@ -883,7 +984,7 @@
           <a:p>
             <a:fld id="{FD1707FA-F098-4647-BCBC-1931C81862C8}" type="datetimeFigureOut">
               <a:rPr lang="zh-CN" altLang="en-US" smtClean="0"/>
-              <a:t>2020/6/30</a:t>
+              <a:t>2020/7/5</a:t>
             </a:fld>
             <a:endParaRPr lang="zh-CN" altLang="en-US"/>
           </a:p>
@@ -1053,7 +1154,7 @@
           <a:p>
             <a:fld id="{FD1707FA-F098-4647-BCBC-1931C81862C8}" type="datetimeFigureOut">
               <a:rPr lang="zh-CN" altLang="en-US" smtClean="0"/>
-              <a:t>2020/6/30</a:t>
+              <a:t>2020/7/5</a:t>
             </a:fld>
             <a:endParaRPr lang="zh-CN" altLang="en-US"/>
           </a:p>
@@ -1233,7 +1334,7 @@
           <a:p>
             <a:fld id="{FD1707FA-F098-4647-BCBC-1931C81862C8}" type="datetimeFigureOut">
               <a:rPr lang="zh-CN" altLang="en-US" smtClean="0"/>
-              <a:t>2020/6/30</a:t>
+              <a:t>2020/7/5</a:t>
             </a:fld>
             <a:endParaRPr lang="zh-CN" altLang="en-US"/>
           </a:p>
@@ -1403,7 +1504,7 @@
           <a:p>
             <a:fld id="{FD1707FA-F098-4647-BCBC-1931C81862C8}" type="datetimeFigureOut">
               <a:rPr lang="zh-CN" altLang="en-US" smtClean="0"/>
-              <a:t>2020/6/30</a:t>
+              <a:t>2020/7/5</a:t>
             </a:fld>
             <a:endParaRPr lang="zh-CN" altLang="en-US"/>
           </a:p>
@@ -1649,7 +1750,7 @@
           <a:p>
             <a:fld id="{FD1707FA-F098-4647-BCBC-1931C81862C8}" type="datetimeFigureOut">
               <a:rPr lang="zh-CN" altLang="en-US" smtClean="0"/>
-              <a:t>2020/6/30</a:t>
+              <a:t>2020/7/5</a:t>
             </a:fld>
             <a:endParaRPr lang="zh-CN" altLang="en-US"/>
           </a:p>
@@ -1881,7 +1982,7 @@
           <a:p>
             <a:fld id="{FD1707FA-F098-4647-BCBC-1931C81862C8}" type="datetimeFigureOut">
               <a:rPr lang="zh-CN" altLang="en-US" smtClean="0"/>
-              <a:t>2020/6/30</a:t>
+              <a:t>2020/7/5</a:t>
             </a:fld>
             <a:endParaRPr lang="zh-CN" altLang="en-US"/>
           </a:p>
@@ -2248,7 +2349,7 @@
           <a:p>
             <a:fld id="{FD1707FA-F098-4647-BCBC-1931C81862C8}" type="datetimeFigureOut">
               <a:rPr lang="zh-CN" altLang="en-US" smtClean="0"/>
-              <a:t>2020/6/30</a:t>
+              <a:t>2020/7/5</a:t>
             </a:fld>
             <a:endParaRPr lang="zh-CN" altLang="en-US"/>
           </a:p>
@@ -2366,7 +2467,7 @@
           <a:p>
             <a:fld id="{FD1707FA-F098-4647-BCBC-1931C81862C8}" type="datetimeFigureOut">
               <a:rPr lang="zh-CN" altLang="en-US" smtClean="0"/>
-              <a:t>2020/6/30</a:t>
+              <a:t>2020/7/5</a:t>
             </a:fld>
             <a:endParaRPr lang="zh-CN" altLang="en-US"/>
           </a:p>
@@ -2461,7 +2562,7 @@
           <a:p>
             <a:fld id="{FD1707FA-F098-4647-BCBC-1931C81862C8}" type="datetimeFigureOut">
               <a:rPr lang="zh-CN" altLang="en-US" smtClean="0"/>
-              <a:t>2020/6/30</a:t>
+              <a:t>2020/7/5</a:t>
             </a:fld>
             <a:endParaRPr lang="zh-CN" altLang="en-US"/>
           </a:p>
@@ -2738,7 +2839,7 @@
           <a:p>
             <a:fld id="{FD1707FA-F098-4647-BCBC-1931C81862C8}" type="datetimeFigureOut">
               <a:rPr lang="zh-CN" altLang="en-US" smtClean="0"/>
-              <a:t>2020/6/30</a:t>
+              <a:t>2020/7/5</a:t>
             </a:fld>
             <a:endParaRPr lang="zh-CN" altLang="en-US"/>
           </a:p>
@@ -2991,7 +3092,7 @@
           <a:p>
             <a:fld id="{FD1707FA-F098-4647-BCBC-1931C81862C8}" type="datetimeFigureOut">
               <a:rPr lang="zh-CN" altLang="en-US" smtClean="0"/>
-              <a:t>2020/6/30</a:t>
+              <a:t>2020/7/5</a:t>
             </a:fld>
             <a:endParaRPr lang="zh-CN" altLang="en-US"/>
           </a:p>
@@ -3204,7 +3305,7 @@
           <a:p>
             <a:fld id="{FD1707FA-F098-4647-BCBC-1931C81862C8}" type="datetimeFigureOut">
               <a:rPr lang="zh-CN" altLang="en-US" smtClean="0"/>
-              <a:t>2020/6/30</a:t>
+              <a:t>2020/7/5</a:t>
             </a:fld>
             <a:endParaRPr lang="zh-CN" altLang="en-US"/>
           </a:p>
@@ -4808,6 +4909,13 @@
   <p:clrMapOvr>
     <a:masterClrMapping/>
   </p:clrMapOvr>
+  <p:timing>
+    <p:tnLst>
+      <p:par>
+        <p:cTn id="1" dur="indefinite" restart="never" nodeType="tmRoot"/>
+      </p:par>
+    </p:tnLst>
+  </p:timing>
 </p:sld>
 </file>
 
@@ -4837,7 +4945,7 @@
         <p:spPr>
           <a:xfrm>
             <a:off x="1575581" y="703384"/>
-            <a:ext cx="2011674" cy="337625"/>
+            <a:ext cx="1730368" cy="337625"/>
           </a:xfrm>
           <a:prstGeom prst="rect">
             <a:avLst/>
@@ -4880,8 +4988,8 @@
         </p:nvSpPr>
         <p:spPr>
           <a:xfrm>
-            <a:off x="4602476" y="703384"/>
-            <a:ext cx="998808" cy="337625"/>
+            <a:off x="4288343" y="703384"/>
+            <a:ext cx="800893" cy="337625"/>
           </a:xfrm>
           <a:prstGeom prst="rect">
             <a:avLst/>
@@ -4923,8 +5031,8 @@
         </p:nvSpPr>
         <p:spPr>
           <a:xfrm>
-            <a:off x="6600093" y="703384"/>
-            <a:ext cx="1137138" cy="337625"/>
+            <a:off x="6071631" y="703384"/>
+            <a:ext cx="800892" cy="337625"/>
           </a:xfrm>
           <a:prstGeom prst="rect">
             <a:avLst/>
@@ -4966,8 +5074,8 @@
         </p:nvSpPr>
         <p:spPr>
           <a:xfrm>
-            <a:off x="3603669" y="703384"/>
-            <a:ext cx="982393" cy="337625"/>
+            <a:off x="3305950" y="703384"/>
+            <a:ext cx="982394" cy="337625"/>
           </a:xfrm>
           <a:prstGeom prst="rect">
             <a:avLst/>
@@ -5009,8 +5117,8 @@
         </p:nvSpPr>
         <p:spPr>
           <a:xfrm>
-            <a:off x="5617698" y="703384"/>
-            <a:ext cx="965981" cy="337625"/>
+            <a:off x="5089236" y="703384"/>
+            <a:ext cx="982394" cy="337625"/>
           </a:xfrm>
           <a:prstGeom prst="rect">
             <a:avLst/>
@@ -5052,8 +5160,8 @@
         </p:nvSpPr>
         <p:spPr>
           <a:xfrm>
-            <a:off x="7737231" y="703384"/>
-            <a:ext cx="1026942" cy="337625"/>
+            <a:off x="6872523" y="703384"/>
+            <a:ext cx="849078" cy="337625"/>
           </a:xfrm>
           <a:prstGeom prst="rect">
             <a:avLst/>
@@ -5095,8 +5203,8 @@
         </p:nvSpPr>
         <p:spPr>
           <a:xfrm>
-            <a:off x="8719625" y="703384"/>
-            <a:ext cx="1026942" cy="337625"/>
+            <a:off x="8897489" y="703384"/>
+            <a:ext cx="849078" cy="337625"/>
           </a:xfrm>
           <a:prstGeom prst="rect">
             <a:avLst/>
@@ -5228,7 +5336,7 @@
         </p:nvSpPr>
         <p:spPr>
           <a:xfrm>
-            <a:off x="2319841" y="1137502"/>
+            <a:off x="1876798" y="1126430"/>
             <a:ext cx="601447" cy="369332"/>
           </a:xfrm>
           <a:prstGeom prst="rect">
@@ -5272,7 +5380,7 @@
         </p:blipFill>
         <p:spPr>
           <a:xfrm>
-            <a:off x="3920191" y="1209357"/>
+            <a:off x="3654122" y="1209355"/>
             <a:ext cx="286049" cy="286049"/>
           </a:xfrm>
           <a:prstGeom prst="rect">
@@ -5302,7 +5410,7 @@
         </p:blipFill>
         <p:spPr>
           <a:xfrm>
-            <a:off x="4958855" y="1209356"/>
+            <a:off x="4565652" y="1227825"/>
             <a:ext cx="286049" cy="286049"/>
           </a:xfrm>
           <a:prstGeom prst="rect">
@@ -5332,7 +5440,7 @@
         </p:blipFill>
         <p:spPr>
           <a:xfrm>
-            <a:off x="5951549" y="1198079"/>
+            <a:off x="5398709" y="1226223"/>
             <a:ext cx="297326" cy="297326"/>
           </a:xfrm>
           <a:prstGeom prst="rect">
@@ -5362,7 +5470,7 @@
         </p:blipFill>
         <p:spPr>
           <a:xfrm>
-            <a:off x="7039443" y="1209356"/>
+            <a:off x="6293647" y="1219029"/>
             <a:ext cx="373380" cy="266700"/>
           </a:xfrm>
           <a:prstGeom prst="rect">
@@ -5422,7 +5530,7 @@
         </p:blipFill>
         <p:spPr>
           <a:xfrm>
-            <a:off x="8131570" y="1200926"/>
+            <a:off x="7156451" y="1209249"/>
             <a:ext cx="283698" cy="294479"/>
           </a:xfrm>
           <a:prstGeom prst="rect">
@@ -5529,7 +5637,7 @@
         </p:blipFill>
         <p:spPr>
           <a:xfrm>
-            <a:off x="3920191" y="1720041"/>
+            <a:off x="3654122" y="1710311"/>
             <a:ext cx="286049" cy="286049"/>
           </a:xfrm>
           <a:prstGeom prst="rect">
@@ -5559,7 +5667,7 @@
         </p:blipFill>
         <p:spPr>
           <a:xfrm>
-            <a:off x="4958855" y="1720040"/>
+            <a:off x="4563058" y="1710499"/>
             <a:ext cx="286049" cy="286049"/>
           </a:xfrm>
           <a:prstGeom prst="rect">
@@ -5589,7 +5697,7 @@
         </p:blipFill>
         <p:spPr>
           <a:xfrm>
-            <a:off x="5951549" y="1708763"/>
+            <a:off x="5404495" y="1699034"/>
             <a:ext cx="297326" cy="297326"/>
           </a:xfrm>
           <a:prstGeom prst="rect">
@@ -5619,7 +5727,7 @@
         </p:blipFill>
         <p:spPr>
           <a:xfrm>
-            <a:off x="7039443" y="1720040"/>
+            <a:off x="6280745" y="1720040"/>
             <a:ext cx="373380" cy="266700"/>
           </a:xfrm>
           <a:prstGeom prst="rect">
@@ -5679,7 +5787,7 @@
         </p:blipFill>
         <p:spPr>
           <a:xfrm>
-            <a:off x="8122632" y="1712181"/>
+            <a:off x="7166145" y="1701881"/>
             <a:ext cx="283698" cy="294479"/>
           </a:xfrm>
           <a:prstGeom prst="rect">
@@ -5725,7 +5833,7 @@
         </p:nvSpPr>
         <p:spPr>
           <a:xfrm>
-            <a:off x="2432384" y="1699447"/>
+            <a:off x="2047596" y="1691295"/>
             <a:ext cx="723275" cy="307777"/>
           </a:xfrm>
           <a:prstGeom prst="rect">
@@ -5769,7 +5877,7 @@
         </p:blipFill>
         <p:spPr>
           <a:xfrm>
-            <a:off x="3911253" y="2196582"/>
+            <a:off x="3670784" y="2260938"/>
             <a:ext cx="286049" cy="286049"/>
           </a:xfrm>
           <a:prstGeom prst="rect">
@@ -5799,7 +5907,7 @@
         </p:blipFill>
         <p:spPr>
           <a:xfrm>
-            <a:off x="4949917" y="2196581"/>
+            <a:off x="4572929" y="2249888"/>
             <a:ext cx="286049" cy="286049"/>
           </a:xfrm>
           <a:prstGeom prst="rect">
@@ -5829,7 +5937,7 @@
         </p:blipFill>
         <p:spPr>
           <a:xfrm>
-            <a:off x="5942611" y="2185304"/>
+            <a:off x="5398709" y="2249888"/>
             <a:ext cx="297326" cy="297326"/>
           </a:xfrm>
           <a:prstGeom prst="rect">
@@ -5859,7 +5967,7 @@
         </p:blipFill>
         <p:spPr>
           <a:xfrm>
-            <a:off x="7030505" y="2196581"/>
+            <a:off x="6280745" y="2233738"/>
             <a:ext cx="373380" cy="266700"/>
           </a:xfrm>
           <a:prstGeom prst="rect">
@@ -5919,7 +6027,7 @@
         </p:blipFill>
         <p:spPr>
           <a:xfrm>
-            <a:off x="8131570" y="2190637"/>
+            <a:off x="7163258" y="2218358"/>
             <a:ext cx="283698" cy="294479"/>
           </a:xfrm>
           <a:prstGeom prst="rect">
@@ -5965,7 +6073,7 @@
         </p:nvSpPr>
         <p:spPr>
           <a:xfrm>
-            <a:off x="1575582" y="2140293"/>
+            <a:off x="1579923" y="2154978"/>
             <a:ext cx="8775896" cy="4292890"/>
           </a:xfrm>
           <a:prstGeom prst="rect">
@@ -6014,7 +6122,7 @@
         </p:nvSpPr>
         <p:spPr>
           <a:xfrm>
-            <a:off x="2659618" y="2254414"/>
+            <a:off x="2364686" y="2254414"/>
             <a:ext cx="646331" cy="276999"/>
           </a:xfrm>
           <a:prstGeom prst="rect">
@@ -6036,10 +6144,659 @@
           </a:p>
         </p:txBody>
       </p:sp>
+      <p:sp>
+        <p:nvSpPr>
+          <p:cNvPr id="39" name="矩形 38"/>
+          <p:cNvSpPr/>
+          <p:nvPr/>
+        </p:nvSpPr>
+        <p:spPr>
+          <a:xfrm>
+            <a:off x="7706947" y="703383"/>
+            <a:ext cx="1190541" cy="337625"/>
+          </a:xfrm>
+          <a:prstGeom prst="rect">
+            <a:avLst/>
+          </a:prstGeom>
+        </p:spPr>
+        <p:style>
+          <a:lnRef idx="2">
+            <a:schemeClr val="accent1">
+              <a:shade val="50000"/>
+            </a:schemeClr>
+          </a:lnRef>
+          <a:fillRef idx="1">
+            <a:schemeClr val="accent1"/>
+          </a:fillRef>
+          <a:effectRef idx="0">
+            <a:schemeClr val="accent1"/>
+          </a:effectRef>
+          <a:fontRef idx="minor">
+            <a:schemeClr val="lt1"/>
+          </a:fontRef>
+        </p:style>
+        <p:txBody>
+          <a:bodyPr rtlCol="0" anchor="ctr"/>
+          <a:lstStyle/>
+          <a:p>
+            <a:pPr algn="ctr"/>
+            <a:r>
+              <a:rPr lang="zh-CN" altLang="en-US" sz="1200" dirty="0"/>
+              <a:t>流程图</a:t>
+            </a:r>
+            <a:endParaRPr lang="zh-CN" altLang="en-US" sz="1200" dirty="0"/>
+          </a:p>
+        </p:txBody>
+      </p:sp>
+      <p:pic>
+        <p:nvPicPr>
+          <p:cNvPr id="2" name="图片 1"/>
+          <p:cNvPicPr>
+            <a:picLocks noChangeAspect="1"/>
+          </p:cNvPicPr>
+          <p:nvPr/>
+        </p:nvPicPr>
+        <p:blipFill>
+          <a:blip r:embed="rId9"/>
+          <a:stretch>
+            <a:fillRect/>
+          </a:stretch>
+        </p:blipFill>
+        <p:spPr>
+          <a:xfrm>
+            <a:off x="8160051" y="1220776"/>
+            <a:ext cx="284331" cy="274628"/>
+          </a:xfrm>
+          <a:prstGeom prst="rect">
+            <a:avLst/>
+          </a:prstGeom>
+        </p:spPr>
+      </p:pic>
+      <p:pic>
+        <p:nvPicPr>
+          <p:cNvPr id="40" name="图片 39"/>
+          <p:cNvPicPr>
+            <a:picLocks noChangeAspect="1"/>
+          </p:cNvPicPr>
+          <p:nvPr/>
+        </p:nvPicPr>
+        <p:blipFill>
+          <a:blip r:embed="rId9"/>
+          <a:stretch>
+            <a:fillRect/>
+          </a:stretch>
+        </p:blipFill>
+        <p:spPr>
+          <a:xfrm>
+            <a:off x="8160050" y="1769356"/>
+            <a:ext cx="284331" cy="274628"/>
+          </a:xfrm>
+          <a:prstGeom prst="rect">
+            <a:avLst/>
+          </a:prstGeom>
+        </p:spPr>
+      </p:pic>
+      <p:pic>
+        <p:nvPicPr>
+          <p:cNvPr id="41" name="图片 40"/>
+          <p:cNvPicPr>
+            <a:picLocks noChangeAspect="1"/>
+          </p:cNvPicPr>
+          <p:nvPr/>
+        </p:nvPicPr>
+        <p:blipFill>
+          <a:blip r:embed="rId9"/>
+          <a:stretch>
+            <a:fillRect/>
+          </a:stretch>
+        </p:blipFill>
+        <p:spPr>
+          <a:xfrm>
+            <a:off x="8160050" y="2214795"/>
+            <a:ext cx="284331" cy="274628"/>
+          </a:xfrm>
+          <a:prstGeom prst="rect">
+            <a:avLst/>
+          </a:prstGeom>
+        </p:spPr>
+      </p:pic>
     </p:spTree>
     <p:extLst>
       <p:ext uri="{BB962C8B-B14F-4D97-AF65-F5344CB8AC3E}">
         <p14:creationId xmlns:p14="http://schemas.microsoft.com/office/powerpoint/2010/main" val="2392756797"/>
+      </p:ext>
+    </p:extLst>
+  </p:cSld>
+  <p:clrMapOvr>
+    <a:masterClrMapping/>
+  </p:clrMapOvr>
+  <p:timing>
+    <p:tnLst>
+      <p:par>
+        <p:cTn id="1" dur="indefinite" restart="never" nodeType="tmRoot"/>
+      </p:par>
+    </p:tnLst>
+  </p:timing>
+</p:sld>
+</file>
+
+<file path=ppt/slides/slide5.xml><?xml version="1.0" encoding="utf-8"?>
+<p:sld xmlns:a="http://schemas.openxmlformats.org/drawingml/2006/main" xmlns:r="http://schemas.openxmlformats.org/officeDocument/2006/relationships" xmlns:p="http://schemas.openxmlformats.org/presentationml/2006/main">
+  <p:cSld>
+    <p:spTree>
+      <p:nvGrpSpPr>
+        <p:cNvPr id="1" name=""/>
+        <p:cNvGrpSpPr/>
+        <p:nvPr/>
+      </p:nvGrpSpPr>
+      <p:grpSpPr>
+        <a:xfrm>
+          <a:off x="0" y="0"/>
+          <a:ext cx="0" cy="0"/>
+          <a:chOff x="0" y="0"/>
+          <a:chExt cx="0" cy="0"/>
+        </a:xfrm>
+      </p:grpSpPr>
+      <p:sp>
+        <p:nvSpPr>
+          <p:cNvPr id="4" name="圆角矩形 3"/>
+          <p:cNvSpPr/>
+          <p:nvPr/>
+        </p:nvSpPr>
+        <p:spPr>
+          <a:xfrm>
+            <a:off x="1487055" y="554177"/>
+            <a:ext cx="849745" cy="378691"/>
+          </a:xfrm>
+          <a:prstGeom prst="roundRect">
+            <a:avLst/>
+          </a:prstGeom>
+        </p:spPr>
+        <p:style>
+          <a:lnRef idx="2">
+            <a:schemeClr val="accent6">
+              <a:shade val="50000"/>
+            </a:schemeClr>
+          </a:lnRef>
+          <a:fillRef idx="1">
+            <a:schemeClr val="accent6"/>
+          </a:fillRef>
+          <a:effectRef idx="0">
+            <a:schemeClr val="accent6"/>
+          </a:effectRef>
+          <a:fontRef idx="minor">
+            <a:schemeClr val="lt1"/>
+          </a:fontRef>
+        </p:style>
+        <p:txBody>
+          <a:bodyPr rtlCol="0" anchor="ctr"/>
+          <a:lstStyle/>
+          <a:p>
+            <a:pPr algn="ctr"/>
+            <a:r>
+              <a:rPr lang="zh-CN" altLang="en-US" sz="1200" dirty="0" smtClean="0"/>
+              <a:t>教学资料</a:t>
+            </a:r>
+            <a:endParaRPr lang="zh-CN" altLang="en-US" sz="1200" dirty="0"/>
+          </a:p>
+        </p:txBody>
+      </p:sp>
+      <p:sp>
+        <p:nvSpPr>
+          <p:cNvPr id="5" name="圆角矩形 4"/>
+          <p:cNvSpPr/>
+          <p:nvPr/>
+        </p:nvSpPr>
+        <p:spPr>
+          <a:xfrm>
+            <a:off x="2516909" y="554181"/>
+            <a:ext cx="849745" cy="378691"/>
+          </a:xfrm>
+          <a:prstGeom prst="roundRect">
+            <a:avLst/>
+          </a:prstGeom>
+        </p:spPr>
+        <p:style>
+          <a:lnRef idx="2">
+            <a:schemeClr val="accent1">
+              <a:shade val="50000"/>
+            </a:schemeClr>
+          </a:lnRef>
+          <a:fillRef idx="1">
+            <a:schemeClr val="accent1"/>
+          </a:fillRef>
+          <a:effectRef idx="0">
+            <a:schemeClr val="accent1"/>
+          </a:effectRef>
+          <a:fontRef idx="minor">
+            <a:schemeClr val="lt1"/>
+          </a:fontRef>
+        </p:style>
+        <p:txBody>
+          <a:bodyPr rtlCol="0" anchor="ctr"/>
+          <a:lstStyle/>
+          <a:p>
+            <a:pPr algn="ctr"/>
+            <a:r>
+              <a:rPr lang="zh-CN" altLang="en-US" sz="1200" dirty="0"/>
+              <a:t>教学视频</a:t>
+            </a:r>
+          </a:p>
+        </p:txBody>
+      </p:sp>
+      <p:sp>
+        <p:nvSpPr>
+          <p:cNvPr id="7" name="圆角矩形 6"/>
+          <p:cNvSpPr/>
+          <p:nvPr/>
+        </p:nvSpPr>
+        <p:spPr>
+          <a:xfrm>
+            <a:off x="3551379" y="554177"/>
+            <a:ext cx="849745" cy="378691"/>
+          </a:xfrm>
+          <a:prstGeom prst="roundRect">
+            <a:avLst/>
+          </a:prstGeom>
+        </p:spPr>
+        <p:style>
+          <a:lnRef idx="2">
+            <a:schemeClr val="accent1">
+              <a:shade val="50000"/>
+            </a:schemeClr>
+          </a:lnRef>
+          <a:fillRef idx="1">
+            <a:schemeClr val="accent1"/>
+          </a:fillRef>
+          <a:effectRef idx="0">
+            <a:schemeClr val="accent1"/>
+          </a:effectRef>
+          <a:fontRef idx="minor">
+            <a:schemeClr val="lt1"/>
+          </a:fontRef>
+        </p:style>
+        <p:txBody>
+          <a:bodyPr rtlCol="0" anchor="ctr"/>
+          <a:lstStyle/>
+          <a:p>
+            <a:pPr algn="ctr"/>
+            <a:r>
+              <a:rPr lang="zh-CN" altLang="en-US" sz="1200" dirty="0" smtClean="0"/>
+              <a:t>参考答案</a:t>
+            </a:r>
+            <a:endParaRPr lang="zh-CN" altLang="en-US" sz="1200" dirty="0"/>
+          </a:p>
+        </p:txBody>
+      </p:sp>
+      <p:sp>
+        <p:nvSpPr>
+          <p:cNvPr id="10" name="圆角矩形 9"/>
+          <p:cNvSpPr/>
+          <p:nvPr/>
+        </p:nvSpPr>
+        <p:spPr>
+          <a:xfrm>
+            <a:off x="1487055" y="1597891"/>
+            <a:ext cx="5163127" cy="3999345"/>
+          </a:xfrm>
+          <a:prstGeom prst="roundRect">
+            <a:avLst/>
+          </a:prstGeom>
+          <a:noFill/>
+          <a:ln w="9525" cap="flat" cmpd="sng" algn="ctr">
+            <a:solidFill>
+              <a:schemeClr val="accent5"/>
+            </a:solidFill>
+            <a:prstDash val="dashDot"/>
+            <a:round/>
+            <a:headEnd type="none" w="med" len="med"/>
+            <a:tailEnd type="none" w="med" len="med"/>
+          </a:ln>
+        </p:spPr>
+        <p:style>
+          <a:lnRef idx="0">
+            <a:scrgbClr r="0" g="0" b="0"/>
+          </a:lnRef>
+          <a:fillRef idx="0">
+            <a:scrgbClr r="0" g="0" b="0"/>
+          </a:fillRef>
+          <a:effectRef idx="0">
+            <a:scrgbClr r="0" g="0" b="0"/>
+          </a:effectRef>
+          <a:fontRef idx="minor">
+            <a:schemeClr val="accent5"/>
+          </a:fontRef>
+        </p:style>
+        <p:txBody>
+          <a:bodyPr rtlCol="0" anchor="ctr"/>
+          <a:lstStyle/>
+          <a:p>
+            <a:pPr algn="ctr"/>
+            <a:endParaRPr lang="zh-CN" altLang="en-US"/>
+          </a:p>
+        </p:txBody>
+      </p:sp>
+      <p:cxnSp>
+        <p:nvCxnSpPr>
+          <p:cNvPr id="13" name="直接连接符 12"/>
+          <p:cNvCxnSpPr/>
+          <p:nvPr/>
+        </p:nvCxnSpPr>
+        <p:spPr>
+          <a:xfrm>
+            <a:off x="4082472" y="3334328"/>
+            <a:ext cx="0" cy="535709"/>
+          </a:xfrm>
+          <a:prstGeom prst="line">
+            <a:avLst/>
+          </a:prstGeom>
+        </p:spPr>
+        <p:style>
+          <a:lnRef idx="1">
+            <a:schemeClr val="accent1"/>
+          </a:lnRef>
+          <a:fillRef idx="0">
+            <a:schemeClr val="accent1"/>
+          </a:fillRef>
+          <a:effectRef idx="0">
+            <a:schemeClr val="accent1"/>
+          </a:effectRef>
+          <a:fontRef idx="minor">
+            <a:schemeClr val="tx1"/>
+          </a:fontRef>
+        </p:style>
+      </p:cxnSp>
+      <p:cxnSp>
+        <p:nvCxnSpPr>
+          <p:cNvPr id="16" name="直接连接符 15"/>
+          <p:cNvCxnSpPr/>
+          <p:nvPr/>
+        </p:nvCxnSpPr>
+        <p:spPr>
+          <a:xfrm>
+            <a:off x="3749964" y="3592945"/>
+            <a:ext cx="651160" cy="0"/>
+          </a:xfrm>
+          <a:prstGeom prst="line">
+            <a:avLst/>
+          </a:prstGeom>
+        </p:spPr>
+        <p:style>
+          <a:lnRef idx="1">
+            <a:schemeClr val="accent1"/>
+          </a:lnRef>
+          <a:fillRef idx="0">
+            <a:schemeClr val="accent1"/>
+          </a:fillRef>
+          <a:effectRef idx="0">
+            <a:schemeClr val="accent1"/>
+          </a:effectRef>
+          <a:fontRef idx="minor">
+            <a:schemeClr val="tx1"/>
+          </a:fontRef>
+        </p:style>
+      </p:cxnSp>
+      <p:sp>
+        <p:nvSpPr>
+          <p:cNvPr id="19" name="文本框 18"/>
+          <p:cNvSpPr txBox="1"/>
+          <p:nvPr/>
+        </p:nvSpPr>
+        <p:spPr>
+          <a:xfrm>
+            <a:off x="2028063" y="1967469"/>
+            <a:ext cx="4108817" cy="369332"/>
+          </a:xfrm>
+          <a:prstGeom prst="rect">
+            <a:avLst/>
+          </a:prstGeom>
+          <a:noFill/>
+        </p:spPr>
+        <p:txBody>
+          <a:bodyPr wrap="none" rtlCol="0">
+            <a:spAutoFit/>
+          </a:bodyPr>
+          <a:lstStyle/>
+          <a:p>
+            <a:r>
+              <a:rPr lang="zh-CN" altLang="en-US" dirty="0" smtClean="0"/>
+              <a:t>将文件拖拽到此处或点击该框上传文件</a:t>
+            </a:r>
+            <a:endParaRPr lang="zh-CN" altLang="en-US" dirty="0"/>
+          </a:p>
+        </p:txBody>
+      </p:sp>
+      <p:sp>
+        <p:nvSpPr>
+          <p:cNvPr id="20" name="文本框 19"/>
+          <p:cNvSpPr txBox="1"/>
+          <p:nvPr/>
+        </p:nvSpPr>
+        <p:spPr>
+          <a:xfrm>
+            <a:off x="8802255" y="1487055"/>
+            <a:ext cx="2064989" cy="369332"/>
+          </a:xfrm>
+          <a:prstGeom prst="rect">
+            <a:avLst/>
+          </a:prstGeom>
+          <a:noFill/>
+        </p:spPr>
+        <p:txBody>
+          <a:bodyPr wrap="none" rtlCol="0">
+            <a:spAutoFit/>
+          </a:bodyPr>
+          <a:lstStyle/>
+          <a:p>
+            <a:r>
+              <a:rPr lang="en-US" altLang="zh-CN" dirty="0" smtClean="0"/>
+              <a:t>1.XXX</a:t>
+            </a:r>
+            <a:r>
+              <a:rPr lang="zh-CN" altLang="en-US" dirty="0" smtClean="0"/>
+              <a:t>教学资料</a:t>
+            </a:r>
+            <a:r>
+              <a:rPr lang="en-US" altLang="zh-CN" dirty="0" smtClean="0"/>
+              <a:t>.pdf</a:t>
+            </a:r>
+            <a:endParaRPr lang="zh-CN" altLang="en-US" dirty="0"/>
+          </a:p>
+        </p:txBody>
+      </p:sp>
+      <p:sp>
+        <p:nvSpPr>
+          <p:cNvPr id="21" name="文本框 20"/>
+          <p:cNvSpPr txBox="1"/>
+          <p:nvPr/>
+        </p:nvSpPr>
+        <p:spPr>
+          <a:xfrm>
+            <a:off x="8802255" y="2152135"/>
+            <a:ext cx="2064989" cy="369332"/>
+          </a:xfrm>
+          <a:prstGeom prst="rect">
+            <a:avLst/>
+          </a:prstGeom>
+          <a:noFill/>
+        </p:spPr>
+        <p:txBody>
+          <a:bodyPr wrap="none" rtlCol="0">
+            <a:spAutoFit/>
+          </a:bodyPr>
+          <a:lstStyle/>
+          <a:p>
+            <a:r>
+              <a:rPr lang="en-US" altLang="zh-CN" dirty="0" smtClean="0"/>
+              <a:t>2.XXX</a:t>
+            </a:r>
+            <a:r>
+              <a:rPr lang="zh-CN" altLang="en-US" dirty="0" smtClean="0"/>
+              <a:t>教学资料</a:t>
+            </a:r>
+            <a:r>
+              <a:rPr lang="en-US" altLang="zh-CN" dirty="0" smtClean="0"/>
+              <a:t>.pdf</a:t>
+            </a:r>
+            <a:endParaRPr lang="zh-CN" altLang="en-US" dirty="0"/>
+          </a:p>
+        </p:txBody>
+      </p:sp>
+      <p:sp>
+        <p:nvSpPr>
+          <p:cNvPr id="22" name="文本框 21"/>
+          <p:cNvSpPr txBox="1"/>
+          <p:nvPr/>
+        </p:nvSpPr>
+        <p:spPr>
+          <a:xfrm>
+            <a:off x="9467273" y="2964996"/>
+            <a:ext cx="508473" cy="369332"/>
+          </a:xfrm>
+          <a:prstGeom prst="rect">
+            <a:avLst/>
+          </a:prstGeom>
+          <a:noFill/>
+        </p:spPr>
+        <p:txBody>
+          <a:bodyPr wrap="none" rtlCol="0">
+            <a:spAutoFit/>
+          </a:bodyPr>
+          <a:lstStyle/>
+          <a:p>
+            <a:r>
+              <a:rPr lang="en-US" altLang="zh-CN" dirty="0" smtClean="0"/>
+              <a:t>……</a:t>
+            </a:r>
+            <a:endParaRPr lang="zh-CN" altLang="en-US" dirty="0"/>
+          </a:p>
+        </p:txBody>
+      </p:sp>
+      <p:pic>
+        <p:nvPicPr>
+          <p:cNvPr id="23" name="图片 22"/>
+          <p:cNvPicPr>
+            <a:picLocks noChangeAspect="1"/>
+          </p:cNvPicPr>
+          <p:nvPr/>
+        </p:nvPicPr>
+        <p:blipFill>
+          <a:blip r:embed="rId3" cstate="print">
+            <a:extLst>
+              <a:ext uri="{28A0092B-C50C-407E-A947-70E740481C1C}">
+                <a14:useLocalDpi xmlns:a14="http://schemas.microsoft.com/office/drawing/2010/main" val="0"/>
+              </a:ext>
+            </a:extLst>
+          </a:blip>
+          <a:stretch>
+            <a:fillRect/>
+          </a:stretch>
+        </p:blipFill>
+        <p:spPr>
+          <a:xfrm>
+            <a:off x="11067294" y="1559971"/>
+            <a:ext cx="185725" cy="223500"/>
+          </a:xfrm>
+          <a:prstGeom prst="rect">
+            <a:avLst/>
+          </a:prstGeom>
+        </p:spPr>
+      </p:pic>
+      <p:pic>
+        <p:nvPicPr>
+          <p:cNvPr id="24" name="图片 23"/>
+          <p:cNvPicPr>
+            <a:picLocks noChangeAspect="1"/>
+          </p:cNvPicPr>
+          <p:nvPr/>
+        </p:nvPicPr>
+        <p:blipFill>
+          <a:blip r:embed="rId4" cstate="print">
+            <a:extLst>
+              <a:ext uri="{28A0092B-C50C-407E-A947-70E740481C1C}">
+                <a14:useLocalDpi xmlns:a14="http://schemas.microsoft.com/office/drawing/2010/main" val="0"/>
+              </a:ext>
+            </a:extLst>
+          </a:blip>
+          <a:stretch>
+            <a:fillRect/>
+          </a:stretch>
+        </p:blipFill>
+        <p:spPr>
+          <a:xfrm>
+            <a:off x="11453069" y="1559971"/>
+            <a:ext cx="223500" cy="223500"/>
+          </a:xfrm>
+          <a:prstGeom prst="rect">
+            <a:avLst/>
+          </a:prstGeom>
+        </p:spPr>
+      </p:pic>
+    </p:spTree>
+    <p:extLst>
+      <p:ext uri="{BB962C8B-B14F-4D97-AF65-F5344CB8AC3E}">
+        <p14:creationId xmlns:p14="http://schemas.microsoft.com/office/powerpoint/2010/main" val="4190274759"/>
+      </p:ext>
+    </p:extLst>
+  </p:cSld>
+  <p:clrMapOvr>
+    <a:masterClrMapping/>
+  </p:clrMapOvr>
+  <p:timing>
+    <p:tnLst>
+      <p:par>
+        <p:cTn id="1" dur="indefinite" restart="never" nodeType="tmRoot"/>
+      </p:par>
+    </p:tnLst>
+  </p:timing>
+</p:sld>
+</file>
+
+<file path=ppt/slides/slide6.xml><?xml version="1.0" encoding="utf-8"?>
+<p:sld xmlns:a="http://schemas.openxmlformats.org/drawingml/2006/main" xmlns:r="http://schemas.openxmlformats.org/officeDocument/2006/relationships" xmlns:p="http://schemas.openxmlformats.org/presentationml/2006/main">
+  <p:cSld>
+    <p:spTree>
+      <p:nvGrpSpPr>
+        <p:cNvPr id="1" name=""/>
+        <p:cNvGrpSpPr/>
+        <p:nvPr/>
+      </p:nvGrpSpPr>
+      <p:grpSpPr>
+        <a:xfrm>
+          <a:off x="0" y="0"/>
+          <a:ext cx="0" cy="0"/>
+          <a:chOff x="0" y="0"/>
+          <a:chExt cx="0" cy="0"/>
+        </a:xfrm>
+      </p:grpSpPr>
+      <p:pic>
+        <p:nvPicPr>
+          <p:cNvPr id="5" name="图片 4"/>
+          <p:cNvPicPr>
+            <a:picLocks noChangeAspect="1"/>
+          </p:cNvPicPr>
+          <p:nvPr/>
+        </p:nvPicPr>
+        <p:blipFill>
+          <a:blip r:embed="rId2"/>
+          <a:stretch>
+            <a:fillRect/>
+          </a:stretch>
+        </p:blipFill>
+        <p:spPr>
+          <a:xfrm>
+            <a:off x="509155" y="1335809"/>
+            <a:ext cx="7848600" cy="4038600"/>
+          </a:xfrm>
+          <a:prstGeom prst="rect">
+            <a:avLst/>
+          </a:prstGeom>
+        </p:spPr>
+      </p:pic>
+    </p:spTree>
+    <p:extLst>
+      <p:ext uri="{BB962C8B-B14F-4D97-AF65-F5344CB8AC3E}">
+        <p14:creationId xmlns:p14="http://schemas.microsoft.com/office/powerpoint/2010/main" val="2162974821"/>
       </p:ext>
     </p:extLst>
   </p:cSld>

--- a/原型.pptx
+++ b/原型.pptx
@@ -5,13 +5,19 @@
     <p:sldMasterId id="2147483648" r:id="rId1"/>
   </p:sldMasterIdLst>
   <p:notesMasterIdLst>
-    <p:notesMasterId r:id="rId6"/>
+    <p:notesMasterId r:id="rId12"/>
   </p:notesMasterIdLst>
   <p:sldIdLst>
-    <p:sldId id="256" r:id="rId2"/>
-    <p:sldId id="257" r:id="rId3"/>
-    <p:sldId id="258" r:id="rId4"/>
-    <p:sldId id="259" r:id="rId5"/>
+    <p:sldId id="265" r:id="rId2"/>
+    <p:sldId id="256" r:id="rId3"/>
+    <p:sldId id="257" r:id="rId4"/>
+    <p:sldId id="258" r:id="rId5"/>
+    <p:sldId id="259" r:id="rId6"/>
+    <p:sldId id="260" r:id="rId7"/>
+    <p:sldId id="261" r:id="rId8"/>
+    <p:sldId id="262" r:id="rId9"/>
+    <p:sldId id="263" r:id="rId10"/>
+    <p:sldId id="264" r:id="rId11"/>
   </p:sldIdLst>
   <p:sldSz cx="12192000" cy="6858000"/>
   <p:notesSz cx="6858000" cy="9144000"/>
@@ -212,7 +218,7 @@
           <a:p>
             <a:fld id="{7CC567AE-3527-46A0-89DD-7C5BD712834F}" type="datetimeFigureOut">
               <a:rPr lang="zh-CN" altLang="en-US" smtClean="0"/>
-              <a:t>2020/6/30</a:t>
+              <a:t>2020/7/6</a:t>
             </a:fld>
             <a:endParaRPr lang="zh-CN" altLang="en-US"/>
           </a:p>
@@ -549,7 +555,7 @@
           <a:p>
             <a:fld id="{03B09839-7E02-4274-A791-142181B9C2E2}" type="slidenum">
               <a:rPr lang="zh-CN" altLang="en-US" smtClean="0"/>
-              <a:t>2</a:t>
+              <a:t>3</a:t>
             </a:fld>
             <a:endParaRPr lang="zh-CN" altLang="en-US"/>
           </a:p>
@@ -645,7 +651,7 @@
           <a:p>
             <a:fld id="{03B09839-7E02-4274-A791-142181B9C2E2}" type="slidenum">
               <a:rPr lang="zh-CN" altLang="en-US" smtClean="0"/>
-              <a:t>3</a:t>
+              <a:t>4</a:t>
             </a:fld>
             <a:endParaRPr lang="zh-CN" altLang="en-US"/>
           </a:p>
@@ -710,7 +716,11 @@
           <a:p>
             <a:r>
               <a:rPr lang="zh-CN" altLang="en-US" dirty="0" smtClean="0"/>
-              <a:t>大纲名称需要根据层级先后将字体慢慢变小，做出有层次的效果</a:t>
+              <a:t>大纲名称需要根据层级先后将字体慢慢变小，做出有层次的</a:t>
+            </a:r>
+            <a:r>
+              <a:rPr lang="zh-CN" altLang="en-US" dirty="0" smtClean="0"/>
+              <a:t>效果</a:t>
             </a:r>
             <a:endParaRPr lang="zh-CN" altLang="en-US" dirty="0"/>
           </a:p>
@@ -733,7 +743,7 @@
           <a:p>
             <a:fld id="{03B09839-7E02-4274-A791-142181B9C2E2}" type="slidenum">
               <a:rPr lang="zh-CN" altLang="en-US" smtClean="0"/>
-              <a:t>4</a:t>
+              <a:t>5</a:t>
             </a:fld>
             <a:endParaRPr lang="zh-CN" altLang="en-US"/>
           </a:p>
@@ -743,6 +753,182 @@
     <p:extLst>
       <p:ext uri="{BB962C8B-B14F-4D97-AF65-F5344CB8AC3E}">
         <p14:creationId xmlns:p14="http://schemas.microsoft.com/office/powerpoint/2010/main" val="1289597904"/>
+      </p:ext>
+    </p:extLst>
+  </p:cSld>
+  <p:clrMapOvr>
+    <a:masterClrMapping/>
+  </p:clrMapOvr>
+</p:notes>
+</file>
+
+<file path=ppt/notesSlides/notesSlide4.xml><?xml version="1.0" encoding="utf-8"?>
+<p:notes xmlns:a="http://schemas.openxmlformats.org/drawingml/2006/main" xmlns:r="http://schemas.openxmlformats.org/officeDocument/2006/relationships" xmlns:p="http://schemas.openxmlformats.org/presentationml/2006/main">
+  <p:cSld>
+    <p:spTree>
+      <p:nvGrpSpPr>
+        <p:cNvPr id="1" name=""/>
+        <p:cNvGrpSpPr/>
+        <p:nvPr/>
+      </p:nvGrpSpPr>
+      <p:grpSpPr>
+        <a:xfrm>
+          <a:off x="0" y="0"/>
+          <a:ext cx="0" cy="0"/>
+          <a:chOff x="0" y="0"/>
+          <a:chExt cx="0" cy="0"/>
+        </a:xfrm>
+      </p:grpSpPr>
+      <p:sp>
+        <p:nvSpPr>
+          <p:cNvPr id="2" name="幻灯片图像占位符 1"/>
+          <p:cNvSpPr>
+            <a:spLocks noGrp="1" noRot="1" noChangeAspect="1"/>
+          </p:cNvSpPr>
+          <p:nvPr>
+            <p:ph type="sldImg"/>
+          </p:nvPr>
+        </p:nvSpPr>
+        <p:spPr/>
+      </p:sp>
+      <p:sp>
+        <p:nvSpPr>
+          <p:cNvPr id="3" name="备注占位符 2"/>
+          <p:cNvSpPr>
+            <a:spLocks noGrp="1"/>
+          </p:cNvSpPr>
+          <p:nvPr>
+            <p:ph type="body" idx="1"/>
+          </p:nvPr>
+        </p:nvSpPr>
+        <p:spPr/>
+        <p:txBody>
+          <a:bodyPr/>
+          <a:lstStyle/>
+          <a:p>
+            <a:r>
+              <a:rPr lang="zh-CN" altLang="en-US" dirty="0" smtClean="0"/>
+              <a:t>鼠标滑动至题库名称可以针对题库进行删除，对题库名称进行修改操作，删除题录的时候需要弹出窗口再次确认是否删除题库，当鼠标滑动到某一道试题上，试题右侧出现修改和删除按钮，上方搜索可以搜索题库也可搜索试题，当搜索题库的时候，确认搜索的题库的时候下方题库列表需要联动，当搜索试题的时候，确认搜索的试题的时候，需要题库和试题联动，点击增加试题进入下面四个幻灯片，点击增加题库，弹窗输入题库名称即可</a:t>
+            </a:r>
+            <a:endParaRPr lang="zh-CN" altLang="en-US" dirty="0"/>
+          </a:p>
+        </p:txBody>
+      </p:sp>
+      <p:sp>
+        <p:nvSpPr>
+          <p:cNvPr id="4" name="灯片编号占位符 3"/>
+          <p:cNvSpPr>
+            <a:spLocks noGrp="1"/>
+          </p:cNvSpPr>
+          <p:nvPr>
+            <p:ph type="sldNum" sz="quarter" idx="10"/>
+          </p:nvPr>
+        </p:nvSpPr>
+        <p:spPr/>
+        <p:txBody>
+          <a:bodyPr/>
+          <a:lstStyle/>
+          <a:p>
+            <a:fld id="{03B09839-7E02-4274-A791-142181B9C2E2}" type="slidenum">
+              <a:rPr lang="zh-CN" altLang="en-US" smtClean="0"/>
+              <a:t>6</a:t>
+            </a:fld>
+            <a:endParaRPr lang="zh-CN" altLang="en-US"/>
+          </a:p>
+        </p:txBody>
+      </p:sp>
+    </p:spTree>
+    <p:extLst>
+      <p:ext uri="{BB962C8B-B14F-4D97-AF65-F5344CB8AC3E}">
+        <p14:creationId xmlns:p14="http://schemas.microsoft.com/office/powerpoint/2010/main" val="3950122236"/>
+      </p:ext>
+    </p:extLst>
+  </p:cSld>
+  <p:clrMapOvr>
+    <a:masterClrMapping/>
+  </p:clrMapOvr>
+</p:notes>
+</file>
+
+<file path=ppt/notesSlides/notesSlide5.xml><?xml version="1.0" encoding="utf-8"?>
+<p:notes xmlns:a="http://schemas.openxmlformats.org/drawingml/2006/main" xmlns:r="http://schemas.openxmlformats.org/officeDocument/2006/relationships" xmlns:p="http://schemas.openxmlformats.org/presentationml/2006/main">
+  <p:cSld>
+    <p:spTree>
+      <p:nvGrpSpPr>
+        <p:cNvPr id="1" name=""/>
+        <p:cNvGrpSpPr/>
+        <p:nvPr/>
+      </p:nvGrpSpPr>
+      <p:grpSpPr>
+        <a:xfrm>
+          <a:off x="0" y="0"/>
+          <a:ext cx="0" cy="0"/>
+          <a:chOff x="0" y="0"/>
+          <a:chExt cx="0" cy="0"/>
+        </a:xfrm>
+      </p:grpSpPr>
+      <p:sp>
+        <p:nvSpPr>
+          <p:cNvPr id="2" name="幻灯片图像占位符 1"/>
+          <p:cNvSpPr>
+            <a:spLocks noGrp="1" noRot="1" noChangeAspect="1"/>
+          </p:cNvSpPr>
+          <p:nvPr>
+            <p:ph type="sldImg"/>
+          </p:nvPr>
+        </p:nvSpPr>
+        <p:spPr/>
+      </p:sp>
+      <p:sp>
+        <p:nvSpPr>
+          <p:cNvPr id="3" name="备注占位符 2"/>
+          <p:cNvSpPr>
+            <a:spLocks noGrp="1"/>
+          </p:cNvSpPr>
+          <p:nvPr>
+            <p:ph type="body" idx="1"/>
+          </p:nvPr>
+        </p:nvSpPr>
+        <p:spPr/>
+        <p:txBody>
+          <a:bodyPr/>
+          <a:lstStyle/>
+          <a:p>
+            <a:r>
+              <a:rPr lang="zh-CN" altLang="en-US" dirty="0" smtClean="0"/>
+              <a:t>单击关键字设置对应的点击文字进入下一幻灯片，设置关键字</a:t>
+            </a:r>
+            <a:endParaRPr lang="zh-CN" altLang="en-US" dirty="0"/>
+          </a:p>
+        </p:txBody>
+      </p:sp>
+      <p:sp>
+        <p:nvSpPr>
+          <p:cNvPr id="4" name="灯片编号占位符 3"/>
+          <p:cNvSpPr>
+            <a:spLocks noGrp="1"/>
+          </p:cNvSpPr>
+          <p:nvPr>
+            <p:ph type="sldNum" sz="quarter" idx="10"/>
+          </p:nvPr>
+        </p:nvSpPr>
+        <p:spPr/>
+        <p:txBody>
+          <a:bodyPr/>
+          <a:lstStyle/>
+          <a:p>
+            <a:fld id="{03B09839-7E02-4274-A791-142181B9C2E2}" type="slidenum">
+              <a:rPr lang="zh-CN" altLang="en-US" smtClean="0"/>
+              <a:t>10</a:t>
+            </a:fld>
+            <a:endParaRPr lang="zh-CN" altLang="en-US"/>
+          </a:p>
+        </p:txBody>
+      </p:sp>
+    </p:spTree>
+    <p:extLst>
+      <p:ext uri="{BB962C8B-B14F-4D97-AF65-F5344CB8AC3E}">
+        <p14:creationId xmlns:p14="http://schemas.microsoft.com/office/powerpoint/2010/main" val="3167843499"/>
       </p:ext>
     </p:extLst>
   </p:cSld>
@@ -883,7 +1069,7 @@
           <a:p>
             <a:fld id="{FD1707FA-F098-4647-BCBC-1931C81862C8}" type="datetimeFigureOut">
               <a:rPr lang="zh-CN" altLang="en-US" smtClean="0"/>
-              <a:t>2020/6/30</a:t>
+              <a:t>2020/7/6</a:t>
             </a:fld>
             <a:endParaRPr lang="zh-CN" altLang="en-US"/>
           </a:p>
@@ -1053,7 +1239,7 @@
           <a:p>
             <a:fld id="{FD1707FA-F098-4647-BCBC-1931C81862C8}" type="datetimeFigureOut">
               <a:rPr lang="zh-CN" altLang="en-US" smtClean="0"/>
-              <a:t>2020/6/30</a:t>
+              <a:t>2020/7/6</a:t>
             </a:fld>
             <a:endParaRPr lang="zh-CN" altLang="en-US"/>
           </a:p>
@@ -1233,7 +1419,7 @@
           <a:p>
             <a:fld id="{FD1707FA-F098-4647-BCBC-1931C81862C8}" type="datetimeFigureOut">
               <a:rPr lang="zh-CN" altLang="en-US" smtClean="0"/>
-              <a:t>2020/6/30</a:t>
+              <a:t>2020/7/6</a:t>
             </a:fld>
             <a:endParaRPr lang="zh-CN" altLang="en-US"/>
           </a:p>
@@ -1403,7 +1589,7 @@
           <a:p>
             <a:fld id="{FD1707FA-F098-4647-BCBC-1931C81862C8}" type="datetimeFigureOut">
               <a:rPr lang="zh-CN" altLang="en-US" smtClean="0"/>
-              <a:t>2020/6/30</a:t>
+              <a:t>2020/7/6</a:t>
             </a:fld>
             <a:endParaRPr lang="zh-CN" altLang="en-US"/>
           </a:p>
@@ -1649,7 +1835,7 @@
           <a:p>
             <a:fld id="{FD1707FA-F098-4647-BCBC-1931C81862C8}" type="datetimeFigureOut">
               <a:rPr lang="zh-CN" altLang="en-US" smtClean="0"/>
-              <a:t>2020/6/30</a:t>
+              <a:t>2020/7/6</a:t>
             </a:fld>
             <a:endParaRPr lang="zh-CN" altLang="en-US"/>
           </a:p>
@@ -1881,7 +2067,7 @@
           <a:p>
             <a:fld id="{FD1707FA-F098-4647-BCBC-1931C81862C8}" type="datetimeFigureOut">
               <a:rPr lang="zh-CN" altLang="en-US" smtClean="0"/>
-              <a:t>2020/6/30</a:t>
+              <a:t>2020/7/6</a:t>
             </a:fld>
             <a:endParaRPr lang="zh-CN" altLang="en-US"/>
           </a:p>
@@ -2248,7 +2434,7 @@
           <a:p>
             <a:fld id="{FD1707FA-F098-4647-BCBC-1931C81862C8}" type="datetimeFigureOut">
               <a:rPr lang="zh-CN" altLang="en-US" smtClean="0"/>
-              <a:t>2020/6/30</a:t>
+              <a:t>2020/7/6</a:t>
             </a:fld>
             <a:endParaRPr lang="zh-CN" altLang="en-US"/>
           </a:p>
@@ -2366,7 +2552,7 @@
           <a:p>
             <a:fld id="{FD1707FA-F098-4647-BCBC-1931C81862C8}" type="datetimeFigureOut">
               <a:rPr lang="zh-CN" altLang="en-US" smtClean="0"/>
-              <a:t>2020/6/30</a:t>
+              <a:t>2020/7/6</a:t>
             </a:fld>
             <a:endParaRPr lang="zh-CN" altLang="en-US"/>
           </a:p>
@@ -2461,7 +2647,7 @@
           <a:p>
             <a:fld id="{FD1707FA-F098-4647-BCBC-1931C81862C8}" type="datetimeFigureOut">
               <a:rPr lang="zh-CN" altLang="en-US" smtClean="0"/>
-              <a:t>2020/6/30</a:t>
+              <a:t>2020/7/6</a:t>
             </a:fld>
             <a:endParaRPr lang="zh-CN" altLang="en-US"/>
           </a:p>
@@ -2738,7 +2924,7 @@
           <a:p>
             <a:fld id="{FD1707FA-F098-4647-BCBC-1931C81862C8}" type="datetimeFigureOut">
               <a:rPr lang="zh-CN" altLang="en-US" smtClean="0"/>
-              <a:t>2020/6/30</a:t>
+              <a:t>2020/7/6</a:t>
             </a:fld>
             <a:endParaRPr lang="zh-CN" altLang="en-US"/>
           </a:p>
@@ -2991,7 +3177,7 @@
           <a:p>
             <a:fld id="{FD1707FA-F098-4647-BCBC-1931C81862C8}" type="datetimeFigureOut">
               <a:rPr lang="zh-CN" altLang="en-US" smtClean="0"/>
-              <a:t>2020/6/30</a:t>
+              <a:t>2020/7/6</a:t>
             </a:fld>
             <a:endParaRPr lang="zh-CN" altLang="en-US"/>
           </a:p>
@@ -3204,7 +3390,7 @@
           <a:p>
             <a:fld id="{FD1707FA-F098-4647-BCBC-1931C81862C8}" type="datetimeFigureOut">
               <a:rPr lang="zh-CN" altLang="en-US" smtClean="0"/>
-              <a:t>2020/6/30</a:t>
+              <a:t>2020/7/6</a:t>
             </a:fld>
             <a:endParaRPr lang="zh-CN" altLang="en-US"/>
           </a:p>
@@ -3611,16 +3797,16 @@
       </p:grpSpPr>
       <p:sp>
         <p:nvSpPr>
-          <p:cNvPr id="4" name="圆角矩形 3"/>
+          <p:cNvPr id="4" name="五边形 3"/>
           <p:cNvSpPr/>
           <p:nvPr/>
         </p:nvSpPr>
         <p:spPr>
           <a:xfrm>
-            <a:off x="1290778" y="1487052"/>
-            <a:ext cx="1858489" cy="1880259"/>
-          </a:xfrm>
-          <a:prstGeom prst="roundRect">
+            <a:off x="6165270" y="2258289"/>
+            <a:ext cx="3976252" cy="2272146"/>
+          </a:xfrm>
+          <a:prstGeom prst="homePlate">
             <a:avLst/>
           </a:prstGeom>
         </p:spPr>
@@ -3645,26 +3831,22 @@
           <a:lstStyle/>
           <a:p>
             <a:pPr algn="ctr"/>
-            <a:r>
-              <a:rPr lang="zh-CN" altLang="en-US" dirty="0" smtClean="0"/>
-              <a:t>会计专业</a:t>
-            </a:r>
-            <a:endParaRPr lang="zh-CN" altLang="en-US" dirty="0"/>
-          </a:p>
-        </p:txBody>
-      </p:sp>
-      <p:sp>
-        <p:nvSpPr>
-          <p:cNvPr id="10" name="圆角矩形 9"/>
+            <a:endParaRPr lang="zh-CN" altLang="en-US"/>
+          </a:p>
+        </p:txBody>
+      </p:sp>
+      <p:sp>
+        <p:nvSpPr>
+          <p:cNvPr id="5" name="五边形 4"/>
           <p:cNvSpPr/>
           <p:nvPr/>
         </p:nvSpPr>
         <p:spPr>
-          <a:xfrm>
-            <a:off x="3801254" y="1487052"/>
-            <a:ext cx="1858489" cy="1880259"/>
-          </a:xfrm>
-          <a:prstGeom prst="roundRect">
+          <a:xfrm rot="10800000">
+            <a:off x="2189018" y="2258289"/>
+            <a:ext cx="3976252" cy="2272146"/>
+          </a:xfrm>
+          <a:prstGeom prst="homePlate">
             <a:avLst/>
           </a:prstGeom>
         </p:spPr>
@@ -3689,82 +3871,742 @@
           <a:lstStyle/>
           <a:p>
             <a:pPr algn="ctr"/>
-            <a:r>
-              <a:rPr lang="zh-CN" altLang="en-US" dirty="0"/>
-              <a:t>计算机专业</a:t>
-            </a:r>
-          </a:p>
-        </p:txBody>
-      </p:sp>
-      <p:sp>
-        <p:nvSpPr>
-          <p:cNvPr id="11" name="圆角矩形 10"/>
-          <p:cNvSpPr/>
+            <a:endParaRPr lang="zh-CN" altLang="en-US" dirty="0"/>
+          </a:p>
+        </p:txBody>
+      </p:sp>
+      <p:sp>
+        <p:nvSpPr>
+          <p:cNvPr id="6" name="文本框 5"/>
+          <p:cNvSpPr txBox="1"/>
           <p:nvPr/>
         </p:nvSpPr>
         <p:spPr>
           <a:xfrm>
-            <a:off x="6311730" y="1487052"/>
-            <a:ext cx="1858489" cy="1880259"/>
-          </a:xfrm>
-          <a:prstGeom prst="roundRect">
+            <a:off x="3793467" y="3194307"/>
+            <a:ext cx="4743606" cy="400110"/>
+          </a:xfrm>
+          <a:prstGeom prst="rect">
             <a:avLst/>
           </a:prstGeom>
+          <a:noFill/>
+        </p:spPr>
+        <p:txBody>
+          <a:bodyPr wrap="none" rtlCol="0">
+            <a:spAutoFit/>
+          </a:bodyPr>
+          <a:lstStyle/>
+          <a:p>
+            <a:r>
+              <a:rPr lang="zh-CN" altLang="en-US" sz="2000" b="1" dirty="0" smtClean="0">
+                <a:solidFill>
+                  <a:srgbClr val="FFFF00"/>
+                </a:solidFill>
+              </a:rPr>
+              <a:t>前往课程模块</a:t>
+            </a:r>
+            <a:r>
+              <a:rPr lang="zh-CN" altLang="en-US" sz="2000" b="1" dirty="0" smtClean="0"/>
+              <a:t>                     前往题库模块</a:t>
+            </a:r>
+            <a:endParaRPr lang="zh-CN" altLang="en-US" sz="2000" b="1" dirty="0"/>
+          </a:p>
+        </p:txBody>
+      </p:sp>
+    </p:spTree>
+    <p:extLst>
+      <p:ext uri="{BB962C8B-B14F-4D97-AF65-F5344CB8AC3E}">
+        <p14:creationId xmlns:p14="http://schemas.microsoft.com/office/powerpoint/2010/main" val="3455461999"/>
+      </p:ext>
+    </p:extLst>
+  </p:cSld>
+  <p:clrMapOvr>
+    <a:masterClrMapping/>
+  </p:clrMapOvr>
+  <p:timing>
+    <p:tnLst>
+      <p:par>
+        <p:cTn id="1" dur="indefinite" restart="never" nodeType="tmRoot"/>
+      </p:par>
+    </p:tnLst>
+  </p:timing>
+</p:sld>
+</file>
+
+<file path=ppt/slides/slide10.xml><?xml version="1.0" encoding="utf-8"?>
+<p:sld xmlns:a="http://schemas.openxmlformats.org/drawingml/2006/main" xmlns:r="http://schemas.openxmlformats.org/officeDocument/2006/relationships" xmlns:p="http://schemas.openxmlformats.org/presentationml/2006/main">
+  <p:cSld>
+    <p:spTree>
+      <p:nvGrpSpPr>
+        <p:cNvPr id="1" name=""/>
+        <p:cNvGrpSpPr/>
+        <p:nvPr/>
+      </p:nvGrpSpPr>
+      <p:grpSpPr>
+        <a:xfrm>
+          <a:off x="0" y="0"/>
+          <a:ext cx="0" cy="0"/>
+          <a:chOff x="0" y="0"/>
+          <a:chExt cx="0" cy="0"/>
+        </a:xfrm>
+      </p:grpSpPr>
+      <p:cxnSp>
+        <p:nvCxnSpPr>
+          <p:cNvPr id="5" name="直接连接符 4"/>
+          <p:cNvCxnSpPr/>
+          <p:nvPr/>
+        </p:nvCxnSpPr>
+        <p:spPr>
+          <a:xfrm>
+            <a:off x="4447309" y="1191491"/>
+            <a:ext cx="3241964" cy="0"/>
+          </a:xfrm>
+          <a:prstGeom prst="line">
+            <a:avLst/>
+          </a:prstGeom>
         </p:spPr>
         <p:style>
-          <a:lnRef idx="2">
-            <a:schemeClr val="accent1">
-              <a:shade val="50000"/>
-            </a:schemeClr>
+          <a:lnRef idx="1">
+            <a:schemeClr val="accent1"/>
           </a:lnRef>
-          <a:fillRef idx="1">
+          <a:fillRef idx="0">
             <a:schemeClr val="accent1"/>
           </a:fillRef>
           <a:effectRef idx="0">
             <a:schemeClr val="accent1"/>
           </a:effectRef>
           <a:fontRef idx="minor">
-            <a:schemeClr val="lt1"/>
+            <a:schemeClr val="tx1"/>
           </a:fontRef>
         </p:style>
-        <p:txBody>
-          <a:bodyPr rtlCol="0" anchor="ctr"/>
-          <a:lstStyle/>
-          <a:p>
-            <a:pPr algn="ctr"/>
+      </p:cxnSp>
+      <p:sp>
+        <p:nvSpPr>
+          <p:cNvPr id="6" name="文本框 5"/>
+          <p:cNvSpPr txBox="1"/>
+          <p:nvPr/>
+        </p:nvSpPr>
+        <p:spPr>
+          <a:xfrm>
+            <a:off x="5289873" y="822159"/>
+            <a:ext cx="1627369" cy="369332"/>
+          </a:xfrm>
+          <a:prstGeom prst="rect">
+            <a:avLst/>
+          </a:prstGeom>
+          <a:noFill/>
+        </p:spPr>
+        <p:txBody>
+          <a:bodyPr wrap="none" rtlCol="0">
+            <a:spAutoFit/>
+          </a:bodyPr>
+          <a:lstStyle/>
+          <a:p>
             <a:r>
               <a:rPr lang="zh-CN" altLang="en-US" dirty="0" smtClean="0"/>
-              <a:t>美术专业</a:t>
+              <a:t>增加实务试题</a:t>
             </a:r>
             <a:endParaRPr lang="zh-CN" altLang="en-US" dirty="0"/>
           </a:p>
         </p:txBody>
       </p:sp>
-      <p:sp>
-        <p:nvSpPr>
-          <p:cNvPr id="12" name="圆角矩形 11"/>
+      <p:graphicFrame>
+        <p:nvGraphicFramePr>
+          <p:cNvPr id="7" name="表格 6"/>
+          <p:cNvGraphicFramePr>
+            <a:graphicFrameLocks noGrp="1"/>
+          </p:cNvGraphicFramePr>
+          <p:nvPr>
+            <p:extLst>
+              <p:ext uri="{D42A27DB-BD31-4B8C-83A1-F6EECF244321}">
+                <p14:modId xmlns:p14="http://schemas.microsoft.com/office/powerpoint/2010/main" val="4266061851"/>
+              </p:ext>
+            </p:extLst>
+          </p:nvPr>
+        </p:nvGraphicFramePr>
+        <p:xfrm>
+          <a:off x="1288471" y="1560823"/>
+          <a:ext cx="10113820" cy="370840"/>
+        </p:xfrm>
+        <a:graphic>
+          <a:graphicData uri="http://schemas.openxmlformats.org/drawingml/2006/table">
+            <a:tbl>
+              <a:tblPr firstRow="1" bandRow="1">
+                <a:tableStyleId>{5C22544A-7EE6-4342-B048-85BDC9FD1C3A}</a:tableStyleId>
+              </a:tblPr>
+              <a:tblGrid>
+                <a:gridCol w="1867610">
+                  <a:extLst>
+                    <a:ext uri="{9D8B030D-6E8A-4147-A177-3AD203B41FA5}">
+                      <a16:colId xmlns:a16="http://schemas.microsoft.com/office/drawing/2014/main" val="973691064"/>
+                    </a:ext>
+                  </a:extLst>
+                </a:gridCol>
+                <a:gridCol w="3189300">
+                  <a:extLst>
+                    <a:ext uri="{9D8B030D-6E8A-4147-A177-3AD203B41FA5}">
+                      <a16:colId xmlns:a16="http://schemas.microsoft.com/office/drawing/2014/main" val="3100354542"/>
+                    </a:ext>
+                  </a:extLst>
+                </a:gridCol>
+                <a:gridCol w="2528455">
+                  <a:extLst>
+                    <a:ext uri="{9D8B030D-6E8A-4147-A177-3AD203B41FA5}">
+                      <a16:colId xmlns:a16="http://schemas.microsoft.com/office/drawing/2014/main" val="982381491"/>
+                    </a:ext>
+                  </a:extLst>
+                </a:gridCol>
+                <a:gridCol w="2528455">
+                  <a:extLst>
+                    <a:ext uri="{9D8B030D-6E8A-4147-A177-3AD203B41FA5}">
+                      <a16:colId xmlns:a16="http://schemas.microsoft.com/office/drawing/2014/main" val="1890151917"/>
+                    </a:ext>
+                  </a:extLst>
+                </a:gridCol>
+              </a:tblGrid>
+              <a:tr h="370840">
+                <a:tc>
+                  <a:txBody>
+                    <a:bodyPr/>
+                    <a:lstStyle/>
+                    <a:p>
+                      <a:pPr algn="ctr"/>
+                      <a:r>
+                        <a:rPr lang="zh-CN" altLang="en-US" sz="1400" dirty="0" smtClean="0"/>
+                        <a:t>编号</a:t>
+                      </a:r>
+                      <a:endParaRPr lang="zh-CN" altLang="en-US" sz="1400" dirty="0"/>
+                    </a:p>
+                  </a:txBody>
+                  <a:tcPr/>
+                </a:tc>
+                <a:tc>
+                  <a:txBody>
+                    <a:bodyPr/>
+                    <a:lstStyle/>
+                    <a:p>
+                      <a:pPr algn="ctr"/>
+                      <a:r>
+                        <a:rPr lang="zh-CN" altLang="en-US" sz="1400" dirty="0" smtClean="0"/>
+                        <a:t>题干</a:t>
+                      </a:r>
+                      <a:endParaRPr lang="zh-CN" altLang="en-US" sz="1400" dirty="0"/>
+                    </a:p>
+                  </a:txBody>
+                  <a:tcPr/>
+                </a:tc>
+                <a:tc>
+                  <a:txBody>
+                    <a:bodyPr/>
+                    <a:lstStyle/>
+                    <a:p>
+                      <a:pPr marL="0" marR="0" indent="0" algn="ctr" defTabSz="914400" rtl="0" eaLnBrk="1" fontAlgn="auto" latinLnBrk="0" hangingPunct="1">
+                        <a:lnSpc>
+                          <a:spcPct val="100000"/>
+                        </a:lnSpc>
+                        <a:spcBef>
+                          <a:spcPts val="0"/>
+                        </a:spcBef>
+                        <a:spcAft>
+                          <a:spcPts val="0"/>
+                        </a:spcAft>
+                        <a:buClrTx/>
+                        <a:buSzTx/>
+                        <a:buFontTx/>
+                        <a:buNone/>
+                        <a:tabLst/>
+                        <a:defRPr/>
+                      </a:pPr>
+                      <a:r>
+                        <a:rPr lang="zh-CN" altLang="en-US" sz="1400" dirty="0" smtClean="0"/>
+                        <a:t>答案</a:t>
+                      </a:r>
+                    </a:p>
+                  </a:txBody>
+                  <a:tcPr/>
+                </a:tc>
+                <a:tc>
+                  <a:txBody>
+                    <a:bodyPr/>
+                    <a:lstStyle/>
+                    <a:p>
+                      <a:pPr algn="ctr"/>
+                      <a:r>
+                        <a:rPr lang="zh-CN" altLang="en-US" sz="1400" dirty="0" smtClean="0"/>
+                        <a:t>解析</a:t>
+                      </a:r>
+                      <a:endParaRPr lang="zh-CN" altLang="en-US" sz="1400" dirty="0"/>
+                    </a:p>
+                  </a:txBody>
+                  <a:tcPr/>
+                </a:tc>
+                <a:extLst>
+                  <a:ext uri="{0D108BD9-81ED-4DB2-BD59-A6C34878D82A}">
+                    <a16:rowId xmlns:a16="http://schemas.microsoft.com/office/drawing/2014/main" val="2371275158"/>
+                  </a:ext>
+                </a:extLst>
+              </a:tr>
+            </a:tbl>
+          </a:graphicData>
+        </a:graphic>
+      </p:graphicFrame>
+      <p:graphicFrame>
+        <p:nvGraphicFramePr>
+          <p:cNvPr id="8" name="表格 7"/>
+          <p:cNvGraphicFramePr>
+            <a:graphicFrameLocks noGrp="1"/>
+          </p:cNvGraphicFramePr>
+          <p:nvPr>
+            <p:extLst>
+              <p:ext uri="{D42A27DB-BD31-4B8C-83A1-F6EECF244321}">
+                <p14:modId xmlns:p14="http://schemas.microsoft.com/office/powerpoint/2010/main" val="2739670036"/>
+              </p:ext>
+            </p:extLst>
+          </p:nvPr>
+        </p:nvGraphicFramePr>
+        <p:xfrm>
+          <a:off x="1288471" y="1931663"/>
+          <a:ext cx="10113821" cy="1854200"/>
+        </p:xfrm>
+        <a:graphic>
+          <a:graphicData uri="http://schemas.openxmlformats.org/drawingml/2006/table">
+            <a:tbl>
+              <a:tblPr firstRow="1" bandRow="1">
+                <a:tableStyleId>{5C22544A-7EE6-4342-B048-85BDC9FD1C3A}</a:tableStyleId>
+              </a:tblPr>
+              <a:tblGrid>
+                <a:gridCol w="1870368">
+                  <a:extLst>
+                    <a:ext uri="{9D8B030D-6E8A-4147-A177-3AD203B41FA5}">
+                      <a16:colId xmlns:a16="http://schemas.microsoft.com/office/drawing/2014/main" val="3290540492"/>
+                    </a:ext>
+                  </a:extLst>
+                </a:gridCol>
+                <a:gridCol w="3186543">
+                  <a:extLst>
+                    <a:ext uri="{9D8B030D-6E8A-4147-A177-3AD203B41FA5}">
+                      <a16:colId xmlns:a16="http://schemas.microsoft.com/office/drawing/2014/main" val="2761288044"/>
+                    </a:ext>
+                  </a:extLst>
+                </a:gridCol>
+                <a:gridCol w="2528455">
+                  <a:extLst>
+                    <a:ext uri="{9D8B030D-6E8A-4147-A177-3AD203B41FA5}">
+                      <a16:colId xmlns:a16="http://schemas.microsoft.com/office/drawing/2014/main" val="1175141232"/>
+                    </a:ext>
+                  </a:extLst>
+                </a:gridCol>
+                <a:gridCol w="2528455">
+                  <a:extLst>
+                    <a:ext uri="{9D8B030D-6E8A-4147-A177-3AD203B41FA5}">
+                      <a16:colId xmlns:a16="http://schemas.microsoft.com/office/drawing/2014/main" val="2645010706"/>
+                    </a:ext>
+                  </a:extLst>
+                </a:gridCol>
+              </a:tblGrid>
+              <a:tr h="370840">
+                <a:tc>
+                  <a:txBody>
+                    <a:bodyPr/>
+                    <a:lstStyle/>
+                    <a:p>
+                      <a:pPr algn="ctr"/>
+                      <a:r>
+                        <a:rPr lang="en-US" altLang="zh-CN" b="0" dirty="0" smtClean="0">
+                          <a:solidFill>
+                            <a:schemeClr val="tx1"/>
+                          </a:solidFill>
+                        </a:rPr>
+                        <a:t>1</a:t>
+                      </a:r>
+                      <a:endParaRPr lang="zh-CN" altLang="en-US" b="0" dirty="0">
+                        <a:solidFill>
+                          <a:schemeClr val="tx1"/>
+                        </a:solidFill>
+                      </a:endParaRPr>
+                    </a:p>
+                  </a:txBody>
+                  <a:tcPr/>
+                </a:tc>
+                <a:tc>
+                  <a:txBody>
+                    <a:bodyPr/>
+                    <a:lstStyle/>
+                    <a:p>
+                      <a:pPr algn="ctr"/>
+                      <a:r>
+                        <a:rPr lang="en-US" altLang="zh-CN" dirty="0" smtClean="0">
+                          <a:solidFill>
+                            <a:schemeClr val="tx1"/>
+                          </a:solidFill>
+                        </a:rPr>
+                        <a:t>……</a:t>
+                      </a:r>
+                      <a:endParaRPr lang="zh-CN" altLang="en-US" dirty="0">
+                        <a:solidFill>
+                          <a:schemeClr val="tx1"/>
+                        </a:solidFill>
+                      </a:endParaRPr>
+                    </a:p>
+                  </a:txBody>
+                  <a:tcPr/>
+                </a:tc>
+                <a:tc>
+                  <a:txBody>
+                    <a:bodyPr/>
+                    <a:lstStyle/>
+                    <a:p>
+                      <a:pPr algn="ctr"/>
+                      <a:r>
+                        <a:rPr lang="en-US" altLang="zh-CN" b="0" dirty="0" smtClean="0">
+                          <a:solidFill>
+                            <a:schemeClr val="tx1"/>
+                          </a:solidFill>
+                        </a:rPr>
+                        <a:t>……</a:t>
+                      </a:r>
+                      <a:endParaRPr lang="zh-CN" altLang="en-US" b="0" dirty="0">
+                        <a:solidFill>
+                          <a:schemeClr val="tx1"/>
+                        </a:solidFill>
+                      </a:endParaRPr>
+                    </a:p>
+                  </a:txBody>
+                  <a:tcPr/>
+                </a:tc>
+                <a:tc>
+                  <a:txBody>
+                    <a:bodyPr/>
+                    <a:lstStyle/>
+                    <a:p>
+                      <a:pPr algn="ctr"/>
+                      <a:r>
+                        <a:rPr lang="en-US" altLang="zh-CN" b="0" dirty="0" smtClean="0">
+                          <a:solidFill>
+                            <a:schemeClr val="tx1"/>
+                          </a:solidFill>
+                        </a:rPr>
+                        <a:t>……</a:t>
+                      </a:r>
+                      <a:endParaRPr lang="zh-CN" altLang="en-US" b="0" dirty="0">
+                        <a:solidFill>
+                          <a:schemeClr val="tx1"/>
+                        </a:solidFill>
+                      </a:endParaRPr>
+                    </a:p>
+                  </a:txBody>
+                  <a:tcPr/>
+                </a:tc>
+                <a:extLst>
+                  <a:ext uri="{0D108BD9-81ED-4DB2-BD59-A6C34878D82A}">
+                    <a16:rowId xmlns:a16="http://schemas.microsoft.com/office/drawing/2014/main" val="4238928889"/>
+                  </a:ext>
+                </a:extLst>
+              </a:tr>
+              <a:tr h="370840">
+                <a:tc>
+                  <a:txBody>
+                    <a:bodyPr/>
+                    <a:lstStyle/>
+                    <a:p>
+                      <a:pPr algn="ctr"/>
+                      <a:r>
+                        <a:rPr lang="en-US" altLang="zh-CN" b="0" dirty="0" smtClean="0">
+                          <a:solidFill>
+                            <a:schemeClr val="tx1"/>
+                          </a:solidFill>
+                        </a:rPr>
+                        <a:t>2</a:t>
+                      </a:r>
+                      <a:endParaRPr lang="zh-CN" altLang="en-US" b="0" dirty="0">
+                        <a:solidFill>
+                          <a:schemeClr val="tx1"/>
+                        </a:solidFill>
+                      </a:endParaRPr>
+                    </a:p>
+                  </a:txBody>
+                  <a:tcPr/>
+                </a:tc>
+                <a:tc>
+                  <a:txBody>
+                    <a:bodyPr/>
+                    <a:lstStyle/>
+                    <a:p>
+                      <a:pPr algn="ctr"/>
+                      <a:r>
+                        <a:rPr lang="en-US" altLang="zh-CN" dirty="0" smtClean="0">
+                          <a:solidFill>
+                            <a:schemeClr val="tx1"/>
+                          </a:solidFill>
+                        </a:rPr>
+                        <a:t>……</a:t>
+                      </a:r>
+                      <a:endParaRPr lang="zh-CN" altLang="en-US" dirty="0">
+                        <a:solidFill>
+                          <a:schemeClr val="tx1"/>
+                        </a:solidFill>
+                      </a:endParaRPr>
+                    </a:p>
+                  </a:txBody>
+                  <a:tcPr/>
+                </a:tc>
+                <a:tc>
+                  <a:txBody>
+                    <a:bodyPr/>
+                    <a:lstStyle/>
+                    <a:p>
+                      <a:endParaRPr lang="zh-CN" altLang="en-US"/>
+                    </a:p>
+                  </a:txBody>
+                  <a:tcPr/>
+                </a:tc>
+                <a:tc>
+                  <a:txBody>
+                    <a:bodyPr/>
+                    <a:lstStyle/>
+                    <a:p>
+                      <a:endParaRPr lang="zh-CN" altLang="en-US"/>
+                    </a:p>
+                  </a:txBody>
+                  <a:tcPr/>
+                </a:tc>
+                <a:extLst>
+                  <a:ext uri="{0D108BD9-81ED-4DB2-BD59-A6C34878D82A}">
+                    <a16:rowId xmlns:a16="http://schemas.microsoft.com/office/drawing/2014/main" val="3655719776"/>
+                  </a:ext>
+                </a:extLst>
+              </a:tr>
+              <a:tr h="370840">
+                <a:tc>
+                  <a:txBody>
+                    <a:bodyPr/>
+                    <a:lstStyle/>
+                    <a:p>
+                      <a:pPr algn="ctr"/>
+                      <a:r>
+                        <a:rPr lang="en-US" altLang="zh-CN" b="0" dirty="0" smtClean="0">
+                          <a:solidFill>
+                            <a:schemeClr val="tx1"/>
+                          </a:solidFill>
+                        </a:rPr>
+                        <a:t>3</a:t>
+                      </a:r>
+                      <a:endParaRPr lang="zh-CN" altLang="en-US" b="0" dirty="0">
+                        <a:solidFill>
+                          <a:schemeClr val="tx1"/>
+                        </a:solidFill>
+                      </a:endParaRPr>
+                    </a:p>
+                  </a:txBody>
+                  <a:tcPr/>
+                </a:tc>
+                <a:tc>
+                  <a:txBody>
+                    <a:bodyPr/>
+                    <a:lstStyle/>
+                    <a:p>
+                      <a:pPr algn="ctr"/>
+                      <a:r>
+                        <a:rPr lang="en-US" altLang="zh-CN" dirty="0" smtClean="0">
+                          <a:solidFill>
+                            <a:schemeClr val="tx1"/>
+                          </a:solidFill>
+                        </a:rPr>
+                        <a:t>……</a:t>
+                      </a:r>
+                      <a:endParaRPr lang="zh-CN" altLang="en-US" dirty="0">
+                        <a:solidFill>
+                          <a:schemeClr val="tx1"/>
+                        </a:solidFill>
+                      </a:endParaRPr>
+                    </a:p>
+                  </a:txBody>
+                  <a:tcPr/>
+                </a:tc>
+                <a:tc>
+                  <a:txBody>
+                    <a:bodyPr/>
+                    <a:lstStyle/>
+                    <a:p>
+                      <a:endParaRPr lang="zh-CN" altLang="en-US"/>
+                    </a:p>
+                  </a:txBody>
+                  <a:tcPr/>
+                </a:tc>
+                <a:tc>
+                  <a:txBody>
+                    <a:bodyPr/>
+                    <a:lstStyle/>
+                    <a:p>
+                      <a:endParaRPr lang="zh-CN" altLang="en-US"/>
+                    </a:p>
+                  </a:txBody>
+                  <a:tcPr/>
+                </a:tc>
+                <a:extLst>
+                  <a:ext uri="{0D108BD9-81ED-4DB2-BD59-A6C34878D82A}">
+                    <a16:rowId xmlns:a16="http://schemas.microsoft.com/office/drawing/2014/main" val="1985643076"/>
+                  </a:ext>
+                </a:extLst>
+              </a:tr>
+              <a:tr h="370840">
+                <a:tc>
+                  <a:txBody>
+                    <a:bodyPr/>
+                    <a:lstStyle/>
+                    <a:p>
+                      <a:pPr algn="ctr"/>
+                      <a:r>
+                        <a:rPr lang="en-US" altLang="zh-CN" b="0" dirty="0" smtClean="0">
+                          <a:solidFill>
+                            <a:schemeClr val="tx1"/>
+                          </a:solidFill>
+                        </a:rPr>
+                        <a:t>4</a:t>
+                      </a:r>
+                      <a:endParaRPr lang="zh-CN" altLang="en-US" b="0" dirty="0">
+                        <a:solidFill>
+                          <a:schemeClr val="tx1"/>
+                        </a:solidFill>
+                      </a:endParaRPr>
+                    </a:p>
+                  </a:txBody>
+                  <a:tcPr/>
+                </a:tc>
+                <a:tc>
+                  <a:txBody>
+                    <a:bodyPr/>
+                    <a:lstStyle/>
+                    <a:p>
+                      <a:pPr algn="ctr"/>
+                      <a:r>
+                        <a:rPr lang="en-US" altLang="zh-CN" dirty="0" smtClean="0">
+                          <a:solidFill>
+                            <a:schemeClr val="tx1"/>
+                          </a:solidFill>
+                        </a:rPr>
+                        <a:t>……</a:t>
+                      </a:r>
+                      <a:endParaRPr lang="zh-CN" altLang="en-US" dirty="0">
+                        <a:solidFill>
+                          <a:schemeClr val="tx1"/>
+                        </a:solidFill>
+                      </a:endParaRPr>
+                    </a:p>
+                  </a:txBody>
+                  <a:tcPr/>
+                </a:tc>
+                <a:tc>
+                  <a:txBody>
+                    <a:bodyPr/>
+                    <a:lstStyle/>
+                    <a:p>
+                      <a:endParaRPr lang="zh-CN" altLang="en-US"/>
+                    </a:p>
+                  </a:txBody>
+                  <a:tcPr/>
+                </a:tc>
+                <a:tc>
+                  <a:txBody>
+                    <a:bodyPr/>
+                    <a:lstStyle/>
+                    <a:p>
+                      <a:endParaRPr lang="zh-CN" altLang="en-US"/>
+                    </a:p>
+                  </a:txBody>
+                  <a:tcPr/>
+                </a:tc>
+                <a:extLst>
+                  <a:ext uri="{0D108BD9-81ED-4DB2-BD59-A6C34878D82A}">
+                    <a16:rowId xmlns:a16="http://schemas.microsoft.com/office/drawing/2014/main" val="3752446180"/>
+                  </a:ext>
+                </a:extLst>
+              </a:tr>
+              <a:tr h="370840">
+                <a:tc>
+                  <a:txBody>
+                    <a:bodyPr/>
+                    <a:lstStyle/>
+                    <a:p>
+                      <a:pPr algn="ctr"/>
+                      <a:r>
+                        <a:rPr lang="en-US" altLang="zh-CN" dirty="0" smtClean="0"/>
+                        <a:t>5</a:t>
+                      </a:r>
+                      <a:endParaRPr lang="zh-CN" altLang="en-US" dirty="0"/>
+                    </a:p>
+                  </a:txBody>
+                  <a:tcPr/>
+                </a:tc>
+                <a:tc>
+                  <a:txBody>
+                    <a:bodyPr/>
+                    <a:lstStyle/>
+                    <a:p>
+                      <a:pPr algn="ctr"/>
+                      <a:r>
+                        <a:rPr lang="en-US" altLang="zh-CN" dirty="0" smtClean="0"/>
+                        <a:t>……</a:t>
+                      </a:r>
+                      <a:endParaRPr lang="zh-CN" altLang="en-US" dirty="0"/>
+                    </a:p>
+                  </a:txBody>
+                  <a:tcPr/>
+                </a:tc>
+                <a:tc>
+                  <a:txBody>
+                    <a:bodyPr/>
+                    <a:lstStyle/>
+                    <a:p>
+                      <a:endParaRPr lang="zh-CN" altLang="en-US" dirty="0"/>
+                    </a:p>
+                  </a:txBody>
+                  <a:tcPr/>
+                </a:tc>
+                <a:tc>
+                  <a:txBody>
+                    <a:bodyPr/>
+                    <a:lstStyle/>
+                    <a:p>
+                      <a:endParaRPr lang="zh-CN" altLang="en-US" dirty="0"/>
+                    </a:p>
+                  </a:txBody>
+                  <a:tcPr/>
+                </a:tc>
+                <a:extLst>
+                  <a:ext uri="{0D108BD9-81ED-4DB2-BD59-A6C34878D82A}">
+                    <a16:rowId xmlns:a16="http://schemas.microsoft.com/office/drawing/2014/main" val="4219247397"/>
+                  </a:ext>
+                </a:extLst>
+              </a:tr>
+            </a:tbl>
+          </a:graphicData>
+        </a:graphic>
+      </p:graphicFrame>
+      <p:sp>
+        <p:nvSpPr>
+          <p:cNvPr id="9" name="矩形 8"/>
           <p:cNvSpPr/>
           <p:nvPr/>
         </p:nvSpPr>
         <p:spPr>
           <a:xfrm>
-            <a:off x="8822206" y="1487052"/>
-            <a:ext cx="1858489" cy="1880259"/>
-          </a:xfrm>
-          <a:prstGeom prst="roundRect">
+            <a:off x="1288471" y="3785863"/>
+            <a:ext cx="10113820" cy="398210"/>
+          </a:xfrm>
+          <a:prstGeom prst="rect">
             <a:avLst/>
           </a:prstGeom>
+          <a:ln/>
         </p:spPr>
         <p:style>
-          <a:lnRef idx="2">
-            <a:schemeClr val="accent1">
-              <a:shade val="50000"/>
-            </a:schemeClr>
+          <a:lnRef idx="0">
+            <a:schemeClr val="accent1"/>
           </a:lnRef>
-          <a:fillRef idx="1">
+          <a:fillRef idx="3">
             <a:schemeClr val="accent1"/>
           </a:fillRef>
-          <a:effectRef idx="0">
+          <a:effectRef idx="3">
             <a:schemeClr val="accent1"/>
           </a:effectRef>
           <a:fontRef idx="minor">
@@ -3778,229 +4620,7 @@
             <a:pPr algn="ctr"/>
             <a:r>
               <a:rPr lang="zh-CN" altLang="en-US" dirty="0" smtClean="0"/>
-              <a:t>机械专业</a:t>
-            </a:r>
-            <a:endParaRPr lang="zh-CN" altLang="en-US" dirty="0"/>
-          </a:p>
-        </p:txBody>
-      </p:sp>
-      <p:sp>
-        <p:nvSpPr>
-          <p:cNvPr id="13" name="圆角矩形 12"/>
-          <p:cNvSpPr/>
-          <p:nvPr/>
-        </p:nvSpPr>
-        <p:spPr>
-          <a:xfrm>
-            <a:off x="1290778" y="4397166"/>
-            <a:ext cx="1858489" cy="1880259"/>
-          </a:xfrm>
-          <a:prstGeom prst="roundRect">
-            <a:avLst/>
-          </a:prstGeom>
-        </p:spPr>
-        <p:style>
-          <a:lnRef idx="2">
-            <a:schemeClr val="accent1">
-              <a:shade val="50000"/>
-            </a:schemeClr>
-          </a:lnRef>
-          <a:fillRef idx="1">
-            <a:schemeClr val="accent1"/>
-          </a:fillRef>
-          <a:effectRef idx="0">
-            <a:schemeClr val="accent1"/>
-          </a:effectRef>
-          <a:fontRef idx="minor">
-            <a:schemeClr val="lt1"/>
-          </a:fontRef>
-        </p:style>
-        <p:txBody>
-          <a:bodyPr rtlCol="0" anchor="ctr"/>
-          <a:lstStyle/>
-          <a:p>
-            <a:pPr algn="ctr"/>
-            <a:r>
-              <a:rPr lang="zh-CN" altLang="en-US" dirty="0" smtClean="0"/>
-              <a:t>船舶专业</a:t>
-            </a:r>
-            <a:endParaRPr lang="zh-CN" altLang="en-US" dirty="0"/>
-          </a:p>
-        </p:txBody>
-      </p:sp>
-      <p:sp>
-        <p:nvSpPr>
-          <p:cNvPr id="14" name="圆角矩形 13"/>
-          <p:cNvSpPr/>
-          <p:nvPr/>
-        </p:nvSpPr>
-        <p:spPr>
-          <a:xfrm>
-            <a:off x="3801254" y="4397165"/>
-            <a:ext cx="1858489" cy="1880259"/>
-          </a:xfrm>
-          <a:prstGeom prst="roundRect">
-            <a:avLst/>
-          </a:prstGeom>
-        </p:spPr>
-        <p:style>
-          <a:lnRef idx="2">
-            <a:schemeClr val="accent1">
-              <a:shade val="50000"/>
-            </a:schemeClr>
-          </a:lnRef>
-          <a:fillRef idx="1">
-            <a:schemeClr val="accent1"/>
-          </a:fillRef>
-          <a:effectRef idx="0">
-            <a:schemeClr val="accent1"/>
-          </a:effectRef>
-          <a:fontRef idx="minor">
-            <a:schemeClr val="lt1"/>
-          </a:fontRef>
-        </p:style>
-        <p:txBody>
-          <a:bodyPr rtlCol="0" anchor="ctr"/>
-          <a:lstStyle/>
-          <a:p>
-            <a:pPr algn="ctr"/>
-            <a:r>
-              <a:rPr lang="zh-CN" altLang="en-US" dirty="0" smtClean="0"/>
-              <a:t>航空专业</a:t>
-            </a:r>
-            <a:endParaRPr lang="zh-CN" altLang="en-US" dirty="0"/>
-          </a:p>
-        </p:txBody>
-      </p:sp>
-      <p:sp>
-        <p:nvSpPr>
-          <p:cNvPr id="15" name="圆角矩形 14"/>
-          <p:cNvSpPr/>
-          <p:nvPr/>
-        </p:nvSpPr>
-        <p:spPr>
-          <a:xfrm>
-            <a:off x="6311730" y="4397165"/>
-            <a:ext cx="1858489" cy="1880259"/>
-          </a:xfrm>
-          <a:prstGeom prst="roundRect">
-            <a:avLst/>
-          </a:prstGeom>
-        </p:spPr>
-        <p:style>
-          <a:lnRef idx="2">
-            <a:schemeClr val="accent1">
-              <a:shade val="50000"/>
-            </a:schemeClr>
-          </a:lnRef>
-          <a:fillRef idx="1">
-            <a:schemeClr val="accent1"/>
-          </a:fillRef>
-          <a:effectRef idx="0">
-            <a:schemeClr val="accent1"/>
-          </a:effectRef>
-          <a:fontRef idx="minor">
-            <a:schemeClr val="lt1"/>
-          </a:fontRef>
-        </p:style>
-        <p:txBody>
-          <a:bodyPr rtlCol="0" anchor="ctr"/>
-          <a:lstStyle/>
-          <a:p>
-            <a:pPr algn="ctr"/>
-            <a:r>
-              <a:rPr lang="zh-CN" altLang="en-US" dirty="0" smtClean="0"/>
-              <a:t>医学专业</a:t>
-            </a:r>
-            <a:endParaRPr lang="zh-CN" altLang="en-US" dirty="0"/>
-          </a:p>
-        </p:txBody>
-      </p:sp>
-      <p:sp>
-        <p:nvSpPr>
-          <p:cNvPr id="16" name="圆角矩形 15"/>
-          <p:cNvSpPr/>
-          <p:nvPr/>
-        </p:nvSpPr>
-        <p:spPr>
-          <a:xfrm>
-            <a:off x="8822206" y="4397165"/>
-            <a:ext cx="1858489" cy="1880259"/>
-          </a:xfrm>
-          <a:prstGeom prst="roundRect">
-            <a:avLst/>
-          </a:prstGeom>
-        </p:spPr>
-        <p:style>
-          <a:lnRef idx="2">
-            <a:schemeClr val="accent1">
-              <a:shade val="50000"/>
-            </a:schemeClr>
-          </a:lnRef>
-          <a:fillRef idx="1">
-            <a:schemeClr val="accent1"/>
-          </a:fillRef>
-          <a:effectRef idx="0">
-            <a:schemeClr val="accent1"/>
-          </a:effectRef>
-          <a:fontRef idx="minor">
-            <a:schemeClr val="lt1"/>
-          </a:fontRef>
-        </p:style>
-        <p:txBody>
-          <a:bodyPr rtlCol="0" anchor="ctr"/>
-          <a:lstStyle/>
-          <a:p>
-            <a:pPr algn="ctr"/>
-            <a:r>
-              <a:rPr lang="en-US" altLang="zh-CN" dirty="0" smtClean="0"/>
-              <a:t>……</a:t>
-            </a:r>
-            <a:endParaRPr lang="zh-CN" altLang="en-US" dirty="0"/>
-          </a:p>
-        </p:txBody>
-      </p:sp>
-      <p:sp>
-        <p:nvSpPr>
-          <p:cNvPr id="17" name="矩形 16"/>
-          <p:cNvSpPr/>
-          <p:nvPr/>
-        </p:nvSpPr>
-        <p:spPr>
-          <a:xfrm>
-            <a:off x="1290777" y="674250"/>
-            <a:ext cx="1858489" cy="595086"/>
-          </a:xfrm>
-          <a:prstGeom prst="rect">
-            <a:avLst/>
-          </a:prstGeom>
-        </p:spPr>
-        <p:style>
-          <a:lnRef idx="2">
-            <a:schemeClr val="accent6">
-              <a:shade val="50000"/>
-            </a:schemeClr>
-          </a:lnRef>
-          <a:fillRef idx="1">
-            <a:schemeClr val="accent6"/>
-          </a:fillRef>
-          <a:effectRef idx="0">
-            <a:schemeClr val="accent6"/>
-          </a:effectRef>
-          <a:fontRef idx="minor">
-            <a:schemeClr val="lt1"/>
-          </a:fontRef>
-        </p:style>
-        <p:txBody>
-          <a:bodyPr rtlCol="0" anchor="ctr"/>
-          <a:lstStyle/>
-          <a:p>
-            <a:pPr algn="ctr"/>
-            <a:r>
-              <a:rPr lang="zh-CN" altLang="en-US" dirty="0" smtClean="0">
-                <a:hlinkClick r:id="rId2" action="ppaction://hlinksldjump"/>
-              </a:rPr>
-              <a:t>新增课程</a:t>
+              <a:t>添加一条</a:t>
             </a:r>
             <a:endParaRPr lang="zh-CN" altLang="en-US" dirty="0"/>
           </a:p>
@@ -4009,7 +4629,7 @@
     </p:spTree>
     <p:extLst>
       <p:ext uri="{BB962C8B-B14F-4D97-AF65-F5344CB8AC3E}">
-        <p14:creationId xmlns:p14="http://schemas.microsoft.com/office/powerpoint/2010/main" val="1761004833"/>
+        <p14:creationId xmlns:p14="http://schemas.microsoft.com/office/powerpoint/2010/main" val="1779456484"/>
       </p:ext>
     </p:extLst>
   </p:cSld>
@@ -4051,8 +4671,8 @@
         </p:nvSpPr>
         <p:spPr>
           <a:xfrm>
-            <a:off x="3817254" y="2278744"/>
-            <a:ext cx="4223657" cy="464457"/>
+            <a:off x="1290778" y="1487052"/>
+            <a:ext cx="1858489" cy="1880259"/>
           </a:xfrm>
           <a:prstGeom prst="roundRect">
             <a:avLst/>
@@ -4078,17 +4698,10 @@
           <a:bodyPr rtlCol="0" anchor="ctr"/>
           <a:lstStyle/>
           <a:p>
+            <a:pPr algn="ctr"/>
             <a:r>
               <a:rPr lang="zh-CN" altLang="en-US" dirty="0" smtClean="0"/>
-              <a:t>课程名称：     </a:t>
-            </a:r>
-            <a:r>
-              <a:rPr lang="en-US" altLang="zh-CN" dirty="0" smtClean="0"/>
-              <a:t>Java</a:t>
-            </a:r>
-            <a:r>
-              <a:rPr lang="zh-CN" altLang="en-US" dirty="0" smtClean="0"/>
-              <a:t>教学基础</a:t>
+              <a:t>会计专业</a:t>
             </a:r>
             <a:endParaRPr lang="zh-CN" altLang="en-US" dirty="0"/>
           </a:p>
@@ -4096,14 +4709,14 @@
       </p:sp>
       <p:sp>
         <p:nvSpPr>
-          <p:cNvPr id="5" name="圆角矩形 4"/>
+          <p:cNvPr id="10" name="圆角矩形 9"/>
           <p:cNvSpPr/>
           <p:nvPr/>
         </p:nvSpPr>
         <p:spPr>
           <a:xfrm>
-            <a:off x="3817256" y="2830286"/>
-            <a:ext cx="4223657" cy="464457"/>
+            <a:off x="3801254" y="1487052"/>
+            <a:ext cx="1858489" cy="1880259"/>
           </a:xfrm>
           <a:prstGeom prst="roundRect">
             <a:avLst/>
@@ -4129,24 +4742,24 @@
           <a:bodyPr rtlCol="0" anchor="ctr"/>
           <a:lstStyle/>
           <a:p>
-            <a:r>
-              <a:rPr lang="zh-CN" altLang="en-US" dirty="0" smtClean="0"/>
-              <a:t>课程类型：     计算机专业</a:t>
-            </a:r>
-            <a:endParaRPr lang="zh-CN" altLang="en-US" dirty="0"/>
-          </a:p>
-        </p:txBody>
-      </p:sp>
-      <p:sp>
-        <p:nvSpPr>
-          <p:cNvPr id="7" name="圆角矩形 6"/>
+            <a:pPr algn="ctr"/>
+            <a:r>
+              <a:rPr lang="zh-CN" altLang="en-US" dirty="0"/>
+              <a:t>计算机专业</a:t>
+            </a:r>
+          </a:p>
+        </p:txBody>
+      </p:sp>
+      <p:sp>
+        <p:nvSpPr>
+          <p:cNvPr id="11" name="圆角矩形 10"/>
           <p:cNvSpPr/>
           <p:nvPr/>
         </p:nvSpPr>
         <p:spPr>
           <a:xfrm>
-            <a:off x="3817256" y="3381828"/>
-            <a:ext cx="4223657" cy="464457"/>
+            <a:off x="6311730" y="1487052"/>
+            <a:ext cx="1858489" cy="1880259"/>
           </a:xfrm>
           <a:prstGeom prst="roundRect">
             <a:avLst/>
@@ -4172,9 +4785,10 @@
           <a:bodyPr rtlCol="0" anchor="ctr"/>
           <a:lstStyle/>
           <a:p>
+            <a:pPr algn="ctr"/>
             <a:r>
               <a:rPr lang="zh-CN" altLang="en-US" dirty="0" smtClean="0"/>
-              <a:t>课程开发者：  张三</a:t>
+              <a:t>美术专业</a:t>
             </a:r>
             <a:endParaRPr lang="zh-CN" altLang="en-US" dirty="0"/>
           </a:p>
@@ -4182,14 +4796,14 @@
       </p:sp>
       <p:sp>
         <p:nvSpPr>
-          <p:cNvPr id="8" name="圆角矩形 7"/>
+          <p:cNvPr id="12" name="圆角矩形 11"/>
           <p:cNvSpPr/>
           <p:nvPr/>
         </p:nvSpPr>
         <p:spPr>
           <a:xfrm>
-            <a:off x="3817256" y="3933370"/>
-            <a:ext cx="4223657" cy="464457"/>
+            <a:off x="8822206" y="1487052"/>
+            <a:ext cx="1858489" cy="1880259"/>
           </a:xfrm>
           <a:prstGeom prst="roundRect">
             <a:avLst/>
@@ -4215,13 +4829,10 @@
           <a:bodyPr rtlCol="0" anchor="ctr"/>
           <a:lstStyle/>
           <a:p>
+            <a:pPr algn="ctr"/>
             <a:r>
               <a:rPr lang="zh-CN" altLang="en-US" dirty="0" smtClean="0"/>
-              <a:t>课程描述：      让小白也会</a:t>
-            </a:r>
-            <a:r>
-              <a:rPr lang="en-US" altLang="zh-CN" dirty="0" smtClean="0"/>
-              <a:t>Java</a:t>
+              <a:t>机械专业</a:t>
             </a:r>
             <a:endParaRPr lang="zh-CN" altLang="en-US" dirty="0"/>
           </a:p>
@@ -4229,46 +4840,16 @@
       </p:sp>
       <p:sp>
         <p:nvSpPr>
-          <p:cNvPr id="11" name="文本框 10"/>
-          <p:cNvSpPr txBox="1"/>
-          <p:nvPr/>
-        </p:nvSpPr>
-        <p:spPr>
-          <a:xfrm>
-            <a:off x="5268684" y="1097533"/>
-            <a:ext cx="1415772" cy="461665"/>
-          </a:xfrm>
-          <a:prstGeom prst="rect">
-            <a:avLst/>
-          </a:prstGeom>
-          <a:noFill/>
-        </p:spPr>
-        <p:txBody>
-          <a:bodyPr wrap="none" rtlCol="0">
-            <a:spAutoFit/>
-          </a:bodyPr>
-          <a:lstStyle/>
-          <a:p>
-            <a:r>
-              <a:rPr lang="zh-CN" altLang="en-US" sz="2400" dirty="0" smtClean="0"/>
-              <a:t>新增课程</a:t>
-            </a:r>
-            <a:endParaRPr lang="zh-CN" altLang="en-US" sz="2400" dirty="0"/>
-          </a:p>
-        </p:txBody>
-      </p:sp>
-      <p:sp>
-        <p:nvSpPr>
-          <p:cNvPr id="12" name="矩形 11"/>
+          <p:cNvPr id="13" name="圆角矩形 12"/>
           <p:cNvSpPr/>
           <p:nvPr/>
         </p:nvSpPr>
         <p:spPr>
           <a:xfrm>
-            <a:off x="6219366" y="5884223"/>
-            <a:ext cx="783772" cy="449943"/>
-          </a:xfrm>
-          <a:prstGeom prst="rect">
+            <a:off x="1290778" y="4397166"/>
+            <a:ext cx="1858489" cy="1880259"/>
+          </a:xfrm>
+          <a:prstGeom prst="roundRect">
             <a:avLst/>
           </a:prstGeom>
         </p:spPr>
@@ -4295,7 +4876,7 @@
             <a:pPr algn="ctr"/>
             <a:r>
               <a:rPr lang="zh-CN" altLang="en-US" dirty="0" smtClean="0"/>
-              <a:t>确认</a:t>
+              <a:t>船舶专业</a:t>
             </a:r>
             <a:endParaRPr lang="zh-CN" altLang="en-US" dirty="0"/>
           </a:p>
@@ -4303,16 +4884,16 @@
       </p:sp>
       <p:sp>
         <p:nvSpPr>
-          <p:cNvPr id="13" name="矩形 12"/>
+          <p:cNvPr id="14" name="圆角矩形 13"/>
           <p:cNvSpPr/>
           <p:nvPr/>
         </p:nvSpPr>
         <p:spPr>
           <a:xfrm>
-            <a:off x="7257138" y="5884223"/>
-            <a:ext cx="783772" cy="449943"/>
-          </a:xfrm>
-          <a:prstGeom prst="rect">
+            <a:off x="3801254" y="4397165"/>
+            <a:ext cx="1858489" cy="1880259"/>
+          </a:xfrm>
+          <a:prstGeom prst="roundRect">
             <a:avLst/>
           </a:prstGeom>
         </p:spPr>
@@ -4339,7 +4920,7 @@
             <a:pPr algn="ctr"/>
             <a:r>
               <a:rPr lang="zh-CN" altLang="en-US" dirty="0" smtClean="0"/>
-              <a:t>取消</a:t>
+              <a:t>航空专业</a:t>
             </a:r>
             <a:endParaRPr lang="zh-CN" altLang="en-US" dirty="0"/>
           </a:p>
@@ -4347,16 +4928,16 @@
       </p:sp>
       <p:sp>
         <p:nvSpPr>
-          <p:cNvPr id="14" name="剪去同侧角的矩形 13"/>
+          <p:cNvPr id="15" name="圆角矩形 14"/>
           <p:cNvSpPr/>
           <p:nvPr/>
         </p:nvSpPr>
         <p:spPr>
           <a:xfrm>
-            <a:off x="2191653" y="1536338"/>
-            <a:ext cx="7561945" cy="45719"/>
-          </a:xfrm>
-          <a:prstGeom prst="snip2SameRect">
+            <a:off x="6311730" y="4397165"/>
+            <a:ext cx="1858489" cy="1880259"/>
+          </a:xfrm>
+          <a:prstGeom prst="roundRect">
             <a:avLst/>
           </a:prstGeom>
         </p:spPr>
@@ -4381,20 +4962,24 @@
           <a:lstStyle/>
           <a:p>
             <a:pPr algn="ctr"/>
-            <a:endParaRPr lang="zh-CN" altLang="en-US"/>
-          </a:p>
-        </p:txBody>
-      </p:sp>
-      <p:sp>
-        <p:nvSpPr>
-          <p:cNvPr id="10" name="圆角矩形 9"/>
+            <a:r>
+              <a:rPr lang="zh-CN" altLang="en-US" dirty="0" smtClean="0"/>
+              <a:t>医学专业</a:t>
+            </a:r>
+            <a:endParaRPr lang="zh-CN" altLang="en-US" dirty="0"/>
+          </a:p>
+        </p:txBody>
+      </p:sp>
+      <p:sp>
+        <p:nvSpPr>
+          <p:cNvPr id="16" name="圆角矩形 15"/>
           <p:cNvSpPr/>
           <p:nvPr/>
         </p:nvSpPr>
         <p:spPr>
           <a:xfrm>
-            <a:off x="3817253" y="4484912"/>
-            <a:ext cx="4223657" cy="464457"/>
+            <a:off x="8822206" y="4397165"/>
+            <a:ext cx="1858489" cy="1880259"/>
           </a:xfrm>
           <a:prstGeom prst="roundRect">
             <a:avLst/>
@@ -4420,13 +5005,10 @@
           <a:bodyPr rtlCol="0" anchor="ctr"/>
           <a:lstStyle/>
           <a:p>
-            <a:r>
-              <a:rPr lang="zh-CN" altLang="en-US" dirty="0"/>
-              <a:t>是否付费</a:t>
-            </a:r>
-            <a:r>
-              <a:rPr lang="zh-CN" altLang="en-US" dirty="0" smtClean="0"/>
-              <a:t>：      是</a:t>
+            <a:pPr algn="ctr"/>
+            <a:r>
+              <a:rPr lang="en-US" altLang="zh-CN" dirty="0" smtClean="0"/>
+              <a:t>……</a:t>
             </a:r>
             <a:endParaRPr lang="zh-CN" altLang="en-US" dirty="0"/>
           </a:p>
@@ -4434,30 +5016,30 @@
       </p:sp>
       <p:sp>
         <p:nvSpPr>
-          <p:cNvPr id="15" name="圆角矩形 14"/>
+          <p:cNvPr id="17" name="矩形 16"/>
           <p:cNvSpPr/>
           <p:nvPr/>
         </p:nvSpPr>
         <p:spPr>
           <a:xfrm>
-            <a:off x="3817253" y="5100452"/>
-            <a:ext cx="4223657" cy="464457"/>
-          </a:xfrm>
-          <a:prstGeom prst="roundRect">
+            <a:off x="8822205" y="674582"/>
+            <a:ext cx="1858489" cy="595086"/>
+          </a:xfrm>
+          <a:prstGeom prst="rect">
             <a:avLst/>
           </a:prstGeom>
         </p:spPr>
         <p:style>
           <a:lnRef idx="2">
-            <a:schemeClr val="accent1">
+            <a:schemeClr val="accent6">
               <a:shade val="50000"/>
             </a:schemeClr>
           </a:lnRef>
           <a:fillRef idx="1">
-            <a:schemeClr val="accent1"/>
+            <a:schemeClr val="accent6"/>
           </a:fillRef>
           <a:effectRef idx="0">
-            <a:schemeClr val="accent1"/>
+            <a:schemeClr val="accent6"/>
           </a:effectRef>
           <a:fontRef idx="minor">
             <a:schemeClr val="lt1"/>
@@ -4467,17 +5049,14 @@
           <a:bodyPr rtlCol="0" anchor="ctr"/>
           <a:lstStyle/>
           <a:p>
+            <a:pPr algn="ctr"/>
             <a:r>
               <a:rPr lang="zh-CN" altLang="en-US" dirty="0" smtClean="0"/>
-              <a:t>价格：      </a:t>
-            </a:r>
-            <a:r>
-              <a:rPr lang="en-US" altLang="zh-CN" dirty="0" smtClean="0"/>
-              <a:t>100</a:t>
+              <a:t>新增</a:t>
             </a:r>
             <a:r>
               <a:rPr lang="zh-CN" altLang="en-US" dirty="0" smtClean="0"/>
-              <a:t>元</a:t>
+              <a:t>课程</a:t>
             </a:r>
             <a:endParaRPr lang="zh-CN" altLang="en-US" dirty="0"/>
           </a:p>
@@ -4486,7 +5065,7 @@
     </p:spTree>
     <p:extLst>
       <p:ext uri="{BB962C8B-B14F-4D97-AF65-F5344CB8AC3E}">
-        <p14:creationId xmlns:p14="http://schemas.microsoft.com/office/powerpoint/2010/main" val="2852945945"/>
+        <p14:creationId xmlns:p14="http://schemas.microsoft.com/office/powerpoint/2010/main" val="1761004833"/>
       </p:ext>
     </p:extLst>
   </p:cSld>
@@ -4522,14 +5101,14 @@
       </p:grpSpPr>
       <p:sp>
         <p:nvSpPr>
-          <p:cNvPr id="3" name="圆角矩形 2"/>
+          <p:cNvPr id="4" name="圆角矩形 3"/>
           <p:cNvSpPr/>
           <p:nvPr/>
         </p:nvSpPr>
         <p:spPr>
           <a:xfrm>
-            <a:off x="1290778" y="1487052"/>
-            <a:ext cx="1858489" cy="1880259"/>
+            <a:off x="3817254" y="2278744"/>
+            <a:ext cx="4223657" cy="464457"/>
           </a:xfrm>
           <a:prstGeom prst="roundRect">
             <a:avLst/>
@@ -4555,14 +5134,17 @@
           <a:bodyPr rtlCol="0" anchor="ctr"/>
           <a:lstStyle/>
           <a:p>
-            <a:pPr algn="ctr"/>
+            <a:r>
+              <a:rPr lang="zh-CN" altLang="en-US" dirty="0" smtClean="0"/>
+              <a:t>课程名称：     </a:t>
+            </a:r>
             <a:r>
               <a:rPr lang="en-US" altLang="zh-CN" dirty="0" smtClean="0"/>
               <a:t>Java</a:t>
             </a:r>
             <a:r>
               <a:rPr lang="zh-CN" altLang="en-US" dirty="0" smtClean="0"/>
-              <a:t>大牛养成</a:t>
+              <a:t>教学基础</a:t>
             </a:r>
             <a:endParaRPr lang="zh-CN" altLang="en-US" dirty="0"/>
           </a:p>
@@ -4570,14 +5152,14 @@
       </p:sp>
       <p:sp>
         <p:nvSpPr>
-          <p:cNvPr id="4" name="圆角矩形 3"/>
+          <p:cNvPr id="5" name="圆角矩形 4"/>
           <p:cNvSpPr/>
           <p:nvPr/>
         </p:nvSpPr>
         <p:spPr>
           <a:xfrm>
-            <a:off x="3950851" y="1487052"/>
-            <a:ext cx="1858489" cy="1880259"/>
+            <a:off x="3817256" y="2830286"/>
+            <a:ext cx="4223657" cy="464457"/>
           </a:xfrm>
           <a:prstGeom prst="roundRect">
             <a:avLst/>
@@ -4603,14 +5185,9 @@
           <a:bodyPr rtlCol="0" anchor="ctr"/>
           <a:lstStyle/>
           <a:p>
-            <a:pPr algn="ctr"/>
-            <a:r>
-              <a:rPr lang="en-US" altLang="zh-CN" dirty="0" smtClean="0"/>
-              <a:t>Linux</a:t>
-            </a:r>
             <a:r>
               <a:rPr lang="zh-CN" altLang="en-US" dirty="0" smtClean="0"/>
-              <a:t>教学</a:t>
+              <a:t>课程类型：     计算机专业</a:t>
             </a:r>
             <a:endParaRPr lang="zh-CN" altLang="en-US" dirty="0"/>
           </a:p>
@@ -4618,14 +5195,14 @@
       </p:sp>
       <p:sp>
         <p:nvSpPr>
-          <p:cNvPr id="5" name="圆角矩形 4"/>
+          <p:cNvPr id="7" name="圆角矩形 6"/>
           <p:cNvSpPr/>
           <p:nvPr/>
         </p:nvSpPr>
         <p:spPr>
           <a:xfrm>
-            <a:off x="6610924" y="1487052"/>
-            <a:ext cx="1858489" cy="1880259"/>
+            <a:off x="3817256" y="3381828"/>
+            <a:ext cx="4223657" cy="464457"/>
           </a:xfrm>
           <a:prstGeom prst="roundRect">
             <a:avLst/>
@@ -4651,10 +5228,9 @@
           <a:bodyPr rtlCol="0" anchor="ctr"/>
           <a:lstStyle/>
           <a:p>
-            <a:pPr algn="ctr"/>
             <a:r>
               <a:rPr lang="zh-CN" altLang="en-US" dirty="0" smtClean="0"/>
-              <a:t>前端教学</a:t>
+              <a:t>课程开发者：  张三</a:t>
             </a:r>
             <a:endParaRPr lang="zh-CN" altLang="en-US" dirty="0"/>
           </a:p>
@@ -4662,14 +5238,14 @@
       </p:sp>
       <p:sp>
         <p:nvSpPr>
-          <p:cNvPr id="6" name="圆角矩形 5"/>
+          <p:cNvPr id="8" name="圆角矩形 7"/>
           <p:cNvSpPr/>
           <p:nvPr/>
         </p:nvSpPr>
         <p:spPr>
           <a:xfrm>
-            <a:off x="9270997" y="1487052"/>
-            <a:ext cx="1858489" cy="1880259"/>
+            <a:off x="3817256" y="3933370"/>
+            <a:ext cx="4223657" cy="464457"/>
           </a:xfrm>
           <a:prstGeom prst="roundRect">
             <a:avLst/>
@@ -4695,14 +5271,13 @@
           <a:bodyPr rtlCol="0" anchor="ctr"/>
           <a:lstStyle/>
           <a:p>
-            <a:pPr algn="ctr"/>
+            <a:r>
+              <a:rPr lang="zh-CN" altLang="en-US" dirty="0" smtClean="0"/>
+              <a:t>课程描述：      让小白也会</a:t>
+            </a:r>
             <a:r>
               <a:rPr lang="en-US" altLang="zh-CN" dirty="0" smtClean="0"/>
-              <a:t>UI</a:t>
-            </a:r>
-            <a:r>
-              <a:rPr lang="zh-CN" altLang="en-US" dirty="0" smtClean="0"/>
-              <a:t>工程师</a:t>
+              <a:t>Java</a:t>
             </a:r>
             <a:endParaRPr lang="zh-CN" altLang="en-US" dirty="0"/>
           </a:p>
@@ -4710,16 +5285,46 @@
       </p:sp>
       <p:sp>
         <p:nvSpPr>
-          <p:cNvPr id="7" name="圆角矩形 6"/>
+          <p:cNvPr id="11" name="文本框 10"/>
+          <p:cNvSpPr txBox="1"/>
+          <p:nvPr/>
+        </p:nvSpPr>
+        <p:spPr>
+          <a:xfrm>
+            <a:off x="5268684" y="1097533"/>
+            <a:ext cx="1415772" cy="461665"/>
+          </a:xfrm>
+          <a:prstGeom prst="rect">
+            <a:avLst/>
+          </a:prstGeom>
+          <a:noFill/>
+        </p:spPr>
+        <p:txBody>
+          <a:bodyPr wrap="none" rtlCol="0">
+            <a:spAutoFit/>
+          </a:bodyPr>
+          <a:lstStyle/>
+          <a:p>
+            <a:r>
+              <a:rPr lang="zh-CN" altLang="en-US" sz="2400" dirty="0" smtClean="0"/>
+              <a:t>新增课程</a:t>
+            </a:r>
+            <a:endParaRPr lang="zh-CN" altLang="en-US" sz="2400" dirty="0"/>
+          </a:p>
+        </p:txBody>
+      </p:sp>
+      <p:sp>
+        <p:nvSpPr>
+          <p:cNvPr id="12" name="矩形 11"/>
           <p:cNvSpPr/>
           <p:nvPr/>
         </p:nvSpPr>
         <p:spPr>
           <a:xfrm>
-            <a:off x="1290777" y="4327234"/>
-            <a:ext cx="1858489" cy="1880259"/>
-          </a:xfrm>
-          <a:prstGeom prst="roundRect">
+            <a:off x="6219366" y="5884223"/>
+            <a:ext cx="783772" cy="449943"/>
+          </a:xfrm>
+          <a:prstGeom prst="rect">
             <a:avLst/>
           </a:prstGeom>
         </p:spPr>
@@ -4745,6 +5350,457 @@
           <a:p>
             <a:pPr algn="ctr"/>
             <a:r>
+              <a:rPr lang="zh-CN" altLang="en-US" dirty="0" smtClean="0"/>
+              <a:t>确认</a:t>
+            </a:r>
+            <a:endParaRPr lang="zh-CN" altLang="en-US" dirty="0"/>
+          </a:p>
+        </p:txBody>
+      </p:sp>
+      <p:sp>
+        <p:nvSpPr>
+          <p:cNvPr id="13" name="矩形 12"/>
+          <p:cNvSpPr/>
+          <p:nvPr/>
+        </p:nvSpPr>
+        <p:spPr>
+          <a:xfrm>
+            <a:off x="7257138" y="5884223"/>
+            <a:ext cx="783772" cy="449943"/>
+          </a:xfrm>
+          <a:prstGeom prst="rect">
+            <a:avLst/>
+          </a:prstGeom>
+        </p:spPr>
+        <p:style>
+          <a:lnRef idx="2">
+            <a:schemeClr val="accent1">
+              <a:shade val="50000"/>
+            </a:schemeClr>
+          </a:lnRef>
+          <a:fillRef idx="1">
+            <a:schemeClr val="accent1"/>
+          </a:fillRef>
+          <a:effectRef idx="0">
+            <a:schemeClr val="accent1"/>
+          </a:effectRef>
+          <a:fontRef idx="minor">
+            <a:schemeClr val="lt1"/>
+          </a:fontRef>
+        </p:style>
+        <p:txBody>
+          <a:bodyPr rtlCol="0" anchor="ctr"/>
+          <a:lstStyle/>
+          <a:p>
+            <a:pPr algn="ctr"/>
+            <a:r>
+              <a:rPr lang="zh-CN" altLang="en-US" dirty="0" smtClean="0"/>
+              <a:t>取消</a:t>
+            </a:r>
+            <a:endParaRPr lang="zh-CN" altLang="en-US" dirty="0"/>
+          </a:p>
+        </p:txBody>
+      </p:sp>
+      <p:sp>
+        <p:nvSpPr>
+          <p:cNvPr id="14" name="剪去同侧角的矩形 13"/>
+          <p:cNvSpPr/>
+          <p:nvPr/>
+        </p:nvSpPr>
+        <p:spPr>
+          <a:xfrm>
+            <a:off x="2191653" y="1536338"/>
+            <a:ext cx="7561945" cy="45719"/>
+          </a:xfrm>
+          <a:prstGeom prst="snip2SameRect">
+            <a:avLst/>
+          </a:prstGeom>
+        </p:spPr>
+        <p:style>
+          <a:lnRef idx="2">
+            <a:schemeClr val="accent1">
+              <a:shade val="50000"/>
+            </a:schemeClr>
+          </a:lnRef>
+          <a:fillRef idx="1">
+            <a:schemeClr val="accent1"/>
+          </a:fillRef>
+          <a:effectRef idx="0">
+            <a:schemeClr val="accent1"/>
+          </a:effectRef>
+          <a:fontRef idx="minor">
+            <a:schemeClr val="lt1"/>
+          </a:fontRef>
+        </p:style>
+        <p:txBody>
+          <a:bodyPr rtlCol="0" anchor="ctr"/>
+          <a:lstStyle/>
+          <a:p>
+            <a:pPr algn="ctr"/>
+            <a:endParaRPr lang="zh-CN" altLang="en-US"/>
+          </a:p>
+        </p:txBody>
+      </p:sp>
+      <p:sp>
+        <p:nvSpPr>
+          <p:cNvPr id="10" name="圆角矩形 9"/>
+          <p:cNvSpPr/>
+          <p:nvPr/>
+        </p:nvSpPr>
+        <p:spPr>
+          <a:xfrm>
+            <a:off x="3817253" y="4484912"/>
+            <a:ext cx="4223657" cy="464457"/>
+          </a:xfrm>
+          <a:prstGeom prst="roundRect">
+            <a:avLst/>
+          </a:prstGeom>
+        </p:spPr>
+        <p:style>
+          <a:lnRef idx="2">
+            <a:schemeClr val="accent1">
+              <a:shade val="50000"/>
+            </a:schemeClr>
+          </a:lnRef>
+          <a:fillRef idx="1">
+            <a:schemeClr val="accent1"/>
+          </a:fillRef>
+          <a:effectRef idx="0">
+            <a:schemeClr val="accent1"/>
+          </a:effectRef>
+          <a:fontRef idx="minor">
+            <a:schemeClr val="lt1"/>
+          </a:fontRef>
+        </p:style>
+        <p:txBody>
+          <a:bodyPr rtlCol="0" anchor="ctr"/>
+          <a:lstStyle/>
+          <a:p>
+            <a:r>
+              <a:rPr lang="zh-CN" altLang="en-US" dirty="0"/>
+              <a:t>是否付费</a:t>
+            </a:r>
+            <a:r>
+              <a:rPr lang="zh-CN" altLang="en-US" dirty="0" smtClean="0"/>
+              <a:t>：      是</a:t>
+            </a:r>
+            <a:endParaRPr lang="zh-CN" altLang="en-US" dirty="0"/>
+          </a:p>
+        </p:txBody>
+      </p:sp>
+      <p:sp>
+        <p:nvSpPr>
+          <p:cNvPr id="15" name="圆角矩形 14"/>
+          <p:cNvSpPr/>
+          <p:nvPr/>
+        </p:nvSpPr>
+        <p:spPr>
+          <a:xfrm>
+            <a:off x="3817253" y="5100452"/>
+            <a:ext cx="4223657" cy="464457"/>
+          </a:xfrm>
+          <a:prstGeom prst="roundRect">
+            <a:avLst/>
+          </a:prstGeom>
+        </p:spPr>
+        <p:style>
+          <a:lnRef idx="2">
+            <a:schemeClr val="accent1">
+              <a:shade val="50000"/>
+            </a:schemeClr>
+          </a:lnRef>
+          <a:fillRef idx="1">
+            <a:schemeClr val="accent1"/>
+          </a:fillRef>
+          <a:effectRef idx="0">
+            <a:schemeClr val="accent1"/>
+          </a:effectRef>
+          <a:fontRef idx="minor">
+            <a:schemeClr val="lt1"/>
+          </a:fontRef>
+        </p:style>
+        <p:txBody>
+          <a:bodyPr rtlCol="0" anchor="ctr"/>
+          <a:lstStyle/>
+          <a:p>
+            <a:r>
+              <a:rPr lang="zh-CN" altLang="en-US" dirty="0" smtClean="0"/>
+              <a:t>价格：      </a:t>
+            </a:r>
+            <a:r>
+              <a:rPr lang="en-US" altLang="zh-CN" dirty="0" smtClean="0"/>
+              <a:t>100</a:t>
+            </a:r>
+            <a:r>
+              <a:rPr lang="zh-CN" altLang="en-US" dirty="0" smtClean="0"/>
+              <a:t>元</a:t>
+            </a:r>
+            <a:endParaRPr lang="zh-CN" altLang="en-US" dirty="0"/>
+          </a:p>
+        </p:txBody>
+      </p:sp>
+    </p:spTree>
+    <p:extLst>
+      <p:ext uri="{BB962C8B-B14F-4D97-AF65-F5344CB8AC3E}">
+        <p14:creationId xmlns:p14="http://schemas.microsoft.com/office/powerpoint/2010/main" val="2852945945"/>
+      </p:ext>
+    </p:extLst>
+  </p:cSld>
+  <p:clrMapOvr>
+    <a:masterClrMapping/>
+  </p:clrMapOvr>
+  <p:timing>
+    <p:tnLst>
+      <p:par>
+        <p:cTn id="1" dur="indefinite" restart="never" nodeType="tmRoot"/>
+      </p:par>
+    </p:tnLst>
+  </p:timing>
+</p:sld>
+</file>
+
+<file path=ppt/slides/slide4.xml><?xml version="1.0" encoding="utf-8"?>
+<p:sld xmlns:a="http://schemas.openxmlformats.org/drawingml/2006/main" xmlns:r="http://schemas.openxmlformats.org/officeDocument/2006/relationships" xmlns:p="http://schemas.openxmlformats.org/presentationml/2006/main">
+  <p:cSld>
+    <p:spTree>
+      <p:nvGrpSpPr>
+        <p:cNvPr id="1" name=""/>
+        <p:cNvGrpSpPr/>
+        <p:nvPr/>
+      </p:nvGrpSpPr>
+      <p:grpSpPr>
+        <a:xfrm>
+          <a:off x="0" y="0"/>
+          <a:ext cx="0" cy="0"/>
+          <a:chOff x="0" y="0"/>
+          <a:chExt cx="0" cy="0"/>
+        </a:xfrm>
+      </p:grpSpPr>
+      <p:sp>
+        <p:nvSpPr>
+          <p:cNvPr id="3" name="圆角矩形 2"/>
+          <p:cNvSpPr/>
+          <p:nvPr/>
+        </p:nvSpPr>
+        <p:spPr>
+          <a:xfrm>
+            <a:off x="1290778" y="1487052"/>
+            <a:ext cx="1858489" cy="1880259"/>
+          </a:xfrm>
+          <a:prstGeom prst="roundRect">
+            <a:avLst/>
+          </a:prstGeom>
+        </p:spPr>
+        <p:style>
+          <a:lnRef idx="2">
+            <a:schemeClr val="accent1">
+              <a:shade val="50000"/>
+            </a:schemeClr>
+          </a:lnRef>
+          <a:fillRef idx="1">
+            <a:schemeClr val="accent1"/>
+          </a:fillRef>
+          <a:effectRef idx="0">
+            <a:schemeClr val="accent1"/>
+          </a:effectRef>
+          <a:fontRef idx="minor">
+            <a:schemeClr val="lt1"/>
+          </a:fontRef>
+        </p:style>
+        <p:txBody>
+          <a:bodyPr rtlCol="0" anchor="ctr"/>
+          <a:lstStyle/>
+          <a:p>
+            <a:pPr algn="ctr"/>
+            <a:r>
+              <a:rPr lang="en-US" altLang="zh-CN" dirty="0" smtClean="0"/>
+              <a:t>Java</a:t>
+            </a:r>
+            <a:r>
+              <a:rPr lang="zh-CN" altLang="en-US" dirty="0" smtClean="0"/>
+              <a:t>大牛养成</a:t>
+            </a:r>
+            <a:endParaRPr lang="zh-CN" altLang="en-US" dirty="0"/>
+          </a:p>
+        </p:txBody>
+      </p:sp>
+      <p:sp>
+        <p:nvSpPr>
+          <p:cNvPr id="4" name="圆角矩形 3"/>
+          <p:cNvSpPr/>
+          <p:nvPr/>
+        </p:nvSpPr>
+        <p:spPr>
+          <a:xfrm>
+            <a:off x="3950851" y="1487052"/>
+            <a:ext cx="1858489" cy="1880259"/>
+          </a:xfrm>
+          <a:prstGeom prst="roundRect">
+            <a:avLst/>
+          </a:prstGeom>
+        </p:spPr>
+        <p:style>
+          <a:lnRef idx="2">
+            <a:schemeClr val="accent1">
+              <a:shade val="50000"/>
+            </a:schemeClr>
+          </a:lnRef>
+          <a:fillRef idx="1">
+            <a:schemeClr val="accent1"/>
+          </a:fillRef>
+          <a:effectRef idx="0">
+            <a:schemeClr val="accent1"/>
+          </a:effectRef>
+          <a:fontRef idx="minor">
+            <a:schemeClr val="lt1"/>
+          </a:fontRef>
+        </p:style>
+        <p:txBody>
+          <a:bodyPr rtlCol="0" anchor="ctr"/>
+          <a:lstStyle/>
+          <a:p>
+            <a:pPr algn="ctr"/>
+            <a:r>
+              <a:rPr lang="en-US" altLang="zh-CN" dirty="0" smtClean="0"/>
+              <a:t>Linux</a:t>
+            </a:r>
+            <a:r>
+              <a:rPr lang="zh-CN" altLang="en-US" dirty="0" smtClean="0"/>
+              <a:t>教学</a:t>
+            </a:r>
+            <a:endParaRPr lang="zh-CN" altLang="en-US" dirty="0"/>
+          </a:p>
+        </p:txBody>
+      </p:sp>
+      <p:sp>
+        <p:nvSpPr>
+          <p:cNvPr id="5" name="圆角矩形 4"/>
+          <p:cNvSpPr/>
+          <p:nvPr/>
+        </p:nvSpPr>
+        <p:spPr>
+          <a:xfrm>
+            <a:off x="6610924" y="1487052"/>
+            <a:ext cx="1858489" cy="1880259"/>
+          </a:xfrm>
+          <a:prstGeom prst="roundRect">
+            <a:avLst/>
+          </a:prstGeom>
+        </p:spPr>
+        <p:style>
+          <a:lnRef idx="2">
+            <a:schemeClr val="accent1">
+              <a:shade val="50000"/>
+            </a:schemeClr>
+          </a:lnRef>
+          <a:fillRef idx="1">
+            <a:schemeClr val="accent1"/>
+          </a:fillRef>
+          <a:effectRef idx="0">
+            <a:schemeClr val="accent1"/>
+          </a:effectRef>
+          <a:fontRef idx="minor">
+            <a:schemeClr val="lt1"/>
+          </a:fontRef>
+        </p:style>
+        <p:txBody>
+          <a:bodyPr rtlCol="0" anchor="ctr"/>
+          <a:lstStyle/>
+          <a:p>
+            <a:pPr algn="ctr"/>
+            <a:r>
+              <a:rPr lang="zh-CN" altLang="en-US" dirty="0" smtClean="0"/>
+              <a:t>前端教学</a:t>
+            </a:r>
+            <a:endParaRPr lang="zh-CN" altLang="en-US" dirty="0"/>
+          </a:p>
+        </p:txBody>
+      </p:sp>
+      <p:sp>
+        <p:nvSpPr>
+          <p:cNvPr id="6" name="圆角矩形 5"/>
+          <p:cNvSpPr/>
+          <p:nvPr/>
+        </p:nvSpPr>
+        <p:spPr>
+          <a:xfrm>
+            <a:off x="9270997" y="1487052"/>
+            <a:ext cx="1858489" cy="1880259"/>
+          </a:xfrm>
+          <a:prstGeom prst="roundRect">
+            <a:avLst/>
+          </a:prstGeom>
+        </p:spPr>
+        <p:style>
+          <a:lnRef idx="2">
+            <a:schemeClr val="accent1">
+              <a:shade val="50000"/>
+            </a:schemeClr>
+          </a:lnRef>
+          <a:fillRef idx="1">
+            <a:schemeClr val="accent1"/>
+          </a:fillRef>
+          <a:effectRef idx="0">
+            <a:schemeClr val="accent1"/>
+          </a:effectRef>
+          <a:fontRef idx="minor">
+            <a:schemeClr val="lt1"/>
+          </a:fontRef>
+        </p:style>
+        <p:txBody>
+          <a:bodyPr rtlCol="0" anchor="ctr"/>
+          <a:lstStyle/>
+          <a:p>
+            <a:pPr algn="ctr"/>
+            <a:r>
+              <a:rPr lang="en-US" altLang="zh-CN" dirty="0" smtClean="0"/>
+              <a:t>UI</a:t>
+            </a:r>
+            <a:r>
+              <a:rPr lang="zh-CN" altLang="en-US" dirty="0" smtClean="0"/>
+              <a:t>工程师</a:t>
+            </a:r>
+            <a:endParaRPr lang="zh-CN" altLang="en-US" dirty="0"/>
+          </a:p>
+        </p:txBody>
+      </p:sp>
+      <p:sp>
+        <p:nvSpPr>
+          <p:cNvPr id="7" name="圆角矩形 6"/>
+          <p:cNvSpPr/>
+          <p:nvPr/>
+        </p:nvSpPr>
+        <p:spPr>
+          <a:xfrm>
+            <a:off x="1290777" y="4327234"/>
+            <a:ext cx="1858489" cy="1880259"/>
+          </a:xfrm>
+          <a:prstGeom prst="roundRect">
+            <a:avLst/>
+          </a:prstGeom>
+        </p:spPr>
+        <p:style>
+          <a:lnRef idx="2">
+            <a:schemeClr val="accent1">
+              <a:shade val="50000"/>
+            </a:schemeClr>
+          </a:lnRef>
+          <a:fillRef idx="1">
+            <a:schemeClr val="accent1"/>
+          </a:fillRef>
+          <a:effectRef idx="0">
+            <a:schemeClr val="accent1"/>
+          </a:effectRef>
+          <a:fontRef idx="minor">
+            <a:schemeClr val="lt1"/>
+          </a:fontRef>
+        </p:style>
+        <p:txBody>
+          <a:bodyPr rtlCol="0" anchor="ctr"/>
+          <a:lstStyle/>
+          <a:p>
+            <a:pPr algn="ctr"/>
+            <a:r>
               <a:rPr lang="en-US" altLang="zh-CN" dirty="0" smtClean="0"/>
               <a:t>……</a:t>
             </a:r>
@@ -4808,10 +5864,17 @@
   <p:clrMapOvr>
     <a:masterClrMapping/>
   </p:clrMapOvr>
+  <p:timing>
+    <p:tnLst>
+      <p:par>
+        <p:cTn id="1" dur="indefinite" restart="never" nodeType="tmRoot"/>
+      </p:par>
+    </p:tnLst>
+  </p:timing>
 </p:sld>
 </file>
 
-<file path=ppt/slides/slide4.xml><?xml version="1.0" encoding="utf-8"?>
+<file path=ppt/slides/slide5.xml><?xml version="1.0" encoding="utf-8"?>
 <p:sld xmlns:a="http://schemas.openxmlformats.org/drawingml/2006/main" xmlns:r="http://schemas.openxmlformats.org/officeDocument/2006/relationships" xmlns:p="http://schemas.openxmlformats.org/presentationml/2006/main">
   <p:cSld>
     <p:spTree>
@@ -6046,6 +7109,4344 @@
   <p:clrMapOvr>
     <a:masterClrMapping/>
   </p:clrMapOvr>
+  <p:timing>
+    <p:tnLst>
+      <p:par>
+        <p:cTn id="1" dur="indefinite" restart="never" nodeType="tmRoot"/>
+      </p:par>
+    </p:tnLst>
+  </p:timing>
+</p:sld>
+</file>
+
+<file path=ppt/slides/slide6.xml><?xml version="1.0" encoding="utf-8"?>
+<p:sld xmlns:a="http://schemas.openxmlformats.org/drawingml/2006/main" xmlns:r="http://schemas.openxmlformats.org/officeDocument/2006/relationships" xmlns:p="http://schemas.openxmlformats.org/presentationml/2006/main">
+  <p:cSld>
+    <p:spTree>
+      <p:nvGrpSpPr>
+        <p:cNvPr id="1" name=""/>
+        <p:cNvGrpSpPr/>
+        <p:nvPr/>
+      </p:nvGrpSpPr>
+      <p:grpSpPr>
+        <a:xfrm>
+          <a:off x="0" y="0"/>
+          <a:ext cx="0" cy="0"/>
+          <a:chOff x="0" y="0"/>
+          <a:chExt cx="0" cy="0"/>
+        </a:xfrm>
+      </p:grpSpPr>
+      <p:cxnSp>
+        <p:nvCxnSpPr>
+          <p:cNvPr id="5" name="直接连接符 4"/>
+          <p:cNvCxnSpPr/>
+          <p:nvPr/>
+        </p:nvCxnSpPr>
+        <p:spPr>
+          <a:xfrm>
+            <a:off x="1482436" y="1163784"/>
+            <a:ext cx="4052549" cy="36821"/>
+          </a:xfrm>
+          <a:prstGeom prst="line">
+            <a:avLst/>
+          </a:prstGeom>
+        </p:spPr>
+        <p:style>
+          <a:lnRef idx="1">
+            <a:schemeClr val="accent1"/>
+          </a:lnRef>
+          <a:fillRef idx="0">
+            <a:schemeClr val="accent1"/>
+          </a:fillRef>
+          <a:effectRef idx="0">
+            <a:schemeClr val="accent1"/>
+          </a:effectRef>
+          <a:fontRef idx="minor">
+            <a:schemeClr val="tx1"/>
+          </a:fontRef>
+        </p:style>
+      </p:cxnSp>
+      <p:sp>
+        <p:nvSpPr>
+          <p:cNvPr id="6" name="矩形 5"/>
+          <p:cNvSpPr/>
+          <p:nvPr/>
+        </p:nvSpPr>
+        <p:spPr>
+          <a:xfrm>
+            <a:off x="1482436" y="831273"/>
+            <a:ext cx="955964" cy="332509"/>
+          </a:xfrm>
+          <a:prstGeom prst="rect">
+            <a:avLst/>
+          </a:prstGeom>
+        </p:spPr>
+        <p:style>
+          <a:lnRef idx="2">
+            <a:schemeClr val="accent1">
+              <a:shade val="50000"/>
+            </a:schemeClr>
+          </a:lnRef>
+          <a:fillRef idx="1">
+            <a:schemeClr val="accent1"/>
+          </a:fillRef>
+          <a:effectRef idx="0">
+            <a:schemeClr val="accent1"/>
+          </a:effectRef>
+          <a:fontRef idx="minor">
+            <a:schemeClr val="lt1"/>
+          </a:fontRef>
+        </p:style>
+        <p:txBody>
+          <a:bodyPr rtlCol="0" anchor="ctr"/>
+          <a:lstStyle/>
+          <a:p>
+            <a:pPr algn="ctr"/>
+            <a:r>
+              <a:rPr lang="zh-CN" altLang="en-US" dirty="0" smtClean="0"/>
+              <a:t>单选题</a:t>
+            </a:r>
+            <a:endParaRPr lang="zh-CN" altLang="en-US" dirty="0"/>
+          </a:p>
+        </p:txBody>
+      </p:sp>
+      <p:sp>
+        <p:nvSpPr>
+          <p:cNvPr id="10" name="文本框 9"/>
+          <p:cNvSpPr txBox="1"/>
+          <p:nvPr/>
+        </p:nvSpPr>
+        <p:spPr>
+          <a:xfrm>
+            <a:off x="2517200" y="831273"/>
+            <a:ext cx="877163" cy="369332"/>
+          </a:xfrm>
+          <a:prstGeom prst="rect">
+            <a:avLst/>
+          </a:prstGeom>
+          <a:noFill/>
+        </p:spPr>
+        <p:txBody>
+          <a:bodyPr wrap="none" rtlCol="0">
+            <a:spAutoFit/>
+          </a:bodyPr>
+          <a:lstStyle/>
+          <a:p>
+            <a:r>
+              <a:rPr lang="zh-CN" altLang="en-US" dirty="0" smtClean="0"/>
+              <a:t>多选题</a:t>
+            </a:r>
+            <a:endParaRPr lang="zh-CN" altLang="en-US" dirty="0"/>
+          </a:p>
+        </p:txBody>
+      </p:sp>
+      <p:sp>
+        <p:nvSpPr>
+          <p:cNvPr id="11" name="文本框 10"/>
+          <p:cNvSpPr txBox="1"/>
+          <p:nvPr/>
+        </p:nvSpPr>
+        <p:spPr>
+          <a:xfrm>
+            <a:off x="3454979" y="831273"/>
+            <a:ext cx="877163" cy="369332"/>
+          </a:xfrm>
+          <a:prstGeom prst="rect">
+            <a:avLst/>
+          </a:prstGeom>
+          <a:noFill/>
+        </p:spPr>
+        <p:txBody>
+          <a:bodyPr wrap="none" rtlCol="0">
+            <a:spAutoFit/>
+          </a:bodyPr>
+          <a:lstStyle/>
+          <a:p>
+            <a:r>
+              <a:rPr lang="zh-CN" altLang="en-US" dirty="0" smtClean="0"/>
+              <a:t>判断题</a:t>
+            </a:r>
+            <a:endParaRPr lang="zh-CN" altLang="en-US" dirty="0"/>
+          </a:p>
+        </p:txBody>
+      </p:sp>
+      <p:sp>
+        <p:nvSpPr>
+          <p:cNvPr id="12" name="矩形 11"/>
+          <p:cNvSpPr/>
+          <p:nvPr/>
+        </p:nvSpPr>
+        <p:spPr>
+          <a:xfrm>
+            <a:off x="1482436" y="1357745"/>
+            <a:ext cx="9213273" cy="1967346"/>
+          </a:xfrm>
+          <a:prstGeom prst="rect">
+            <a:avLst/>
+          </a:prstGeom>
+        </p:spPr>
+        <p:style>
+          <a:lnRef idx="2">
+            <a:schemeClr val="accent2"/>
+          </a:lnRef>
+          <a:fillRef idx="1">
+            <a:schemeClr val="lt1"/>
+          </a:fillRef>
+          <a:effectRef idx="0">
+            <a:schemeClr val="accent2"/>
+          </a:effectRef>
+          <a:fontRef idx="minor">
+            <a:schemeClr val="dk1"/>
+          </a:fontRef>
+        </p:style>
+        <p:txBody>
+          <a:bodyPr rtlCol="0" anchor="ctr"/>
+          <a:lstStyle/>
+          <a:p>
+            <a:pPr algn="ctr"/>
+            <a:endParaRPr lang="zh-CN" altLang="en-US" dirty="0"/>
+          </a:p>
+        </p:txBody>
+      </p:sp>
+      <p:sp>
+        <p:nvSpPr>
+          <p:cNvPr id="13" name="文本框 12"/>
+          <p:cNvSpPr txBox="1"/>
+          <p:nvPr/>
+        </p:nvSpPr>
+        <p:spPr>
+          <a:xfrm>
+            <a:off x="5250873" y="1482436"/>
+            <a:ext cx="1107996" cy="369332"/>
+          </a:xfrm>
+          <a:prstGeom prst="rect">
+            <a:avLst/>
+          </a:prstGeom>
+          <a:noFill/>
+        </p:spPr>
+        <p:txBody>
+          <a:bodyPr wrap="none" rtlCol="0">
+            <a:spAutoFit/>
+          </a:bodyPr>
+          <a:lstStyle/>
+          <a:p>
+            <a:r>
+              <a:rPr lang="zh-CN" altLang="en-US" dirty="0" smtClean="0"/>
+              <a:t>单选题库</a:t>
+            </a:r>
+            <a:endParaRPr lang="zh-CN" altLang="en-US" dirty="0"/>
+          </a:p>
+        </p:txBody>
+      </p:sp>
+      <p:sp>
+        <p:nvSpPr>
+          <p:cNvPr id="14" name="文本框 13"/>
+          <p:cNvSpPr txBox="1"/>
+          <p:nvPr/>
+        </p:nvSpPr>
+        <p:spPr>
+          <a:xfrm>
+            <a:off x="1879620" y="2045731"/>
+            <a:ext cx="1045479" cy="369332"/>
+          </a:xfrm>
+          <a:prstGeom prst="rect">
+            <a:avLst/>
+          </a:prstGeom>
+          <a:noFill/>
+        </p:spPr>
+        <p:txBody>
+          <a:bodyPr wrap="none" rtlCol="0">
+            <a:spAutoFit/>
+          </a:bodyPr>
+          <a:lstStyle/>
+          <a:p>
+            <a:r>
+              <a:rPr lang="en-US" altLang="zh-CN" dirty="0" smtClean="0">
+                <a:solidFill>
+                  <a:srgbClr val="0070C0"/>
+                </a:solidFill>
+              </a:rPr>
+              <a:t>XXX</a:t>
+            </a:r>
+            <a:r>
+              <a:rPr lang="zh-CN" altLang="en-US" dirty="0" smtClean="0">
+                <a:solidFill>
+                  <a:srgbClr val="0070C0"/>
+                </a:solidFill>
+              </a:rPr>
+              <a:t>题库</a:t>
+            </a:r>
+            <a:endParaRPr lang="zh-CN" altLang="en-US" dirty="0">
+              <a:solidFill>
+                <a:srgbClr val="0070C0"/>
+              </a:solidFill>
+            </a:endParaRPr>
+          </a:p>
+        </p:txBody>
+      </p:sp>
+      <p:sp>
+        <p:nvSpPr>
+          <p:cNvPr id="15" name="文本框 14"/>
+          <p:cNvSpPr txBox="1"/>
+          <p:nvPr/>
+        </p:nvSpPr>
+        <p:spPr>
+          <a:xfrm>
+            <a:off x="3403081" y="2045731"/>
+            <a:ext cx="1045479" cy="369332"/>
+          </a:xfrm>
+          <a:prstGeom prst="rect">
+            <a:avLst/>
+          </a:prstGeom>
+          <a:noFill/>
+        </p:spPr>
+        <p:txBody>
+          <a:bodyPr wrap="none" rtlCol="0">
+            <a:spAutoFit/>
+          </a:bodyPr>
+          <a:lstStyle/>
+          <a:p>
+            <a:r>
+              <a:rPr lang="en-US" altLang="zh-CN" dirty="0" smtClean="0"/>
+              <a:t>XXX</a:t>
+            </a:r>
+            <a:r>
+              <a:rPr lang="zh-CN" altLang="en-US" dirty="0" smtClean="0"/>
+              <a:t>题库</a:t>
+            </a:r>
+            <a:endParaRPr lang="zh-CN" altLang="en-US" dirty="0"/>
+          </a:p>
+        </p:txBody>
+      </p:sp>
+      <p:sp>
+        <p:nvSpPr>
+          <p:cNvPr id="16" name="文本框 15"/>
+          <p:cNvSpPr txBox="1"/>
+          <p:nvPr/>
+        </p:nvSpPr>
+        <p:spPr>
+          <a:xfrm>
+            <a:off x="4870584" y="2045731"/>
+            <a:ext cx="1045479" cy="369332"/>
+          </a:xfrm>
+          <a:prstGeom prst="rect">
+            <a:avLst/>
+          </a:prstGeom>
+          <a:noFill/>
+        </p:spPr>
+        <p:txBody>
+          <a:bodyPr wrap="none" rtlCol="0">
+            <a:spAutoFit/>
+          </a:bodyPr>
+          <a:lstStyle/>
+          <a:p>
+            <a:r>
+              <a:rPr lang="en-US" altLang="zh-CN" dirty="0" smtClean="0"/>
+              <a:t>XXX</a:t>
+            </a:r>
+            <a:r>
+              <a:rPr lang="zh-CN" altLang="en-US" dirty="0" smtClean="0"/>
+              <a:t>题库</a:t>
+            </a:r>
+            <a:endParaRPr lang="zh-CN" altLang="en-US" dirty="0"/>
+          </a:p>
+        </p:txBody>
+      </p:sp>
+      <p:sp>
+        <p:nvSpPr>
+          <p:cNvPr id="17" name="文本框 16"/>
+          <p:cNvSpPr txBox="1"/>
+          <p:nvPr/>
+        </p:nvSpPr>
+        <p:spPr>
+          <a:xfrm>
+            <a:off x="6358869" y="2045731"/>
+            <a:ext cx="1045479" cy="369332"/>
+          </a:xfrm>
+          <a:prstGeom prst="rect">
+            <a:avLst/>
+          </a:prstGeom>
+          <a:noFill/>
+        </p:spPr>
+        <p:txBody>
+          <a:bodyPr wrap="none" rtlCol="0">
+            <a:spAutoFit/>
+          </a:bodyPr>
+          <a:lstStyle/>
+          <a:p>
+            <a:r>
+              <a:rPr lang="en-US" altLang="zh-CN" dirty="0" smtClean="0"/>
+              <a:t>XXX</a:t>
+            </a:r>
+            <a:r>
+              <a:rPr lang="zh-CN" altLang="en-US" dirty="0" smtClean="0"/>
+              <a:t>题库</a:t>
+            </a:r>
+            <a:endParaRPr lang="zh-CN" altLang="en-US" dirty="0"/>
+          </a:p>
+        </p:txBody>
+      </p:sp>
+      <p:sp>
+        <p:nvSpPr>
+          <p:cNvPr id="18" name="文本框 17"/>
+          <p:cNvSpPr txBox="1"/>
+          <p:nvPr/>
+        </p:nvSpPr>
+        <p:spPr>
+          <a:xfrm>
+            <a:off x="9538855" y="2877004"/>
+            <a:ext cx="902811" cy="307777"/>
+          </a:xfrm>
+          <a:prstGeom prst="rect">
+            <a:avLst/>
+          </a:prstGeom>
+          <a:noFill/>
+        </p:spPr>
+        <p:txBody>
+          <a:bodyPr wrap="none" rtlCol="0">
+            <a:spAutoFit/>
+          </a:bodyPr>
+          <a:lstStyle/>
+          <a:p>
+            <a:r>
+              <a:rPr lang="zh-CN" altLang="en-US" sz="1400" dirty="0" smtClean="0"/>
+              <a:t>查看更多</a:t>
+            </a:r>
+            <a:endParaRPr lang="zh-CN" altLang="en-US" sz="1400" dirty="0"/>
+          </a:p>
+        </p:txBody>
+      </p:sp>
+      <p:sp>
+        <p:nvSpPr>
+          <p:cNvPr id="19" name="圆角矩形 18"/>
+          <p:cNvSpPr/>
+          <p:nvPr/>
+        </p:nvSpPr>
+        <p:spPr>
+          <a:xfrm>
+            <a:off x="8562109" y="867627"/>
+            <a:ext cx="2133600" cy="369332"/>
+          </a:xfrm>
+          <a:prstGeom prst="roundRect">
+            <a:avLst>
+              <a:gd name="adj" fmla="val 50000"/>
+            </a:avLst>
+          </a:prstGeom>
+        </p:spPr>
+        <p:style>
+          <a:lnRef idx="2">
+            <a:schemeClr val="accent1"/>
+          </a:lnRef>
+          <a:fillRef idx="1">
+            <a:schemeClr val="lt1"/>
+          </a:fillRef>
+          <a:effectRef idx="0">
+            <a:schemeClr val="accent1"/>
+          </a:effectRef>
+          <a:fontRef idx="minor">
+            <a:schemeClr val="dk1"/>
+          </a:fontRef>
+        </p:style>
+        <p:txBody>
+          <a:bodyPr rtlCol="0" anchor="ctr"/>
+          <a:lstStyle/>
+          <a:p>
+            <a:pPr algn="r"/>
+            <a:r>
+              <a:rPr lang="zh-CN" altLang="en-US" dirty="0" smtClean="0">
+                <a:solidFill>
+                  <a:schemeClr val="bg1">
+                    <a:lumMod val="85000"/>
+                  </a:schemeClr>
+                </a:solidFill>
+              </a:rPr>
+              <a:t>搜索试题</a:t>
+            </a:r>
+            <a:endParaRPr lang="zh-CN" altLang="en-US" dirty="0">
+              <a:solidFill>
+                <a:schemeClr val="bg1">
+                  <a:lumMod val="85000"/>
+                </a:schemeClr>
+              </a:solidFill>
+            </a:endParaRPr>
+          </a:p>
+        </p:txBody>
+      </p:sp>
+      <p:sp>
+        <p:nvSpPr>
+          <p:cNvPr id="20" name="文本框 19"/>
+          <p:cNvSpPr txBox="1"/>
+          <p:nvPr/>
+        </p:nvSpPr>
+        <p:spPr>
+          <a:xfrm>
+            <a:off x="1648691" y="4210017"/>
+            <a:ext cx="8215745" cy="1477328"/>
+          </a:xfrm>
+          <a:prstGeom prst="rect">
+            <a:avLst/>
+          </a:prstGeom>
+          <a:noFill/>
+        </p:spPr>
+        <p:txBody>
+          <a:bodyPr wrap="square" rtlCol="0">
+            <a:spAutoFit/>
+          </a:bodyPr>
+          <a:lstStyle/>
+          <a:p>
+            <a:pPr marL="342900" indent="-342900">
+              <a:buAutoNum type="arabicPeriod"/>
+            </a:pPr>
+            <a:r>
+              <a:rPr lang="zh-CN" altLang="en-US" dirty="0" smtClean="0">
+                <a:solidFill>
+                  <a:srgbClr val="0070C0"/>
+                </a:solidFill>
+              </a:rPr>
+              <a:t>驾驶</a:t>
+            </a:r>
+            <a:r>
+              <a:rPr lang="zh-CN" altLang="en-US" dirty="0">
+                <a:solidFill>
+                  <a:srgbClr val="0070C0"/>
+                </a:solidFill>
+              </a:rPr>
+              <a:t>机动车在高速公路匝道上行驶，当有人给您打电话的时候，可以靠边停车，接打电话</a:t>
+            </a:r>
+            <a:r>
+              <a:rPr lang="zh-CN" altLang="en-US" dirty="0" smtClean="0">
+                <a:solidFill>
+                  <a:srgbClr val="0070C0"/>
+                </a:solidFill>
+              </a:rPr>
+              <a:t>。</a:t>
+            </a:r>
+            <a:endParaRPr lang="en-US" altLang="zh-CN" dirty="0" smtClean="0">
+              <a:solidFill>
+                <a:srgbClr val="0070C0"/>
+              </a:solidFill>
+            </a:endParaRPr>
+          </a:p>
+          <a:p>
+            <a:endParaRPr lang="en-US" altLang="zh-CN" dirty="0"/>
+          </a:p>
+          <a:p>
+            <a:r>
+              <a:rPr lang="en-US" altLang="zh-CN" dirty="0" smtClean="0"/>
+              <a:t>2.   ……</a:t>
+            </a:r>
+            <a:endParaRPr lang="zh-CN" altLang="en-US" dirty="0"/>
+          </a:p>
+          <a:p>
+            <a:endParaRPr lang="zh-CN" altLang="en-US" dirty="0"/>
+          </a:p>
+        </p:txBody>
+      </p:sp>
+      <p:sp>
+        <p:nvSpPr>
+          <p:cNvPr id="21" name="圆角矩形 20"/>
+          <p:cNvSpPr/>
+          <p:nvPr/>
+        </p:nvSpPr>
+        <p:spPr>
+          <a:xfrm>
+            <a:off x="1482436" y="3566663"/>
+            <a:ext cx="1136073" cy="401782"/>
+          </a:xfrm>
+          <a:prstGeom prst="roundRect">
+            <a:avLst/>
+          </a:prstGeom>
+        </p:spPr>
+        <p:style>
+          <a:lnRef idx="1">
+            <a:schemeClr val="accent6"/>
+          </a:lnRef>
+          <a:fillRef idx="2">
+            <a:schemeClr val="accent6"/>
+          </a:fillRef>
+          <a:effectRef idx="1">
+            <a:schemeClr val="accent6"/>
+          </a:effectRef>
+          <a:fontRef idx="minor">
+            <a:schemeClr val="dk1"/>
+          </a:fontRef>
+        </p:style>
+        <p:txBody>
+          <a:bodyPr rtlCol="0" anchor="ctr"/>
+          <a:lstStyle/>
+          <a:p>
+            <a:pPr algn="ctr"/>
+            <a:r>
+              <a:rPr lang="zh-CN" altLang="en-US" sz="1400" dirty="0" smtClean="0"/>
+              <a:t>增加试题</a:t>
+            </a:r>
+            <a:endParaRPr lang="zh-CN" altLang="en-US" sz="1400" dirty="0"/>
+          </a:p>
+        </p:txBody>
+      </p:sp>
+      <p:pic>
+        <p:nvPicPr>
+          <p:cNvPr id="22" name="图片 21"/>
+          <p:cNvPicPr>
+            <a:picLocks noChangeAspect="1"/>
+          </p:cNvPicPr>
+          <p:nvPr/>
+        </p:nvPicPr>
+        <p:blipFill>
+          <a:blip r:embed="rId3"/>
+          <a:stretch>
+            <a:fillRect/>
+          </a:stretch>
+        </p:blipFill>
+        <p:spPr>
+          <a:xfrm>
+            <a:off x="9900309" y="4223871"/>
+            <a:ext cx="199465" cy="233417"/>
+          </a:xfrm>
+          <a:prstGeom prst="rect">
+            <a:avLst/>
+          </a:prstGeom>
+        </p:spPr>
+      </p:pic>
+      <p:pic>
+        <p:nvPicPr>
+          <p:cNvPr id="23" name="图片 22"/>
+          <p:cNvPicPr>
+            <a:picLocks noChangeAspect="1"/>
+          </p:cNvPicPr>
+          <p:nvPr/>
+        </p:nvPicPr>
+        <p:blipFill>
+          <a:blip r:embed="rId4"/>
+          <a:stretch>
+            <a:fillRect/>
+          </a:stretch>
+        </p:blipFill>
+        <p:spPr>
+          <a:xfrm>
+            <a:off x="10374836" y="4241502"/>
+            <a:ext cx="177667" cy="219661"/>
+          </a:xfrm>
+          <a:prstGeom prst="rect">
+            <a:avLst/>
+          </a:prstGeom>
+        </p:spPr>
+      </p:pic>
+      <p:pic>
+        <p:nvPicPr>
+          <p:cNvPr id="24" name="图片 23"/>
+          <p:cNvPicPr>
+            <a:picLocks noChangeAspect="1"/>
+          </p:cNvPicPr>
+          <p:nvPr/>
+        </p:nvPicPr>
+        <p:blipFill>
+          <a:blip r:embed="rId3"/>
+          <a:stretch>
+            <a:fillRect/>
+          </a:stretch>
+        </p:blipFill>
+        <p:spPr>
+          <a:xfrm>
+            <a:off x="2046222" y="1834137"/>
+            <a:ext cx="219508" cy="256871"/>
+          </a:xfrm>
+          <a:prstGeom prst="rect">
+            <a:avLst/>
+          </a:prstGeom>
+        </p:spPr>
+      </p:pic>
+      <p:pic>
+        <p:nvPicPr>
+          <p:cNvPr id="25" name="图片 24"/>
+          <p:cNvPicPr>
+            <a:picLocks noChangeAspect="1"/>
+          </p:cNvPicPr>
+          <p:nvPr/>
+        </p:nvPicPr>
+        <p:blipFill>
+          <a:blip r:embed="rId4"/>
+          <a:stretch>
+            <a:fillRect/>
+          </a:stretch>
+        </p:blipFill>
+        <p:spPr>
+          <a:xfrm>
+            <a:off x="2520749" y="1851768"/>
+            <a:ext cx="195519" cy="241732"/>
+          </a:xfrm>
+          <a:prstGeom prst="rect">
+            <a:avLst/>
+          </a:prstGeom>
+        </p:spPr>
+      </p:pic>
+      <p:sp>
+        <p:nvSpPr>
+          <p:cNvPr id="27" name="圆角矩形 26"/>
+          <p:cNvSpPr/>
+          <p:nvPr/>
+        </p:nvSpPr>
+        <p:spPr>
+          <a:xfrm>
+            <a:off x="7786256" y="867627"/>
+            <a:ext cx="1191490" cy="369332"/>
+          </a:xfrm>
+          <a:prstGeom prst="roundRect">
+            <a:avLst>
+              <a:gd name="adj" fmla="val 50000"/>
+            </a:avLst>
+          </a:prstGeom>
+        </p:spPr>
+        <p:style>
+          <a:lnRef idx="0">
+            <a:schemeClr val="accent3"/>
+          </a:lnRef>
+          <a:fillRef idx="3">
+            <a:schemeClr val="accent3"/>
+          </a:fillRef>
+          <a:effectRef idx="3">
+            <a:schemeClr val="accent3"/>
+          </a:effectRef>
+          <a:fontRef idx="minor">
+            <a:schemeClr val="lt1"/>
+          </a:fontRef>
+        </p:style>
+        <p:txBody>
+          <a:bodyPr rtlCol="0" anchor="ctr"/>
+          <a:lstStyle/>
+          <a:p>
+            <a:pPr algn="ctr"/>
+            <a:endParaRPr lang="zh-CN" altLang="en-US"/>
+          </a:p>
+        </p:txBody>
+      </p:sp>
+      <p:cxnSp>
+        <p:nvCxnSpPr>
+          <p:cNvPr id="29" name="直接连接符 28"/>
+          <p:cNvCxnSpPr>
+            <a:stCxn id="27" idx="0"/>
+            <a:endCxn id="27" idx="2"/>
+          </p:cNvCxnSpPr>
+          <p:nvPr/>
+        </p:nvCxnSpPr>
+        <p:spPr>
+          <a:xfrm>
+            <a:off x="8382001" y="867627"/>
+            <a:ext cx="0" cy="369332"/>
+          </a:xfrm>
+          <a:prstGeom prst="line">
+            <a:avLst/>
+          </a:prstGeom>
+        </p:spPr>
+        <p:style>
+          <a:lnRef idx="1">
+            <a:schemeClr val="dk1"/>
+          </a:lnRef>
+          <a:fillRef idx="0">
+            <a:schemeClr val="dk1"/>
+          </a:fillRef>
+          <a:effectRef idx="0">
+            <a:schemeClr val="dk1"/>
+          </a:effectRef>
+          <a:fontRef idx="minor">
+            <a:schemeClr val="tx1"/>
+          </a:fontRef>
+        </p:style>
+      </p:cxnSp>
+      <p:sp>
+        <p:nvSpPr>
+          <p:cNvPr id="30" name="文本框 29"/>
+          <p:cNvSpPr txBox="1"/>
+          <p:nvPr/>
+        </p:nvSpPr>
+        <p:spPr>
+          <a:xfrm>
+            <a:off x="7856055" y="929182"/>
+            <a:ext cx="1051891" cy="307777"/>
+          </a:xfrm>
+          <a:prstGeom prst="rect">
+            <a:avLst/>
+          </a:prstGeom>
+          <a:noFill/>
+        </p:spPr>
+        <p:txBody>
+          <a:bodyPr wrap="none" rtlCol="0">
+            <a:spAutoFit/>
+          </a:bodyPr>
+          <a:lstStyle/>
+          <a:p>
+            <a:r>
+              <a:rPr lang="zh-CN" altLang="en-US" sz="1400" dirty="0" smtClean="0"/>
+              <a:t>题库   </a:t>
+            </a:r>
+            <a:r>
+              <a:rPr lang="zh-CN" altLang="en-US" sz="1400" dirty="0" smtClean="0">
+                <a:solidFill>
+                  <a:srgbClr val="0070C0"/>
+                </a:solidFill>
+              </a:rPr>
+              <a:t>试题</a:t>
+            </a:r>
+            <a:endParaRPr lang="zh-CN" altLang="en-US" sz="1400" dirty="0">
+              <a:solidFill>
+                <a:srgbClr val="0070C0"/>
+              </a:solidFill>
+            </a:endParaRPr>
+          </a:p>
+        </p:txBody>
+      </p:sp>
+      <p:sp>
+        <p:nvSpPr>
+          <p:cNvPr id="32" name="文本框 31"/>
+          <p:cNvSpPr txBox="1"/>
+          <p:nvPr/>
+        </p:nvSpPr>
+        <p:spPr>
+          <a:xfrm>
+            <a:off x="4448560" y="836017"/>
+            <a:ext cx="877163" cy="369332"/>
+          </a:xfrm>
+          <a:prstGeom prst="rect">
+            <a:avLst/>
+          </a:prstGeom>
+          <a:noFill/>
+        </p:spPr>
+        <p:txBody>
+          <a:bodyPr wrap="none" rtlCol="0">
+            <a:spAutoFit/>
+          </a:bodyPr>
+          <a:lstStyle/>
+          <a:p>
+            <a:r>
+              <a:rPr lang="zh-CN" altLang="en-US" dirty="0" smtClean="0"/>
+              <a:t>实务题</a:t>
+            </a:r>
+            <a:endParaRPr lang="zh-CN" altLang="en-US" dirty="0"/>
+          </a:p>
+        </p:txBody>
+      </p:sp>
+      <p:sp>
+        <p:nvSpPr>
+          <p:cNvPr id="35" name="圆角矩形 34"/>
+          <p:cNvSpPr/>
+          <p:nvPr/>
+        </p:nvSpPr>
+        <p:spPr>
+          <a:xfrm>
+            <a:off x="9432004" y="1466211"/>
+            <a:ext cx="1136073" cy="401782"/>
+          </a:xfrm>
+          <a:prstGeom prst="roundRect">
+            <a:avLst/>
+          </a:prstGeom>
+        </p:spPr>
+        <p:style>
+          <a:lnRef idx="1">
+            <a:schemeClr val="accent6"/>
+          </a:lnRef>
+          <a:fillRef idx="2">
+            <a:schemeClr val="accent6"/>
+          </a:fillRef>
+          <a:effectRef idx="1">
+            <a:schemeClr val="accent6"/>
+          </a:effectRef>
+          <a:fontRef idx="minor">
+            <a:schemeClr val="dk1"/>
+          </a:fontRef>
+        </p:style>
+        <p:txBody>
+          <a:bodyPr rtlCol="0" anchor="ctr"/>
+          <a:lstStyle/>
+          <a:p>
+            <a:pPr algn="ctr"/>
+            <a:r>
+              <a:rPr lang="zh-CN" altLang="en-US" sz="1400" dirty="0" smtClean="0"/>
+              <a:t>增加题库</a:t>
+            </a:r>
+            <a:endParaRPr lang="zh-CN" altLang="en-US" sz="1400" dirty="0"/>
+          </a:p>
+        </p:txBody>
+      </p:sp>
+    </p:spTree>
+    <p:extLst>
+      <p:ext uri="{BB962C8B-B14F-4D97-AF65-F5344CB8AC3E}">
+        <p14:creationId xmlns:p14="http://schemas.microsoft.com/office/powerpoint/2010/main" val="3290484708"/>
+      </p:ext>
+    </p:extLst>
+  </p:cSld>
+  <p:clrMapOvr>
+    <a:masterClrMapping/>
+  </p:clrMapOvr>
+  <p:timing>
+    <p:tnLst>
+      <p:par>
+        <p:cTn id="1" dur="indefinite" restart="never" nodeType="tmRoot"/>
+      </p:par>
+    </p:tnLst>
+  </p:timing>
+</p:sld>
+</file>
+
+<file path=ppt/slides/slide7.xml><?xml version="1.0" encoding="utf-8"?>
+<p:sld xmlns:a="http://schemas.openxmlformats.org/drawingml/2006/main" xmlns:r="http://schemas.openxmlformats.org/officeDocument/2006/relationships" xmlns:p="http://schemas.openxmlformats.org/presentationml/2006/main">
+  <p:cSld>
+    <p:spTree>
+      <p:nvGrpSpPr>
+        <p:cNvPr id="1" name=""/>
+        <p:cNvGrpSpPr/>
+        <p:nvPr/>
+      </p:nvGrpSpPr>
+      <p:grpSpPr>
+        <a:xfrm>
+          <a:off x="0" y="0"/>
+          <a:ext cx="0" cy="0"/>
+          <a:chOff x="0" y="0"/>
+          <a:chExt cx="0" cy="0"/>
+        </a:xfrm>
+      </p:grpSpPr>
+      <p:cxnSp>
+        <p:nvCxnSpPr>
+          <p:cNvPr id="5" name="直接连接符 4"/>
+          <p:cNvCxnSpPr/>
+          <p:nvPr/>
+        </p:nvCxnSpPr>
+        <p:spPr>
+          <a:xfrm>
+            <a:off x="4447309" y="1191491"/>
+            <a:ext cx="3241964" cy="0"/>
+          </a:xfrm>
+          <a:prstGeom prst="line">
+            <a:avLst/>
+          </a:prstGeom>
+        </p:spPr>
+        <p:style>
+          <a:lnRef idx="1">
+            <a:schemeClr val="accent1"/>
+          </a:lnRef>
+          <a:fillRef idx="0">
+            <a:schemeClr val="accent1"/>
+          </a:fillRef>
+          <a:effectRef idx="0">
+            <a:schemeClr val="accent1"/>
+          </a:effectRef>
+          <a:fontRef idx="minor">
+            <a:schemeClr val="tx1"/>
+          </a:fontRef>
+        </p:style>
+      </p:cxnSp>
+      <p:sp>
+        <p:nvSpPr>
+          <p:cNvPr id="6" name="文本框 5"/>
+          <p:cNvSpPr txBox="1"/>
+          <p:nvPr/>
+        </p:nvSpPr>
+        <p:spPr>
+          <a:xfrm>
+            <a:off x="5289873" y="822159"/>
+            <a:ext cx="1556836" cy="369332"/>
+          </a:xfrm>
+          <a:prstGeom prst="rect">
+            <a:avLst/>
+          </a:prstGeom>
+          <a:noFill/>
+        </p:spPr>
+        <p:txBody>
+          <a:bodyPr wrap="none" rtlCol="0">
+            <a:spAutoFit/>
+          </a:bodyPr>
+          <a:lstStyle/>
+          <a:p>
+            <a:r>
+              <a:rPr lang="zh-CN" altLang="en-US" dirty="0" smtClean="0"/>
+              <a:t>增加单选试题</a:t>
+            </a:r>
+            <a:endParaRPr lang="zh-CN" altLang="en-US" dirty="0"/>
+          </a:p>
+        </p:txBody>
+      </p:sp>
+      <p:graphicFrame>
+        <p:nvGraphicFramePr>
+          <p:cNvPr id="7" name="表格 6"/>
+          <p:cNvGraphicFramePr>
+            <a:graphicFrameLocks noGrp="1"/>
+          </p:cNvGraphicFramePr>
+          <p:nvPr>
+            <p:extLst>
+              <p:ext uri="{D42A27DB-BD31-4B8C-83A1-F6EECF244321}">
+                <p14:modId xmlns:p14="http://schemas.microsoft.com/office/powerpoint/2010/main" val="3438376839"/>
+              </p:ext>
+            </p:extLst>
+          </p:nvPr>
+        </p:nvGraphicFramePr>
+        <p:xfrm>
+          <a:off x="1288471" y="1560823"/>
+          <a:ext cx="10113820" cy="370840"/>
+        </p:xfrm>
+        <a:graphic>
+          <a:graphicData uri="http://schemas.openxmlformats.org/drawingml/2006/table">
+            <a:tbl>
+              <a:tblPr firstRow="1" bandRow="1">
+                <a:tableStyleId>{5C22544A-7EE6-4342-B048-85BDC9FD1C3A}</a:tableStyleId>
+              </a:tblPr>
+              <a:tblGrid>
+                <a:gridCol w="747044">
+                  <a:extLst>
+                    <a:ext uri="{9D8B030D-6E8A-4147-A177-3AD203B41FA5}">
+                      <a16:colId xmlns:a16="http://schemas.microsoft.com/office/drawing/2014/main" val="973691064"/>
+                    </a:ext>
+                  </a:extLst>
+                </a:gridCol>
+                <a:gridCol w="1275720">
+                  <a:extLst>
+                    <a:ext uri="{9D8B030D-6E8A-4147-A177-3AD203B41FA5}">
+                      <a16:colId xmlns:a16="http://schemas.microsoft.com/office/drawing/2014/main" val="3100354542"/>
+                    </a:ext>
+                  </a:extLst>
+                </a:gridCol>
+                <a:gridCol w="1011382">
+                  <a:extLst>
+                    <a:ext uri="{9D8B030D-6E8A-4147-A177-3AD203B41FA5}">
+                      <a16:colId xmlns:a16="http://schemas.microsoft.com/office/drawing/2014/main" val="2222802792"/>
+                    </a:ext>
+                  </a:extLst>
+                </a:gridCol>
+                <a:gridCol w="1011382">
+                  <a:extLst>
+                    <a:ext uri="{9D8B030D-6E8A-4147-A177-3AD203B41FA5}">
+                      <a16:colId xmlns:a16="http://schemas.microsoft.com/office/drawing/2014/main" val="3653498887"/>
+                    </a:ext>
+                  </a:extLst>
+                </a:gridCol>
+                <a:gridCol w="1011382">
+                  <a:extLst>
+                    <a:ext uri="{9D8B030D-6E8A-4147-A177-3AD203B41FA5}">
+                      <a16:colId xmlns:a16="http://schemas.microsoft.com/office/drawing/2014/main" val="4058953228"/>
+                    </a:ext>
+                  </a:extLst>
+                </a:gridCol>
+                <a:gridCol w="1011382">
+                  <a:extLst>
+                    <a:ext uri="{9D8B030D-6E8A-4147-A177-3AD203B41FA5}">
+                      <a16:colId xmlns:a16="http://schemas.microsoft.com/office/drawing/2014/main" val="1204996283"/>
+                    </a:ext>
+                  </a:extLst>
+                </a:gridCol>
+                <a:gridCol w="1011382">
+                  <a:extLst>
+                    <a:ext uri="{9D8B030D-6E8A-4147-A177-3AD203B41FA5}">
+                      <a16:colId xmlns:a16="http://schemas.microsoft.com/office/drawing/2014/main" val="3297084917"/>
+                    </a:ext>
+                  </a:extLst>
+                </a:gridCol>
+                <a:gridCol w="1011382">
+                  <a:extLst>
+                    <a:ext uri="{9D8B030D-6E8A-4147-A177-3AD203B41FA5}">
+                      <a16:colId xmlns:a16="http://schemas.microsoft.com/office/drawing/2014/main" val="982381491"/>
+                    </a:ext>
+                  </a:extLst>
+                </a:gridCol>
+                <a:gridCol w="1011382">
+                  <a:extLst>
+                    <a:ext uri="{9D8B030D-6E8A-4147-A177-3AD203B41FA5}">
+                      <a16:colId xmlns:a16="http://schemas.microsoft.com/office/drawing/2014/main" val="1752784608"/>
+                    </a:ext>
+                  </a:extLst>
+                </a:gridCol>
+                <a:gridCol w="1011382">
+                  <a:extLst>
+                    <a:ext uri="{9D8B030D-6E8A-4147-A177-3AD203B41FA5}">
+                      <a16:colId xmlns:a16="http://schemas.microsoft.com/office/drawing/2014/main" val="1890151917"/>
+                    </a:ext>
+                  </a:extLst>
+                </a:gridCol>
+              </a:tblGrid>
+              <a:tr h="370840">
+                <a:tc>
+                  <a:txBody>
+                    <a:bodyPr/>
+                    <a:lstStyle/>
+                    <a:p>
+                      <a:pPr algn="ctr"/>
+                      <a:r>
+                        <a:rPr lang="zh-CN" altLang="en-US" sz="1400" dirty="0" smtClean="0"/>
+                        <a:t>编号</a:t>
+                      </a:r>
+                      <a:endParaRPr lang="zh-CN" altLang="en-US" sz="1400" dirty="0"/>
+                    </a:p>
+                  </a:txBody>
+                  <a:tcPr/>
+                </a:tc>
+                <a:tc>
+                  <a:txBody>
+                    <a:bodyPr/>
+                    <a:lstStyle/>
+                    <a:p>
+                      <a:pPr algn="ctr"/>
+                      <a:r>
+                        <a:rPr lang="zh-CN" altLang="en-US" sz="1400" dirty="0" smtClean="0"/>
+                        <a:t>题干</a:t>
+                      </a:r>
+                      <a:endParaRPr lang="zh-CN" altLang="en-US" sz="1400" dirty="0"/>
+                    </a:p>
+                  </a:txBody>
+                  <a:tcPr/>
+                </a:tc>
+                <a:tc>
+                  <a:txBody>
+                    <a:bodyPr/>
+                    <a:lstStyle/>
+                    <a:p>
+                      <a:pPr algn="ctr"/>
+                      <a:r>
+                        <a:rPr lang="zh-CN" altLang="en-US" sz="1400" dirty="0" smtClean="0"/>
+                        <a:t>选项</a:t>
+                      </a:r>
+                      <a:r>
+                        <a:rPr lang="en-US" altLang="zh-CN" sz="1400" dirty="0" smtClean="0"/>
+                        <a:t>A</a:t>
+                      </a:r>
+                      <a:endParaRPr lang="zh-CN" altLang="en-US" sz="1400" dirty="0"/>
+                    </a:p>
+                  </a:txBody>
+                  <a:tcPr/>
+                </a:tc>
+                <a:tc>
+                  <a:txBody>
+                    <a:bodyPr/>
+                    <a:lstStyle/>
+                    <a:p>
+                      <a:pPr marL="0" marR="0" indent="0" algn="ctr" defTabSz="914400" rtl="0" eaLnBrk="1" fontAlgn="auto" latinLnBrk="0" hangingPunct="1">
+                        <a:lnSpc>
+                          <a:spcPct val="100000"/>
+                        </a:lnSpc>
+                        <a:spcBef>
+                          <a:spcPts val="0"/>
+                        </a:spcBef>
+                        <a:spcAft>
+                          <a:spcPts val="0"/>
+                        </a:spcAft>
+                        <a:buClrTx/>
+                        <a:buSzTx/>
+                        <a:buFontTx/>
+                        <a:buNone/>
+                        <a:tabLst/>
+                        <a:defRPr/>
+                      </a:pPr>
+                      <a:r>
+                        <a:rPr lang="zh-CN" altLang="en-US" sz="1400" dirty="0" smtClean="0"/>
+                        <a:t>选项</a:t>
+                      </a:r>
+                      <a:r>
+                        <a:rPr lang="en-US" altLang="zh-CN" sz="1400" dirty="0" smtClean="0"/>
+                        <a:t>B</a:t>
+                      </a:r>
+                      <a:endParaRPr lang="zh-CN" altLang="en-US" sz="1400" dirty="0" smtClean="0"/>
+                    </a:p>
+                  </a:txBody>
+                  <a:tcPr/>
+                </a:tc>
+                <a:tc>
+                  <a:txBody>
+                    <a:bodyPr/>
+                    <a:lstStyle/>
+                    <a:p>
+                      <a:pPr marL="0" marR="0" indent="0" algn="ctr" defTabSz="914400" rtl="0" eaLnBrk="1" fontAlgn="auto" latinLnBrk="0" hangingPunct="1">
+                        <a:lnSpc>
+                          <a:spcPct val="100000"/>
+                        </a:lnSpc>
+                        <a:spcBef>
+                          <a:spcPts val="0"/>
+                        </a:spcBef>
+                        <a:spcAft>
+                          <a:spcPts val="0"/>
+                        </a:spcAft>
+                        <a:buClrTx/>
+                        <a:buSzTx/>
+                        <a:buFontTx/>
+                        <a:buNone/>
+                        <a:tabLst/>
+                        <a:defRPr/>
+                      </a:pPr>
+                      <a:r>
+                        <a:rPr lang="zh-CN" altLang="en-US" sz="1400" dirty="0" smtClean="0"/>
+                        <a:t>选项</a:t>
+                      </a:r>
+                      <a:r>
+                        <a:rPr lang="en-US" altLang="zh-CN" sz="1400" dirty="0" smtClean="0"/>
+                        <a:t>C</a:t>
+                      </a:r>
+                      <a:endParaRPr lang="zh-CN" altLang="en-US" sz="1400" dirty="0" smtClean="0"/>
+                    </a:p>
+                  </a:txBody>
+                  <a:tcPr/>
+                </a:tc>
+                <a:tc>
+                  <a:txBody>
+                    <a:bodyPr/>
+                    <a:lstStyle/>
+                    <a:p>
+                      <a:pPr marL="0" marR="0" indent="0" algn="ctr" defTabSz="914400" rtl="0" eaLnBrk="1" fontAlgn="auto" latinLnBrk="0" hangingPunct="1">
+                        <a:lnSpc>
+                          <a:spcPct val="100000"/>
+                        </a:lnSpc>
+                        <a:spcBef>
+                          <a:spcPts val="0"/>
+                        </a:spcBef>
+                        <a:spcAft>
+                          <a:spcPts val="0"/>
+                        </a:spcAft>
+                        <a:buClrTx/>
+                        <a:buSzTx/>
+                        <a:buFontTx/>
+                        <a:buNone/>
+                        <a:tabLst/>
+                        <a:defRPr/>
+                      </a:pPr>
+                      <a:r>
+                        <a:rPr lang="zh-CN" altLang="en-US" sz="1400" dirty="0" smtClean="0"/>
+                        <a:t>选项</a:t>
+                      </a:r>
+                      <a:r>
+                        <a:rPr lang="en-US" altLang="zh-CN" sz="1400" dirty="0" smtClean="0"/>
+                        <a:t>D</a:t>
+                      </a:r>
+                      <a:endParaRPr lang="zh-CN" altLang="en-US" sz="1400" dirty="0" smtClean="0"/>
+                    </a:p>
+                  </a:txBody>
+                  <a:tcPr/>
+                </a:tc>
+                <a:tc>
+                  <a:txBody>
+                    <a:bodyPr/>
+                    <a:lstStyle/>
+                    <a:p>
+                      <a:pPr marL="0" marR="0" indent="0" algn="ctr" defTabSz="914400" rtl="0" eaLnBrk="1" fontAlgn="auto" latinLnBrk="0" hangingPunct="1">
+                        <a:lnSpc>
+                          <a:spcPct val="100000"/>
+                        </a:lnSpc>
+                        <a:spcBef>
+                          <a:spcPts val="0"/>
+                        </a:spcBef>
+                        <a:spcAft>
+                          <a:spcPts val="0"/>
+                        </a:spcAft>
+                        <a:buClrTx/>
+                        <a:buSzTx/>
+                        <a:buFontTx/>
+                        <a:buNone/>
+                        <a:tabLst/>
+                        <a:defRPr/>
+                      </a:pPr>
+                      <a:r>
+                        <a:rPr lang="zh-CN" altLang="en-US" sz="1400" dirty="0" smtClean="0"/>
+                        <a:t>选项</a:t>
+                      </a:r>
+                      <a:r>
+                        <a:rPr lang="en-US" altLang="zh-CN" sz="1400" dirty="0" smtClean="0"/>
+                        <a:t>E</a:t>
+                      </a:r>
+                      <a:endParaRPr lang="zh-CN" altLang="en-US" sz="1400" dirty="0" smtClean="0"/>
+                    </a:p>
+                  </a:txBody>
+                  <a:tcPr/>
+                </a:tc>
+                <a:tc>
+                  <a:txBody>
+                    <a:bodyPr/>
+                    <a:lstStyle/>
+                    <a:p>
+                      <a:pPr marL="0" marR="0" indent="0" algn="ctr" defTabSz="914400" rtl="0" eaLnBrk="1" fontAlgn="auto" latinLnBrk="0" hangingPunct="1">
+                        <a:lnSpc>
+                          <a:spcPct val="100000"/>
+                        </a:lnSpc>
+                        <a:spcBef>
+                          <a:spcPts val="0"/>
+                        </a:spcBef>
+                        <a:spcAft>
+                          <a:spcPts val="0"/>
+                        </a:spcAft>
+                        <a:buClrTx/>
+                        <a:buSzTx/>
+                        <a:buFontTx/>
+                        <a:buNone/>
+                        <a:tabLst/>
+                        <a:defRPr/>
+                      </a:pPr>
+                      <a:r>
+                        <a:rPr lang="zh-CN" altLang="en-US" sz="1400" dirty="0" smtClean="0"/>
+                        <a:t>选项</a:t>
+                      </a:r>
+                      <a:r>
+                        <a:rPr lang="en-US" altLang="zh-CN" sz="1400" dirty="0" smtClean="0"/>
+                        <a:t>F</a:t>
+                      </a:r>
+                      <a:endParaRPr lang="zh-CN" altLang="en-US" sz="1400" dirty="0" smtClean="0"/>
+                    </a:p>
+                  </a:txBody>
+                  <a:tcPr/>
+                </a:tc>
+                <a:tc>
+                  <a:txBody>
+                    <a:bodyPr/>
+                    <a:lstStyle/>
+                    <a:p>
+                      <a:pPr algn="ctr"/>
+                      <a:r>
+                        <a:rPr lang="zh-CN" altLang="en-US" sz="1400" dirty="0" smtClean="0"/>
+                        <a:t>答案</a:t>
+                      </a:r>
+                      <a:endParaRPr lang="zh-CN" altLang="en-US" sz="1400" dirty="0"/>
+                    </a:p>
+                  </a:txBody>
+                  <a:tcPr/>
+                </a:tc>
+                <a:tc>
+                  <a:txBody>
+                    <a:bodyPr/>
+                    <a:lstStyle/>
+                    <a:p>
+                      <a:pPr algn="ctr"/>
+                      <a:r>
+                        <a:rPr lang="zh-CN" altLang="en-US" sz="1400" dirty="0" smtClean="0"/>
+                        <a:t>解析</a:t>
+                      </a:r>
+                      <a:endParaRPr lang="zh-CN" altLang="en-US" sz="1400" dirty="0"/>
+                    </a:p>
+                  </a:txBody>
+                  <a:tcPr/>
+                </a:tc>
+                <a:extLst>
+                  <a:ext uri="{0D108BD9-81ED-4DB2-BD59-A6C34878D82A}">
+                    <a16:rowId xmlns:a16="http://schemas.microsoft.com/office/drawing/2014/main" val="2371275158"/>
+                  </a:ext>
+                </a:extLst>
+              </a:tr>
+            </a:tbl>
+          </a:graphicData>
+        </a:graphic>
+      </p:graphicFrame>
+      <p:graphicFrame>
+        <p:nvGraphicFramePr>
+          <p:cNvPr id="8" name="表格 7"/>
+          <p:cNvGraphicFramePr>
+            <a:graphicFrameLocks noGrp="1"/>
+          </p:cNvGraphicFramePr>
+          <p:nvPr>
+            <p:extLst>
+              <p:ext uri="{D42A27DB-BD31-4B8C-83A1-F6EECF244321}">
+                <p14:modId xmlns:p14="http://schemas.microsoft.com/office/powerpoint/2010/main" val="291299119"/>
+              </p:ext>
+            </p:extLst>
+          </p:nvPr>
+        </p:nvGraphicFramePr>
+        <p:xfrm>
+          <a:off x="1288471" y="1931663"/>
+          <a:ext cx="10113820" cy="1854200"/>
+        </p:xfrm>
+        <a:graphic>
+          <a:graphicData uri="http://schemas.openxmlformats.org/drawingml/2006/table">
+            <a:tbl>
+              <a:tblPr firstRow="1" bandRow="1">
+                <a:tableStyleId>{5C22544A-7EE6-4342-B048-85BDC9FD1C3A}</a:tableStyleId>
+              </a:tblPr>
+              <a:tblGrid>
+                <a:gridCol w="748147">
+                  <a:extLst>
+                    <a:ext uri="{9D8B030D-6E8A-4147-A177-3AD203B41FA5}">
+                      <a16:colId xmlns:a16="http://schemas.microsoft.com/office/drawing/2014/main" val="3290540492"/>
+                    </a:ext>
+                  </a:extLst>
+                </a:gridCol>
+                <a:gridCol w="1274617">
+                  <a:extLst>
+                    <a:ext uri="{9D8B030D-6E8A-4147-A177-3AD203B41FA5}">
+                      <a16:colId xmlns:a16="http://schemas.microsoft.com/office/drawing/2014/main" val="2761288044"/>
+                    </a:ext>
+                  </a:extLst>
+                </a:gridCol>
+                <a:gridCol w="1011382">
+                  <a:extLst>
+                    <a:ext uri="{9D8B030D-6E8A-4147-A177-3AD203B41FA5}">
+                      <a16:colId xmlns:a16="http://schemas.microsoft.com/office/drawing/2014/main" val="314187113"/>
+                    </a:ext>
+                  </a:extLst>
+                </a:gridCol>
+                <a:gridCol w="1011382">
+                  <a:extLst>
+                    <a:ext uri="{9D8B030D-6E8A-4147-A177-3AD203B41FA5}">
+                      <a16:colId xmlns:a16="http://schemas.microsoft.com/office/drawing/2014/main" val="2076600010"/>
+                    </a:ext>
+                  </a:extLst>
+                </a:gridCol>
+                <a:gridCol w="1011382">
+                  <a:extLst>
+                    <a:ext uri="{9D8B030D-6E8A-4147-A177-3AD203B41FA5}">
+                      <a16:colId xmlns:a16="http://schemas.microsoft.com/office/drawing/2014/main" val="3187207935"/>
+                    </a:ext>
+                  </a:extLst>
+                </a:gridCol>
+                <a:gridCol w="1011382">
+                  <a:extLst>
+                    <a:ext uri="{9D8B030D-6E8A-4147-A177-3AD203B41FA5}">
+                      <a16:colId xmlns:a16="http://schemas.microsoft.com/office/drawing/2014/main" val="570385459"/>
+                    </a:ext>
+                  </a:extLst>
+                </a:gridCol>
+                <a:gridCol w="1011382">
+                  <a:extLst>
+                    <a:ext uri="{9D8B030D-6E8A-4147-A177-3AD203B41FA5}">
+                      <a16:colId xmlns:a16="http://schemas.microsoft.com/office/drawing/2014/main" val="3396203208"/>
+                    </a:ext>
+                  </a:extLst>
+                </a:gridCol>
+                <a:gridCol w="1011382">
+                  <a:extLst>
+                    <a:ext uri="{9D8B030D-6E8A-4147-A177-3AD203B41FA5}">
+                      <a16:colId xmlns:a16="http://schemas.microsoft.com/office/drawing/2014/main" val="1175141232"/>
+                    </a:ext>
+                  </a:extLst>
+                </a:gridCol>
+                <a:gridCol w="1011382">
+                  <a:extLst>
+                    <a:ext uri="{9D8B030D-6E8A-4147-A177-3AD203B41FA5}">
+                      <a16:colId xmlns:a16="http://schemas.microsoft.com/office/drawing/2014/main" val="2393466023"/>
+                    </a:ext>
+                  </a:extLst>
+                </a:gridCol>
+                <a:gridCol w="1011382">
+                  <a:extLst>
+                    <a:ext uri="{9D8B030D-6E8A-4147-A177-3AD203B41FA5}">
+                      <a16:colId xmlns:a16="http://schemas.microsoft.com/office/drawing/2014/main" val="2645010706"/>
+                    </a:ext>
+                  </a:extLst>
+                </a:gridCol>
+              </a:tblGrid>
+              <a:tr h="370840">
+                <a:tc>
+                  <a:txBody>
+                    <a:bodyPr/>
+                    <a:lstStyle/>
+                    <a:p>
+                      <a:pPr algn="ctr"/>
+                      <a:r>
+                        <a:rPr lang="en-US" altLang="zh-CN" b="0" dirty="0" smtClean="0">
+                          <a:solidFill>
+                            <a:schemeClr val="tx1"/>
+                          </a:solidFill>
+                        </a:rPr>
+                        <a:t>1</a:t>
+                      </a:r>
+                      <a:endParaRPr lang="zh-CN" altLang="en-US" b="0" dirty="0">
+                        <a:solidFill>
+                          <a:schemeClr val="tx1"/>
+                        </a:solidFill>
+                      </a:endParaRPr>
+                    </a:p>
+                  </a:txBody>
+                  <a:tcPr/>
+                </a:tc>
+                <a:tc>
+                  <a:txBody>
+                    <a:bodyPr/>
+                    <a:lstStyle/>
+                    <a:p>
+                      <a:pPr algn="ctr"/>
+                      <a:r>
+                        <a:rPr lang="en-US" altLang="zh-CN" dirty="0" smtClean="0">
+                          <a:solidFill>
+                            <a:schemeClr val="tx1"/>
+                          </a:solidFill>
+                        </a:rPr>
+                        <a:t>……</a:t>
+                      </a:r>
+                      <a:endParaRPr lang="zh-CN" altLang="en-US" dirty="0">
+                        <a:solidFill>
+                          <a:schemeClr val="tx1"/>
+                        </a:solidFill>
+                      </a:endParaRPr>
+                    </a:p>
+                  </a:txBody>
+                  <a:tcPr/>
+                </a:tc>
+                <a:tc>
+                  <a:txBody>
+                    <a:bodyPr/>
+                    <a:lstStyle/>
+                    <a:p>
+                      <a:pPr algn="ctr"/>
+                      <a:r>
+                        <a:rPr lang="zh-CN" altLang="en-US" sz="1400" b="0" dirty="0" smtClean="0">
+                          <a:solidFill>
+                            <a:schemeClr val="tx1"/>
+                          </a:solidFill>
+                        </a:rPr>
+                        <a:t>西瓜</a:t>
+                      </a:r>
+                      <a:endParaRPr lang="zh-CN" altLang="en-US" sz="1400" b="0" dirty="0">
+                        <a:solidFill>
+                          <a:schemeClr val="tx1"/>
+                        </a:solidFill>
+                      </a:endParaRPr>
+                    </a:p>
+                  </a:txBody>
+                  <a:tcPr/>
+                </a:tc>
+                <a:tc>
+                  <a:txBody>
+                    <a:bodyPr/>
+                    <a:lstStyle/>
+                    <a:p>
+                      <a:pPr algn="ctr"/>
+                      <a:r>
+                        <a:rPr lang="zh-CN" altLang="en-US" sz="1400" b="0" dirty="0" smtClean="0">
+                          <a:solidFill>
+                            <a:schemeClr val="tx1"/>
+                          </a:solidFill>
+                        </a:rPr>
+                        <a:t>黄瓜</a:t>
+                      </a:r>
+                      <a:endParaRPr lang="zh-CN" altLang="en-US" sz="1400" b="0" dirty="0">
+                        <a:solidFill>
+                          <a:schemeClr val="tx1"/>
+                        </a:solidFill>
+                      </a:endParaRPr>
+                    </a:p>
+                  </a:txBody>
+                  <a:tcPr/>
+                </a:tc>
+                <a:tc>
+                  <a:txBody>
+                    <a:bodyPr/>
+                    <a:lstStyle/>
+                    <a:p>
+                      <a:pPr algn="ctr"/>
+                      <a:r>
+                        <a:rPr lang="zh-CN" altLang="en-US" sz="1400" b="0" dirty="0" smtClean="0">
+                          <a:solidFill>
+                            <a:schemeClr val="tx1"/>
+                          </a:solidFill>
+                        </a:rPr>
+                        <a:t>南瓜</a:t>
+                      </a:r>
+                      <a:endParaRPr lang="zh-CN" altLang="en-US" sz="1400" b="0" dirty="0">
+                        <a:solidFill>
+                          <a:schemeClr val="tx1"/>
+                        </a:solidFill>
+                      </a:endParaRPr>
+                    </a:p>
+                  </a:txBody>
+                  <a:tcPr/>
+                </a:tc>
+                <a:tc>
+                  <a:txBody>
+                    <a:bodyPr/>
+                    <a:lstStyle/>
+                    <a:p>
+                      <a:pPr algn="ctr"/>
+                      <a:r>
+                        <a:rPr lang="zh-CN" altLang="en-US" sz="1400" b="0" dirty="0" smtClean="0">
+                          <a:solidFill>
+                            <a:schemeClr val="tx1"/>
+                          </a:solidFill>
+                        </a:rPr>
+                        <a:t>冬瓜</a:t>
+                      </a:r>
+                      <a:endParaRPr lang="zh-CN" altLang="en-US" sz="1400" b="0" dirty="0">
+                        <a:solidFill>
+                          <a:schemeClr val="tx1"/>
+                        </a:solidFill>
+                      </a:endParaRPr>
+                    </a:p>
+                  </a:txBody>
+                  <a:tcPr/>
+                </a:tc>
+                <a:tc>
+                  <a:txBody>
+                    <a:bodyPr/>
+                    <a:lstStyle/>
+                    <a:p>
+                      <a:endParaRPr lang="zh-CN" altLang="en-US" dirty="0"/>
+                    </a:p>
+                  </a:txBody>
+                  <a:tcPr/>
+                </a:tc>
+                <a:tc>
+                  <a:txBody>
+                    <a:bodyPr/>
+                    <a:lstStyle/>
+                    <a:p>
+                      <a:endParaRPr lang="zh-CN" altLang="en-US"/>
+                    </a:p>
+                  </a:txBody>
+                  <a:tcPr/>
+                </a:tc>
+                <a:tc>
+                  <a:txBody>
+                    <a:bodyPr/>
+                    <a:lstStyle/>
+                    <a:p>
+                      <a:pPr algn="ctr"/>
+                      <a:r>
+                        <a:rPr lang="en-US" altLang="zh-CN" dirty="0" smtClean="0">
+                          <a:solidFill>
+                            <a:schemeClr val="tx1"/>
+                          </a:solidFill>
+                        </a:rPr>
+                        <a:t>A</a:t>
+                      </a:r>
+                      <a:endParaRPr lang="zh-CN" altLang="en-US" dirty="0">
+                        <a:solidFill>
+                          <a:schemeClr val="tx1"/>
+                        </a:solidFill>
+                      </a:endParaRPr>
+                    </a:p>
+                  </a:txBody>
+                  <a:tcPr/>
+                </a:tc>
+                <a:tc>
+                  <a:txBody>
+                    <a:bodyPr/>
+                    <a:lstStyle/>
+                    <a:p>
+                      <a:pPr algn="ctr"/>
+                      <a:r>
+                        <a:rPr lang="en-US" altLang="zh-CN" b="0" dirty="0" smtClean="0">
+                          <a:solidFill>
+                            <a:schemeClr val="tx1"/>
+                          </a:solidFill>
+                        </a:rPr>
+                        <a:t>……</a:t>
+                      </a:r>
+                      <a:endParaRPr lang="zh-CN" altLang="en-US" b="0" dirty="0">
+                        <a:solidFill>
+                          <a:schemeClr val="tx1"/>
+                        </a:solidFill>
+                      </a:endParaRPr>
+                    </a:p>
+                  </a:txBody>
+                  <a:tcPr/>
+                </a:tc>
+                <a:extLst>
+                  <a:ext uri="{0D108BD9-81ED-4DB2-BD59-A6C34878D82A}">
+                    <a16:rowId xmlns:a16="http://schemas.microsoft.com/office/drawing/2014/main" val="4238928889"/>
+                  </a:ext>
+                </a:extLst>
+              </a:tr>
+              <a:tr h="370840">
+                <a:tc>
+                  <a:txBody>
+                    <a:bodyPr/>
+                    <a:lstStyle/>
+                    <a:p>
+                      <a:pPr algn="ctr"/>
+                      <a:r>
+                        <a:rPr lang="en-US" altLang="zh-CN" b="0" dirty="0" smtClean="0">
+                          <a:solidFill>
+                            <a:schemeClr val="tx1"/>
+                          </a:solidFill>
+                        </a:rPr>
+                        <a:t>2</a:t>
+                      </a:r>
+                      <a:endParaRPr lang="zh-CN" altLang="en-US" b="0" dirty="0">
+                        <a:solidFill>
+                          <a:schemeClr val="tx1"/>
+                        </a:solidFill>
+                      </a:endParaRPr>
+                    </a:p>
+                  </a:txBody>
+                  <a:tcPr/>
+                </a:tc>
+                <a:tc>
+                  <a:txBody>
+                    <a:bodyPr/>
+                    <a:lstStyle/>
+                    <a:p>
+                      <a:pPr algn="ctr"/>
+                      <a:r>
+                        <a:rPr lang="en-US" altLang="zh-CN" dirty="0" smtClean="0">
+                          <a:solidFill>
+                            <a:schemeClr val="tx1"/>
+                          </a:solidFill>
+                        </a:rPr>
+                        <a:t>……</a:t>
+                      </a:r>
+                      <a:endParaRPr lang="zh-CN" altLang="en-US" dirty="0">
+                        <a:solidFill>
+                          <a:schemeClr val="tx1"/>
+                        </a:solidFill>
+                      </a:endParaRPr>
+                    </a:p>
+                  </a:txBody>
+                  <a:tcPr/>
+                </a:tc>
+                <a:tc>
+                  <a:txBody>
+                    <a:bodyPr/>
+                    <a:lstStyle/>
+                    <a:p>
+                      <a:endParaRPr lang="zh-CN" altLang="en-US"/>
+                    </a:p>
+                  </a:txBody>
+                  <a:tcPr/>
+                </a:tc>
+                <a:tc>
+                  <a:txBody>
+                    <a:bodyPr/>
+                    <a:lstStyle/>
+                    <a:p>
+                      <a:endParaRPr lang="zh-CN" altLang="en-US"/>
+                    </a:p>
+                  </a:txBody>
+                  <a:tcPr/>
+                </a:tc>
+                <a:tc>
+                  <a:txBody>
+                    <a:bodyPr/>
+                    <a:lstStyle/>
+                    <a:p>
+                      <a:endParaRPr lang="zh-CN" altLang="en-US"/>
+                    </a:p>
+                  </a:txBody>
+                  <a:tcPr/>
+                </a:tc>
+                <a:tc>
+                  <a:txBody>
+                    <a:bodyPr/>
+                    <a:lstStyle/>
+                    <a:p>
+                      <a:endParaRPr lang="zh-CN" altLang="en-US"/>
+                    </a:p>
+                  </a:txBody>
+                  <a:tcPr/>
+                </a:tc>
+                <a:tc>
+                  <a:txBody>
+                    <a:bodyPr/>
+                    <a:lstStyle/>
+                    <a:p>
+                      <a:endParaRPr lang="zh-CN" altLang="en-US" dirty="0"/>
+                    </a:p>
+                  </a:txBody>
+                  <a:tcPr/>
+                </a:tc>
+                <a:tc>
+                  <a:txBody>
+                    <a:bodyPr/>
+                    <a:lstStyle/>
+                    <a:p>
+                      <a:endParaRPr lang="zh-CN" altLang="en-US"/>
+                    </a:p>
+                  </a:txBody>
+                  <a:tcPr/>
+                </a:tc>
+                <a:tc>
+                  <a:txBody>
+                    <a:bodyPr/>
+                    <a:lstStyle/>
+                    <a:p>
+                      <a:endParaRPr lang="zh-CN" altLang="en-US"/>
+                    </a:p>
+                  </a:txBody>
+                  <a:tcPr/>
+                </a:tc>
+                <a:tc>
+                  <a:txBody>
+                    <a:bodyPr/>
+                    <a:lstStyle/>
+                    <a:p>
+                      <a:endParaRPr lang="zh-CN" altLang="en-US"/>
+                    </a:p>
+                  </a:txBody>
+                  <a:tcPr/>
+                </a:tc>
+                <a:extLst>
+                  <a:ext uri="{0D108BD9-81ED-4DB2-BD59-A6C34878D82A}">
+                    <a16:rowId xmlns:a16="http://schemas.microsoft.com/office/drawing/2014/main" val="3655719776"/>
+                  </a:ext>
+                </a:extLst>
+              </a:tr>
+              <a:tr h="370840">
+                <a:tc>
+                  <a:txBody>
+                    <a:bodyPr/>
+                    <a:lstStyle/>
+                    <a:p>
+                      <a:pPr algn="ctr"/>
+                      <a:r>
+                        <a:rPr lang="en-US" altLang="zh-CN" b="0" dirty="0" smtClean="0">
+                          <a:solidFill>
+                            <a:schemeClr val="tx1"/>
+                          </a:solidFill>
+                        </a:rPr>
+                        <a:t>3</a:t>
+                      </a:r>
+                      <a:endParaRPr lang="zh-CN" altLang="en-US" b="0" dirty="0">
+                        <a:solidFill>
+                          <a:schemeClr val="tx1"/>
+                        </a:solidFill>
+                      </a:endParaRPr>
+                    </a:p>
+                  </a:txBody>
+                  <a:tcPr/>
+                </a:tc>
+                <a:tc>
+                  <a:txBody>
+                    <a:bodyPr/>
+                    <a:lstStyle/>
+                    <a:p>
+                      <a:pPr algn="ctr"/>
+                      <a:r>
+                        <a:rPr lang="en-US" altLang="zh-CN" dirty="0" smtClean="0">
+                          <a:solidFill>
+                            <a:schemeClr val="tx1"/>
+                          </a:solidFill>
+                        </a:rPr>
+                        <a:t>……</a:t>
+                      </a:r>
+                      <a:endParaRPr lang="zh-CN" altLang="en-US" dirty="0">
+                        <a:solidFill>
+                          <a:schemeClr val="tx1"/>
+                        </a:solidFill>
+                      </a:endParaRPr>
+                    </a:p>
+                  </a:txBody>
+                  <a:tcPr/>
+                </a:tc>
+                <a:tc>
+                  <a:txBody>
+                    <a:bodyPr/>
+                    <a:lstStyle/>
+                    <a:p>
+                      <a:endParaRPr lang="zh-CN" altLang="en-US"/>
+                    </a:p>
+                  </a:txBody>
+                  <a:tcPr/>
+                </a:tc>
+                <a:tc>
+                  <a:txBody>
+                    <a:bodyPr/>
+                    <a:lstStyle/>
+                    <a:p>
+                      <a:endParaRPr lang="zh-CN" altLang="en-US"/>
+                    </a:p>
+                  </a:txBody>
+                  <a:tcPr/>
+                </a:tc>
+                <a:tc>
+                  <a:txBody>
+                    <a:bodyPr/>
+                    <a:lstStyle/>
+                    <a:p>
+                      <a:endParaRPr lang="zh-CN" altLang="en-US"/>
+                    </a:p>
+                  </a:txBody>
+                  <a:tcPr/>
+                </a:tc>
+                <a:tc>
+                  <a:txBody>
+                    <a:bodyPr/>
+                    <a:lstStyle/>
+                    <a:p>
+                      <a:endParaRPr lang="zh-CN" altLang="en-US"/>
+                    </a:p>
+                  </a:txBody>
+                  <a:tcPr/>
+                </a:tc>
+                <a:tc>
+                  <a:txBody>
+                    <a:bodyPr/>
+                    <a:lstStyle/>
+                    <a:p>
+                      <a:endParaRPr lang="zh-CN" altLang="en-US"/>
+                    </a:p>
+                  </a:txBody>
+                  <a:tcPr/>
+                </a:tc>
+                <a:tc>
+                  <a:txBody>
+                    <a:bodyPr/>
+                    <a:lstStyle/>
+                    <a:p>
+                      <a:endParaRPr lang="zh-CN" altLang="en-US"/>
+                    </a:p>
+                  </a:txBody>
+                  <a:tcPr/>
+                </a:tc>
+                <a:tc>
+                  <a:txBody>
+                    <a:bodyPr/>
+                    <a:lstStyle/>
+                    <a:p>
+                      <a:endParaRPr lang="zh-CN" altLang="en-US"/>
+                    </a:p>
+                  </a:txBody>
+                  <a:tcPr/>
+                </a:tc>
+                <a:tc>
+                  <a:txBody>
+                    <a:bodyPr/>
+                    <a:lstStyle/>
+                    <a:p>
+                      <a:endParaRPr lang="zh-CN" altLang="en-US"/>
+                    </a:p>
+                  </a:txBody>
+                  <a:tcPr/>
+                </a:tc>
+                <a:extLst>
+                  <a:ext uri="{0D108BD9-81ED-4DB2-BD59-A6C34878D82A}">
+                    <a16:rowId xmlns:a16="http://schemas.microsoft.com/office/drawing/2014/main" val="1985643076"/>
+                  </a:ext>
+                </a:extLst>
+              </a:tr>
+              <a:tr h="370840">
+                <a:tc>
+                  <a:txBody>
+                    <a:bodyPr/>
+                    <a:lstStyle/>
+                    <a:p>
+                      <a:pPr algn="ctr"/>
+                      <a:r>
+                        <a:rPr lang="en-US" altLang="zh-CN" b="0" dirty="0" smtClean="0">
+                          <a:solidFill>
+                            <a:schemeClr val="tx1"/>
+                          </a:solidFill>
+                        </a:rPr>
+                        <a:t>4</a:t>
+                      </a:r>
+                      <a:endParaRPr lang="zh-CN" altLang="en-US" b="0" dirty="0">
+                        <a:solidFill>
+                          <a:schemeClr val="tx1"/>
+                        </a:solidFill>
+                      </a:endParaRPr>
+                    </a:p>
+                  </a:txBody>
+                  <a:tcPr/>
+                </a:tc>
+                <a:tc>
+                  <a:txBody>
+                    <a:bodyPr/>
+                    <a:lstStyle/>
+                    <a:p>
+                      <a:pPr algn="ctr"/>
+                      <a:r>
+                        <a:rPr lang="en-US" altLang="zh-CN" dirty="0" smtClean="0">
+                          <a:solidFill>
+                            <a:schemeClr val="tx1"/>
+                          </a:solidFill>
+                        </a:rPr>
+                        <a:t>……</a:t>
+                      </a:r>
+                      <a:endParaRPr lang="zh-CN" altLang="en-US" dirty="0">
+                        <a:solidFill>
+                          <a:schemeClr val="tx1"/>
+                        </a:solidFill>
+                      </a:endParaRPr>
+                    </a:p>
+                  </a:txBody>
+                  <a:tcPr/>
+                </a:tc>
+                <a:tc>
+                  <a:txBody>
+                    <a:bodyPr/>
+                    <a:lstStyle/>
+                    <a:p>
+                      <a:endParaRPr lang="zh-CN" altLang="en-US"/>
+                    </a:p>
+                  </a:txBody>
+                  <a:tcPr/>
+                </a:tc>
+                <a:tc>
+                  <a:txBody>
+                    <a:bodyPr/>
+                    <a:lstStyle/>
+                    <a:p>
+                      <a:endParaRPr lang="zh-CN" altLang="en-US"/>
+                    </a:p>
+                  </a:txBody>
+                  <a:tcPr/>
+                </a:tc>
+                <a:tc>
+                  <a:txBody>
+                    <a:bodyPr/>
+                    <a:lstStyle/>
+                    <a:p>
+                      <a:endParaRPr lang="zh-CN" altLang="en-US"/>
+                    </a:p>
+                  </a:txBody>
+                  <a:tcPr/>
+                </a:tc>
+                <a:tc>
+                  <a:txBody>
+                    <a:bodyPr/>
+                    <a:lstStyle/>
+                    <a:p>
+                      <a:endParaRPr lang="zh-CN" altLang="en-US"/>
+                    </a:p>
+                  </a:txBody>
+                  <a:tcPr/>
+                </a:tc>
+                <a:tc>
+                  <a:txBody>
+                    <a:bodyPr/>
+                    <a:lstStyle/>
+                    <a:p>
+                      <a:endParaRPr lang="zh-CN" altLang="en-US"/>
+                    </a:p>
+                  </a:txBody>
+                  <a:tcPr/>
+                </a:tc>
+                <a:tc>
+                  <a:txBody>
+                    <a:bodyPr/>
+                    <a:lstStyle/>
+                    <a:p>
+                      <a:endParaRPr lang="zh-CN" altLang="en-US"/>
+                    </a:p>
+                  </a:txBody>
+                  <a:tcPr/>
+                </a:tc>
+                <a:tc>
+                  <a:txBody>
+                    <a:bodyPr/>
+                    <a:lstStyle/>
+                    <a:p>
+                      <a:endParaRPr lang="zh-CN" altLang="en-US"/>
+                    </a:p>
+                  </a:txBody>
+                  <a:tcPr/>
+                </a:tc>
+                <a:tc>
+                  <a:txBody>
+                    <a:bodyPr/>
+                    <a:lstStyle/>
+                    <a:p>
+                      <a:endParaRPr lang="zh-CN" altLang="en-US"/>
+                    </a:p>
+                  </a:txBody>
+                  <a:tcPr/>
+                </a:tc>
+                <a:extLst>
+                  <a:ext uri="{0D108BD9-81ED-4DB2-BD59-A6C34878D82A}">
+                    <a16:rowId xmlns:a16="http://schemas.microsoft.com/office/drawing/2014/main" val="3752446180"/>
+                  </a:ext>
+                </a:extLst>
+              </a:tr>
+              <a:tr h="370840">
+                <a:tc>
+                  <a:txBody>
+                    <a:bodyPr/>
+                    <a:lstStyle/>
+                    <a:p>
+                      <a:pPr algn="ctr"/>
+                      <a:r>
+                        <a:rPr lang="en-US" altLang="zh-CN" dirty="0" smtClean="0"/>
+                        <a:t>5</a:t>
+                      </a:r>
+                      <a:endParaRPr lang="zh-CN" altLang="en-US" dirty="0"/>
+                    </a:p>
+                  </a:txBody>
+                  <a:tcPr/>
+                </a:tc>
+                <a:tc>
+                  <a:txBody>
+                    <a:bodyPr/>
+                    <a:lstStyle/>
+                    <a:p>
+                      <a:pPr algn="ctr"/>
+                      <a:r>
+                        <a:rPr lang="en-US" altLang="zh-CN" dirty="0" smtClean="0"/>
+                        <a:t>……</a:t>
+                      </a:r>
+                      <a:endParaRPr lang="zh-CN" altLang="en-US" dirty="0"/>
+                    </a:p>
+                  </a:txBody>
+                  <a:tcPr/>
+                </a:tc>
+                <a:tc>
+                  <a:txBody>
+                    <a:bodyPr/>
+                    <a:lstStyle/>
+                    <a:p>
+                      <a:endParaRPr lang="zh-CN" altLang="en-US"/>
+                    </a:p>
+                  </a:txBody>
+                  <a:tcPr/>
+                </a:tc>
+                <a:tc>
+                  <a:txBody>
+                    <a:bodyPr/>
+                    <a:lstStyle/>
+                    <a:p>
+                      <a:endParaRPr lang="zh-CN" altLang="en-US"/>
+                    </a:p>
+                  </a:txBody>
+                  <a:tcPr/>
+                </a:tc>
+                <a:tc>
+                  <a:txBody>
+                    <a:bodyPr/>
+                    <a:lstStyle/>
+                    <a:p>
+                      <a:endParaRPr lang="zh-CN" altLang="en-US"/>
+                    </a:p>
+                  </a:txBody>
+                  <a:tcPr/>
+                </a:tc>
+                <a:tc>
+                  <a:txBody>
+                    <a:bodyPr/>
+                    <a:lstStyle/>
+                    <a:p>
+                      <a:endParaRPr lang="zh-CN" altLang="en-US"/>
+                    </a:p>
+                  </a:txBody>
+                  <a:tcPr/>
+                </a:tc>
+                <a:tc>
+                  <a:txBody>
+                    <a:bodyPr/>
+                    <a:lstStyle/>
+                    <a:p>
+                      <a:endParaRPr lang="zh-CN" altLang="en-US"/>
+                    </a:p>
+                  </a:txBody>
+                  <a:tcPr/>
+                </a:tc>
+                <a:tc>
+                  <a:txBody>
+                    <a:bodyPr/>
+                    <a:lstStyle/>
+                    <a:p>
+                      <a:endParaRPr lang="zh-CN" altLang="en-US"/>
+                    </a:p>
+                  </a:txBody>
+                  <a:tcPr/>
+                </a:tc>
+                <a:tc>
+                  <a:txBody>
+                    <a:bodyPr/>
+                    <a:lstStyle/>
+                    <a:p>
+                      <a:endParaRPr lang="zh-CN" altLang="en-US"/>
+                    </a:p>
+                  </a:txBody>
+                  <a:tcPr/>
+                </a:tc>
+                <a:tc>
+                  <a:txBody>
+                    <a:bodyPr/>
+                    <a:lstStyle/>
+                    <a:p>
+                      <a:endParaRPr lang="zh-CN" altLang="en-US" dirty="0"/>
+                    </a:p>
+                  </a:txBody>
+                  <a:tcPr/>
+                </a:tc>
+                <a:extLst>
+                  <a:ext uri="{0D108BD9-81ED-4DB2-BD59-A6C34878D82A}">
+                    <a16:rowId xmlns:a16="http://schemas.microsoft.com/office/drawing/2014/main" val="4219247397"/>
+                  </a:ext>
+                </a:extLst>
+              </a:tr>
+            </a:tbl>
+          </a:graphicData>
+        </a:graphic>
+      </p:graphicFrame>
+      <p:sp>
+        <p:nvSpPr>
+          <p:cNvPr id="9" name="矩形 8"/>
+          <p:cNvSpPr/>
+          <p:nvPr/>
+        </p:nvSpPr>
+        <p:spPr>
+          <a:xfrm>
+            <a:off x="1288471" y="3785863"/>
+            <a:ext cx="10113820" cy="398210"/>
+          </a:xfrm>
+          <a:prstGeom prst="rect">
+            <a:avLst/>
+          </a:prstGeom>
+          <a:ln/>
+        </p:spPr>
+        <p:style>
+          <a:lnRef idx="0">
+            <a:schemeClr val="accent1"/>
+          </a:lnRef>
+          <a:fillRef idx="3">
+            <a:schemeClr val="accent1"/>
+          </a:fillRef>
+          <a:effectRef idx="3">
+            <a:schemeClr val="accent1"/>
+          </a:effectRef>
+          <a:fontRef idx="minor">
+            <a:schemeClr val="lt1"/>
+          </a:fontRef>
+        </p:style>
+        <p:txBody>
+          <a:bodyPr rtlCol="0" anchor="ctr"/>
+          <a:lstStyle/>
+          <a:p>
+            <a:pPr algn="ctr"/>
+            <a:r>
+              <a:rPr lang="zh-CN" altLang="en-US" dirty="0" smtClean="0"/>
+              <a:t>添加一条</a:t>
+            </a:r>
+            <a:endParaRPr lang="zh-CN" altLang="en-US" dirty="0"/>
+          </a:p>
+        </p:txBody>
+      </p:sp>
+    </p:spTree>
+    <p:extLst>
+      <p:ext uri="{BB962C8B-B14F-4D97-AF65-F5344CB8AC3E}">
+        <p14:creationId xmlns:p14="http://schemas.microsoft.com/office/powerpoint/2010/main" val="1255666213"/>
+      </p:ext>
+    </p:extLst>
+  </p:cSld>
+  <p:clrMapOvr>
+    <a:masterClrMapping/>
+  </p:clrMapOvr>
+  <p:timing>
+    <p:tnLst>
+      <p:par>
+        <p:cTn id="1" dur="indefinite" restart="never" nodeType="tmRoot"/>
+      </p:par>
+    </p:tnLst>
+  </p:timing>
+</p:sld>
+</file>
+
+<file path=ppt/slides/slide8.xml><?xml version="1.0" encoding="utf-8"?>
+<p:sld xmlns:a="http://schemas.openxmlformats.org/drawingml/2006/main" xmlns:r="http://schemas.openxmlformats.org/officeDocument/2006/relationships" xmlns:p="http://schemas.openxmlformats.org/presentationml/2006/main">
+  <p:cSld>
+    <p:spTree>
+      <p:nvGrpSpPr>
+        <p:cNvPr id="1" name=""/>
+        <p:cNvGrpSpPr/>
+        <p:nvPr/>
+      </p:nvGrpSpPr>
+      <p:grpSpPr>
+        <a:xfrm>
+          <a:off x="0" y="0"/>
+          <a:ext cx="0" cy="0"/>
+          <a:chOff x="0" y="0"/>
+          <a:chExt cx="0" cy="0"/>
+        </a:xfrm>
+      </p:grpSpPr>
+      <p:cxnSp>
+        <p:nvCxnSpPr>
+          <p:cNvPr id="5" name="直接连接符 4"/>
+          <p:cNvCxnSpPr/>
+          <p:nvPr/>
+        </p:nvCxnSpPr>
+        <p:spPr>
+          <a:xfrm>
+            <a:off x="4447309" y="1191491"/>
+            <a:ext cx="3241964" cy="0"/>
+          </a:xfrm>
+          <a:prstGeom prst="line">
+            <a:avLst/>
+          </a:prstGeom>
+        </p:spPr>
+        <p:style>
+          <a:lnRef idx="1">
+            <a:schemeClr val="accent1"/>
+          </a:lnRef>
+          <a:fillRef idx="0">
+            <a:schemeClr val="accent1"/>
+          </a:fillRef>
+          <a:effectRef idx="0">
+            <a:schemeClr val="accent1"/>
+          </a:effectRef>
+          <a:fontRef idx="minor">
+            <a:schemeClr val="tx1"/>
+          </a:fontRef>
+        </p:style>
+      </p:cxnSp>
+      <p:sp>
+        <p:nvSpPr>
+          <p:cNvPr id="6" name="文本框 5"/>
+          <p:cNvSpPr txBox="1"/>
+          <p:nvPr/>
+        </p:nvSpPr>
+        <p:spPr>
+          <a:xfrm>
+            <a:off x="5289873" y="822159"/>
+            <a:ext cx="1569660" cy="369332"/>
+          </a:xfrm>
+          <a:prstGeom prst="rect">
+            <a:avLst/>
+          </a:prstGeom>
+          <a:noFill/>
+        </p:spPr>
+        <p:txBody>
+          <a:bodyPr wrap="none" rtlCol="0">
+            <a:spAutoFit/>
+          </a:bodyPr>
+          <a:lstStyle/>
+          <a:p>
+            <a:r>
+              <a:rPr lang="zh-CN" altLang="en-US" dirty="0" smtClean="0"/>
+              <a:t>增加多选试题</a:t>
+            </a:r>
+            <a:endParaRPr lang="zh-CN" altLang="en-US" dirty="0"/>
+          </a:p>
+        </p:txBody>
+      </p:sp>
+      <p:graphicFrame>
+        <p:nvGraphicFramePr>
+          <p:cNvPr id="7" name="表格 6"/>
+          <p:cNvGraphicFramePr>
+            <a:graphicFrameLocks noGrp="1"/>
+          </p:cNvGraphicFramePr>
+          <p:nvPr/>
+        </p:nvGraphicFramePr>
+        <p:xfrm>
+          <a:off x="1288471" y="1560823"/>
+          <a:ext cx="10113820" cy="370840"/>
+        </p:xfrm>
+        <a:graphic>
+          <a:graphicData uri="http://schemas.openxmlformats.org/drawingml/2006/table">
+            <a:tbl>
+              <a:tblPr firstRow="1" bandRow="1">
+                <a:tableStyleId>{5C22544A-7EE6-4342-B048-85BDC9FD1C3A}</a:tableStyleId>
+              </a:tblPr>
+              <a:tblGrid>
+                <a:gridCol w="747044">
+                  <a:extLst>
+                    <a:ext uri="{9D8B030D-6E8A-4147-A177-3AD203B41FA5}">
+                      <a16:colId xmlns:a16="http://schemas.microsoft.com/office/drawing/2014/main" val="973691064"/>
+                    </a:ext>
+                  </a:extLst>
+                </a:gridCol>
+                <a:gridCol w="1275720">
+                  <a:extLst>
+                    <a:ext uri="{9D8B030D-6E8A-4147-A177-3AD203B41FA5}">
+                      <a16:colId xmlns:a16="http://schemas.microsoft.com/office/drawing/2014/main" val="3100354542"/>
+                    </a:ext>
+                  </a:extLst>
+                </a:gridCol>
+                <a:gridCol w="1011382">
+                  <a:extLst>
+                    <a:ext uri="{9D8B030D-6E8A-4147-A177-3AD203B41FA5}">
+                      <a16:colId xmlns:a16="http://schemas.microsoft.com/office/drawing/2014/main" val="2222802792"/>
+                    </a:ext>
+                  </a:extLst>
+                </a:gridCol>
+                <a:gridCol w="1011382">
+                  <a:extLst>
+                    <a:ext uri="{9D8B030D-6E8A-4147-A177-3AD203B41FA5}">
+                      <a16:colId xmlns:a16="http://schemas.microsoft.com/office/drawing/2014/main" val="3653498887"/>
+                    </a:ext>
+                  </a:extLst>
+                </a:gridCol>
+                <a:gridCol w="1011382">
+                  <a:extLst>
+                    <a:ext uri="{9D8B030D-6E8A-4147-A177-3AD203B41FA5}">
+                      <a16:colId xmlns:a16="http://schemas.microsoft.com/office/drawing/2014/main" val="4058953228"/>
+                    </a:ext>
+                  </a:extLst>
+                </a:gridCol>
+                <a:gridCol w="1011382">
+                  <a:extLst>
+                    <a:ext uri="{9D8B030D-6E8A-4147-A177-3AD203B41FA5}">
+                      <a16:colId xmlns:a16="http://schemas.microsoft.com/office/drawing/2014/main" val="1204996283"/>
+                    </a:ext>
+                  </a:extLst>
+                </a:gridCol>
+                <a:gridCol w="1011382">
+                  <a:extLst>
+                    <a:ext uri="{9D8B030D-6E8A-4147-A177-3AD203B41FA5}">
+                      <a16:colId xmlns:a16="http://schemas.microsoft.com/office/drawing/2014/main" val="3297084917"/>
+                    </a:ext>
+                  </a:extLst>
+                </a:gridCol>
+                <a:gridCol w="1011382">
+                  <a:extLst>
+                    <a:ext uri="{9D8B030D-6E8A-4147-A177-3AD203B41FA5}">
+                      <a16:colId xmlns:a16="http://schemas.microsoft.com/office/drawing/2014/main" val="982381491"/>
+                    </a:ext>
+                  </a:extLst>
+                </a:gridCol>
+                <a:gridCol w="1011382">
+                  <a:extLst>
+                    <a:ext uri="{9D8B030D-6E8A-4147-A177-3AD203B41FA5}">
+                      <a16:colId xmlns:a16="http://schemas.microsoft.com/office/drawing/2014/main" val="1752784608"/>
+                    </a:ext>
+                  </a:extLst>
+                </a:gridCol>
+                <a:gridCol w="1011382">
+                  <a:extLst>
+                    <a:ext uri="{9D8B030D-6E8A-4147-A177-3AD203B41FA5}">
+                      <a16:colId xmlns:a16="http://schemas.microsoft.com/office/drawing/2014/main" val="1890151917"/>
+                    </a:ext>
+                  </a:extLst>
+                </a:gridCol>
+              </a:tblGrid>
+              <a:tr h="370840">
+                <a:tc>
+                  <a:txBody>
+                    <a:bodyPr/>
+                    <a:lstStyle/>
+                    <a:p>
+                      <a:pPr algn="ctr"/>
+                      <a:r>
+                        <a:rPr lang="zh-CN" altLang="en-US" sz="1400" dirty="0" smtClean="0"/>
+                        <a:t>编号</a:t>
+                      </a:r>
+                      <a:endParaRPr lang="zh-CN" altLang="en-US" sz="1400" dirty="0"/>
+                    </a:p>
+                  </a:txBody>
+                  <a:tcPr/>
+                </a:tc>
+                <a:tc>
+                  <a:txBody>
+                    <a:bodyPr/>
+                    <a:lstStyle/>
+                    <a:p>
+                      <a:pPr algn="ctr"/>
+                      <a:r>
+                        <a:rPr lang="zh-CN" altLang="en-US" sz="1400" dirty="0" smtClean="0"/>
+                        <a:t>题干</a:t>
+                      </a:r>
+                      <a:endParaRPr lang="zh-CN" altLang="en-US" sz="1400" dirty="0"/>
+                    </a:p>
+                  </a:txBody>
+                  <a:tcPr/>
+                </a:tc>
+                <a:tc>
+                  <a:txBody>
+                    <a:bodyPr/>
+                    <a:lstStyle/>
+                    <a:p>
+                      <a:pPr algn="ctr"/>
+                      <a:r>
+                        <a:rPr lang="zh-CN" altLang="en-US" sz="1400" dirty="0" smtClean="0"/>
+                        <a:t>选项</a:t>
+                      </a:r>
+                      <a:r>
+                        <a:rPr lang="en-US" altLang="zh-CN" sz="1400" dirty="0" smtClean="0"/>
+                        <a:t>A</a:t>
+                      </a:r>
+                      <a:endParaRPr lang="zh-CN" altLang="en-US" sz="1400" dirty="0"/>
+                    </a:p>
+                  </a:txBody>
+                  <a:tcPr/>
+                </a:tc>
+                <a:tc>
+                  <a:txBody>
+                    <a:bodyPr/>
+                    <a:lstStyle/>
+                    <a:p>
+                      <a:pPr marL="0" marR="0" indent="0" algn="ctr" defTabSz="914400" rtl="0" eaLnBrk="1" fontAlgn="auto" latinLnBrk="0" hangingPunct="1">
+                        <a:lnSpc>
+                          <a:spcPct val="100000"/>
+                        </a:lnSpc>
+                        <a:spcBef>
+                          <a:spcPts val="0"/>
+                        </a:spcBef>
+                        <a:spcAft>
+                          <a:spcPts val="0"/>
+                        </a:spcAft>
+                        <a:buClrTx/>
+                        <a:buSzTx/>
+                        <a:buFontTx/>
+                        <a:buNone/>
+                        <a:tabLst/>
+                        <a:defRPr/>
+                      </a:pPr>
+                      <a:r>
+                        <a:rPr lang="zh-CN" altLang="en-US" sz="1400" dirty="0" smtClean="0"/>
+                        <a:t>选项</a:t>
+                      </a:r>
+                      <a:r>
+                        <a:rPr lang="en-US" altLang="zh-CN" sz="1400" dirty="0" smtClean="0"/>
+                        <a:t>B</a:t>
+                      </a:r>
+                      <a:endParaRPr lang="zh-CN" altLang="en-US" sz="1400" dirty="0" smtClean="0"/>
+                    </a:p>
+                  </a:txBody>
+                  <a:tcPr/>
+                </a:tc>
+                <a:tc>
+                  <a:txBody>
+                    <a:bodyPr/>
+                    <a:lstStyle/>
+                    <a:p>
+                      <a:pPr marL="0" marR="0" indent="0" algn="ctr" defTabSz="914400" rtl="0" eaLnBrk="1" fontAlgn="auto" latinLnBrk="0" hangingPunct="1">
+                        <a:lnSpc>
+                          <a:spcPct val="100000"/>
+                        </a:lnSpc>
+                        <a:spcBef>
+                          <a:spcPts val="0"/>
+                        </a:spcBef>
+                        <a:spcAft>
+                          <a:spcPts val="0"/>
+                        </a:spcAft>
+                        <a:buClrTx/>
+                        <a:buSzTx/>
+                        <a:buFontTx/>
+                        <a:buNone/>
+                        <a:tabLst/>
+                        <a:defRPr/>
+                      </a:pPr>
+                      <a:r>
+                        <a:rPr lang="zh-CN" altLang="en-US" sz="1400" dirty="0" smtClean="0"/>
+                        <a:t>选项</a:t>
+                      </a:r>
+                      <a:r>
+                        <a:rPr lang="en-US" altLang="zh-CN" sz="1400" dirty="0" smtClean="0"/>
+                        <a:t>C</a:t>
+                      </a:r>
+                      <a:endParaRPr lang="zh-CN" altLang="en-US" sz="1400" dirty="0" smtClean="0"/>
+                    </a:p>
+                  </a:txBody>
+                  <a:tcPr/>
+                </a:tc>
+                <a:tc>
+                  <a:txBody>
+                    <a:bodyPr/>
+                    <a:lstStyle/>
+                    <a:p>
+                      <a:pPr marL="0" marR="0" indent="0" algn="ctr" defTabSz="914400" rtl="0" eaLnBrk="1" fontAlgn="auto" latinLnBrk="0" hangingPunct="1">
+                        <a:lnSpc>
+                          <a:spcPct val="100000"/>
+                        </a:lnSpc>
+                        <a:spcBef>
+                          <a:spcPts val="0"/>
+                        </a:spcBef>
+                        <a:spcAft>
+                          <a:spcPts val="0"/>
+                        </a:spcAft>
+                        <a:buClrTx/>
+                        <a:buSzTx/>
+                        <a:buFontTx/>
+                        <a:buNone/>
+                        <a:tabLst/>
+                        <a:defRPr/>
+                      </a:pPr>
+                      <a:r>
+                        <a:rPr lang="zh-CN" altLang="en-US" sz="1400" dirty="0" smtClean="0"/>
+                        <a:t>选项</a:t>
+                      </a:r>
+                      <a:r>
+                        <a:rPr lang="en-US" altLang="zh-CN" sz="1400" dirty="0" smtClean="0"/>
+                        <a:t>D</a:t>
+                      </a:r>
+                      <a:endParaRPr lang="zh-CN" altLang="en-US" sz="1400" dirty="0" smtClean="0"/>
+                    </a:p>
+                  </a:txBody>
+                  <a:tcPr/>
+                </a:tc>
+                <a:tc>
+                  <a:txBody>
+                    <a:bodyPr/>
+                    <a:lstStyle/>
+                    <a:p>
+                      <a:pPr marL="0" marR="0" indent="0" algn="ctr" defTabSz="914400" rtl="0" eaLnBrk="1" fontAlgn="auto" latinLnBrk="0" hangingPunct="1">
+                        <a:lnSpc>
+                          <a:spcPct val="100000"/>
+                        </a:lnSpc>
+                        <a:spcBef>
+                          <a:spcPts val="0"/>
+                        </a:spcBef>
+                        <a:spcAft>
+                          <a:spcPts val="0"/>
+                        </a:spcAft>
+                        <a:buClrTx/>
+                        <a:buSzTx/>
+                        <a:buFontTx/>
+                        <a:buNone/>
+                        <a:tabLst/>
+                        <a:defRPr/>
+                      </a:pPr>
+                      <a:r>
+                        <a:rPr lang="zh-CN" altLang="en-US" sz="1400" dirty="0" smtClean="0"/>
+                        <a:t>选项</a:t>
+                      </a:r>
+                      <a:r>
+                        <a:rPr lang="en-US" altLang="zh-CN" sz="1400" dirty="0" smtClean="0"/>
+                        <a:t>E</a:t>
+                      </a:r>
+                      <a:endParaRPr lang="zh-CN" altLang="en-US" sz="1400" dirty="0" smtClean="0"/>
+                    </a:p>
+                  </a:txBody>
+                  <a:tcPr/>
+                </a:tc>
+                <a:tc>
+                  <a:txBody>
+                    <a:bodyPr/>
+                    <a:lstStyle/>
+                    <a:p>
+                      <a:pPr marL="0" marR="0" indent="0" algn="ctr" defTabSz="914400" rtl="0" eaLnBrk="1" fontAlgn="auto" latinLnBrk="0" hangingPunct="1">
+                        <a:lnSpc>
+                          <a:spcPct val="100000"/>
+                        </a:lnSpc>
+                        <a:spcBef>
+                          <a:spcPts val="0"/>
+                        </a:spcBef>
+                        <a:spcAft>
+                          <a:spcPts val="0"/>
+                        </a:spcAft>
+                        <a:buClrTx/>
+                        <a:buSzTx/>
+                        <a:buFontTx/>
+                        <a:buNone/>
+                        <a:tabLst/>
+                        <a:defRPr/>
+                      </a:pPr>
+                      <a:r>
+                        <a:rPr lang="zh-CN" altLang="en-US" sz="1400" dirty="0" smtClean="0"/>
+                        <a:t>选项</a:t>
+                      </a:r>
+                      <a:r>
+                        <a:rPr lang="en-US" altLang="zh-CN" sz="1400" dirty="0" smtClean="0"/>
+                        <a:t>F</a:t>
+                      </a:r>
+                      <a:endParaRPr lang="zh-CN" altLang="en-US" sz="1400" dirty="0" smtClean="0"/>
+                    </a:p>
+                  </a:txBody>
+                  <a:tcPr/>
+                </a:tc>
+                <a:tc>
+                  <a:txBody>
+                    <a:bodyPr/>
+                    <a:lstStyle/>
+                    <a:p>
+                      <a:pPr algn="ctr"/>
+                      <a:r>
+                        <a:rPr lang="zh-CN" altLang="en-US" sz="1400" dirty="0" smtClean="0"/>
+                        <a:t>答案</a:t>
+                      </a:r>
+                      <a:endParaRPr lang="zh-CN" altLang="en-US" sz="1400" dirty="0"/>
+                    </a:p>
+                  </a:txBody>
+                  <a:tcPr/>
+                </a:tc>
+                <a:tc>
+                  <a:txBody>
+                    <a:bodyPr/>
+                    <a:lstStyle/>
+                    <a:p>
+                      <a:pPr algn="ctr"/>
+                      <a:r>
+                        <a:rPr lang="zh-CN" altLang="en-US" sz="1400" dirty="0" smtClean="0"/>
+                        <a:t>解析</a:t>
+                      </a:r>
+                      <a:endParaRPr lang="zh-CN" altLang="en-US" sz="1400" dirty="0"/>
+                    </a:p>
+                  </a:txBody>
+                  <a:tcPr/>
+                </a:tc>
+                <a:extLst>
+                  <a:ext uri="{0D108BD9-81ED-4DB2-BD59-A6C34878D82A}">
+                    <a16:rowId xmlns:a16="http://schemas.microsoft.com/office/drawing/2014/main" val="2371275158"/>
+                  </a:ext>
+                </a:extLst>
+              </a:tr>
+            </a:tbl>
+          </a:graphicData>
+        </a:graphic>
+      </p:graphicFrame>
+      <p:graphicFrame>
+        <p:nvGraphicFramePr>
+          <p:cNvPr id="8" name="表格 7"/>
+          <p:cNvGraphicFramePr>
+            <a:graphicFrameLocks noGrp="1"/>
+          </p:cNvGraphicFramePr>
+          <p:nvPr>
+            <p:extLst>
+              <p:ext uri="{D42A27DB-BD31-4B8C-83A1-F6EECF244321}">
+                <p14:modId xmlns:p14="http://schemas.microsoft.com/office/powerpoint/2010/main" val="2725124822"/>
+              </p:ext>
+            </p:extLst>
+          </p:nvPr>
+        </p:nvGraphicFramePr>
+        <p:xfrm>
+          <a:off x="1288471" y="1931663"/>
+          <a:ext cx="10113820" cy="1854200"/>
+        </p:xfrm>
+        <a:graphic>
+          <a:graphicData uri="http://schemas.openxmlformats.org/drawingml/2006/table">
+            <a:tbl>
+              <a:tblPr firstRow="1" bandRow="1">
+                <a:tableStyleId>{5C22544A-7EE6-4342-B048-85BDC9FD1C3A}</a:tableStyleId>
+              </a:tblPr>
+              <a:tblGrid>
+                <a:gridCol w="748147">
+                  <a:extLst>
+                    <a:ext uri="{9D8B030D-6E8A-4147-A177-3AD203B41FA5}">
+                      <a16:colId xmlns:a16="http://schemas.microsoft.com/office/drawing/2014/main" val="3290540492"/>
+                    </a:ext>
+                  </a:extLst>
+                </a:gridCol>
+                <a:gridCol w="1274617">
+                  <a:extLst>
+                    <a:ext uri="{9D8B030D-6E8A-4147-A177-3AD203B41FA5}">
+                      <a16:colId xmlns:a16="http://schemas.microsoft.com/office/drawing/2014/main" val="2761288044"/>
+                    </a:ext>
+                  </a:extLst>
+                </a:gridCol>
+                <a:gridCol w="1011382">
+                  <a:extLst>
+                    <a:ext uri="{9D8B030D-6E8A-4147-A177-3AD203B41FA5}">
+                      <a16:colId xmlns:a16="http://schemas.microsoft.com/office/drawing/2014/main" val="314187113"/>
+                    </a:ext>
+                  </a:extLst>
+                </a:gridCol>
+                <a:gridCol w="1011382">
+                  <a:extLst>
+                    <a:ext uri="{9D8B030D-6E8A-4147-A177-3AD203B41FA5}">
+                      <a16:colId xmlns:a16="http://schemas.microsoft.com/office/drawing/2014/main" val="2076600010"/>
+                    </a:ext>
+                  </a:extLst>
+                </a:gridCol>
+                <a:gridCol w="1011382">
+                  <a:extLst>
+                    <a:ext uri="{9D8B030D-6E8A-4147-A177-3AD203B41FA5}">
+                      <a16:colId xmlns:a16="http://schemas.microsoft.com/office/drawing/2014/main" val="3187207935"/>
+                    </a:ext>
+                  </a:extLst>
+                </a:gridCol>
+                <a:gridCol w="1011382">
+                  <a:extLst>
+                    <a:ext uri="{9D8B030D-6E8A-4147-A177-3AD203B41FA5}">
+                      <a16:colId xmlns:a16="http://schemas.microsoft.com/office/drawing/2014/main" val="570385459"/>
+                    </a:ext>
+                  </a:extLst>
+                </a:gridCol>
+                <a:gridCol w="1011382">
+                  <a:extLst>
+                    <a:ext uri="{9D8B030D-6E8A-4147-A177-3AD203B41FA5}">
+                      <a16:colId xmlns:a16="http://schemas.microsoft.com/office/drawing/2014/main" val="3396203208"/>
+                    </a:ext>
+                  </a:extLst>
+                </a:gridCol>
+                <a:gridCol w="1011382">
+                  <a:extLst>
+                    <a:ext uri="{9D8B030D-6E8A-4147-A177-3AD203B41FA5}">
+                      <a16:colId xmlns:a16="http://schemas.microsoft.com/office/drawing/2014/main" val="1175141232"/>
+                    </a:ext>
+                  </a:extLst>
+                </a:gridCol>
+                <a:gridCol w="1011382">
+                  <a:extLst>
+                    <a:ext uri="{9D8B030D-6E8A-4147-A177-3AD203B41FA5}">
+                      <a16:colId xmlns:a16="http://schemas.microsoft.com/office/drawing/2014/main" val="2393466023"/>
+                    </a:ext>
+                  </a:extLst>
+                </a:gridCol>
+                <a:gridCol w="1011382">
+                  <a:extLst>
+                    <a:ext uri="{9D8B030D-6E8A-4147-A177-3AD203B41FA5}">
+                      <a16:colId xmlns:a16="http://schemas.microsoft.com/office/drawing/2014/main" val="2645010706"/>
+                    </a:ext>
+                  </a:extLst>
+                </a:gridCol>
+              </a:tblGrid>
+              <a:tr h="370840">
+                <a:tc>
+                  <a:txBody>
+                    <a:bodyPr/>
+                    <a:lstStyle/>
+                    <a:p>
+                      <a:pPr algn="ctr"/>
+                      <a:r>
+                        <a:rPr lang="en-US" altLang="zh-CN" b="0" dirty="0" smtClean="0">
+                          <a:solidFill>
+                            <a:schemeClr val="tx1"/>
+                          </a:solidFill>
+                        </a:rPr>
+                        <a:t>1</a:t>
+                      </a:r>
+                      <a:endParaRPr lang="zh-CN" altLang="en-US" b="0" dirty="0">
+                        <a:solidFill>
+                          <a:schemeClr val="tx1"/>
+                        </a:solidFill>
+                      </a:endParaRPr>
+                    </a:p>
+                  </a:txBody>
+                  <a:tcPr/>
+                </a:tc>
+                <a:tc>
+                  <a:txBody>
+                    <a:bodyPr/>
+                    <a:lstStyle/>
+                    <a:p>
+                      <a:pPr algn="ctr"/>
+                      <a:r>
+                        <a:rPr lang="en-US" altLang="zh-CN" dirty="0" smtClean="0">
+                          <a:solidFill>
+                            <a:schemeClr val="tx1"/>
+                          </a:solidFill>
+                        </a:rPr>
+                        <a:t>……</a:t>
+                      </a:r>
+                      <a:endParaRPr lang="zh-CN" altLang="en-US" dirty="0">
+                        <a:solidFill>
+                          <a:schemeClr val="tx1"/>
+                        </a:solidFill>
+                      </a:endParaRPr>
+                    </a:p>
+                  </a:txBody>
+                  <a:tcPr/>
+                </a:tc>
+                <a:tc>
+                  <a:txBody>
+                    <a:bodyPr/>
+                    <a:lstStyle/>
+                    <a:p>
+                      <a:pPr algn="ctr"/>
+                      <a:r>
+                        <a:rPr lang="zh-CN" altLang="en-US" sz="1400" b="0" dirty="0" smtClean="0">
+                          <a:solidFill>
+                            <a:schemeClr val="tx1"/>
+                          </a:solidFill>
+                        </a:rPr>
+                        <a:t>西瓜</a:t>
+                      </a:r>
+                      <a:endParaRPr lang="zh-CN" altLang="en-US" sz="1400" b="0" dirty="0">
+                        <a:solidFill>
+                          <a:schemeClr val="tx1"/>
+                        </a:solidFill>
+                      </a:endParaRPr>
+                    </a:p>
+                  </a:txBody>
+                  <a:tcPr/>
+                </a:tc>
+                <a:tc>
+                  <a:txBody>
+                    <a:bodyPr/>
+                    <a:lstStyle/>
+                    <a:p>
+                      <a:pPr algn="ctr"/>
+                      <a:r>
+                        <a:rPr lang="zh-CN" altLang="en-US" sz="1400" b="0" dirty="0" smtClean="0">
+                          <a:solidFill>
+                            <a:schemeClr val="tx1"/>
+                          </a:solidFill>
+                        </a:rPr>
+                        <a:t>黄瓜</a:t>
+                      </a:r>
+                      <a:endParaRPr lang="zh-CN" altLang="en-US" sz="1400" b="0" dirty="0">
+                        <a:solidFill>
+                          <a:schemeClr val="tx1"/>
+                        </a:solidFill>
+                      </a:endParaRPr>
+                    </a:p>
+                  </a:txBody>
+                  <a:tcPr/>
+                </a:tc>
+                <a:tc>
+                  <a:txBody>
+                    <a:bodyPr/>
+                    <a:lstStyle/>
+                    <a:p>
+                      <a:pPr algn="ctr"/>
+                      <a:r>
+                        <a:rPr lang="zh-CN" altLang="en-US" sz="1400" b="0" dirty="0" smtClean="0">
+                          <a:solidFill>
+                            <a:schemeClr val="tx1"/>
+                          </a:solidFill>
+                        </a:rPr>
+                        <a:t>南瓜</a:t>
+                      </a:r>
+                      <a:endParaRPr lang="zh-CN" altLang="en-US" sz="1400" b="0" dirty="0">
+                        <a:solidFill>
+                          <a:schemeClr val="tx1"/>
+                        </a:solidFill>
+                      </a:endParaRPr>
+                    </a:p>
+                  </a:txBody>
+                  <a:tcPr/>
+                </a:tc>
+                <a:tc>
+                  <a:txBody>
+                    <a:bodyPr/>
+                    <a:lstStyle/>
+                    <a:p>
+                      <a:pPr algn="ctr"/>
+                      <a:r>
+                        <a:rPr lang="zh-CN" altLang="en-US" sz="1400" b="0" dirty="0" smtClean="0">
+                          <a:solidFill>
+                            <a:schemeClr val="tx1"/>
+                          </a:solidFill>
+                        </a:rPr>
+                        <a:t>冬瓜</a:t>
+                      </a:r>
+                      <a:endParaRPr lang="zh-CN" altLang="en-US" sz="1400" b="0" dirty="0">
+                        <a:solidFill>
+                          <a:schemeClr val="tx1"/>
+                        </a:solidFill>
+                      </a:endParaRPr>
+                    </a:p>
+                  </a:txBody>
+                  <a:tcPr/>
+                </a:tc>
+                <a:tc>
+                  <a:txBody>
+                    <a:bodyPr/>
+                    <a:lstStyle/>
+                    <a:p>
+                      <a:endParaRPr lang="zh-CN" altLang="en-US" dirty="0"/>
+                    </a:p>
+                  </a:txBody>
+                  <a:tcPr/>
+                </a:tc>
+                <a:tc>
+                  <a:txBody>
+                    <a:bodyPr/>
+                    <a:lstStyle/>
+                    <a:p>
+                      <a:endParaRPr lang="zh-CN" altLang="en-US"/>
+                    </a:p>
+                  </a:txBody>
+                  <a:tcPr/>
+                </a:tc>
+                <a:tc>
+                  <a:txBody>
+                    <a:bodyPr/>
+                    <a:lstStyle/>
+                    <a:p>
+                      <a:pPr algn="ctr"/>
+                      <a:r>
+                        <a:rPr lang="en-US" altLang="zh-CN" sz="1600" b="0" dirty="0" smtClean="0">
+                          <a:solidFill>
+                            <a:schemeClr val="tx1"/>
+                          </a:solidFill>
+                        </a:rPr>
+                        <a:t>ABC</a:t>
+                      </a:r>
+                      <a:endParaRPr lang="zh-CN" altLang="en-US" sz="1600" b="0" dirty="0">
+                        <a:solidFill>
+                          <a:schemeClr val="tx1"/>
+                        </a:solidFill>
+                      </a:endParaRPr>
+                    </a:p>
+                  </a:txBody>
+                  <a:tcPr/>
+                </a:tc>
+                <a:tc>
+                  <a:txBody>
+                    <a:bodyPr/>
+                    <a:lstStyle/>
+                    <a:p>
+                      <a:pPr algn="ctr"/>
+                      <a:r>
+                        <a:rPr lang="en-US" altLang="zh-CN" b="0" dirty="0" smtClean="0">
+                          <a:solidFill>
+                            <a:schemeClr val="tx1"/>
+                          </a:solidFill>
+                        </a:rPr>
+                        <a:t>……</a:t>
+                      </a:r>
+                      <a:endParaRPr lang="zh-CN" altLang="en-US" b="0" dirty="0">
+                        <a:solidFill>
+                          <a:schemeClr val="tx1"/>
+                        </a:solidFill>
+                      </a:endParaRPr>
+                    </a:p>
+                  </a:txBody>
+                  <a:tcPr/>
+                </a:tc>
+                <a:extLst>
+                  <a:ext uri="{0D108BD9-81ED-4DB2-BD59-A6C34878D82A}">
+                    <a16:rowId xmlns:a16="http://schemas.microsoft.com/office/drawing/2014/main" val="4238928889"/>
+                  </a:ext>
+                </a:extLst>
+              </a:tr>
+              <a:tr h="370840">
+                <a:tc>
+                  <a:txBody>
+                    <a:bodyPr/>
+                    <a:lstStyle/>
+                    <a:p>
+                      <a:pPr algn="ctr"/>
+                      <a:r>
+                        <a:rPr lang="en-US" altLang="zh-CN" b="0" dirty="0" smtClean="0">
+                          <a:solidFill>
+                            <a:schemeClr val="tx1"/>
+                          </a:solidFill>
+                        </a:rPr>
+                        <a:t>2</a:t>
+                      </a:r>
+                      <a:endParaRPr lang="zh-CN" altLang="en-US" b="0" dirty="0">
+                        <a:solidFill>
+                          <a:schemeClr val="tx1"/>
+                        </a:solidFill>
+                      </a:endParaRPr>
+                    </a:p>
+                  </a:txBody>
+                  <a:tcPr/>
+                </a:tc>
+                <a:tc>
+                  <a:txBody>
+                    <a:bodyPr/>
+                    <a:lstStyle/>
+                    <a:p>
+                      <a:pPr algn="ctr"/>
+                      <a:r>
+                        <a:rPr lang="en-US" altLang="zh-CN" dirty="0" smtClean="0">
+                          <a:solidFill>
+                            <a:schemeClr val="tx1"/>
+                          </a:solidFill>
+                        </a:rPr>
+                        <a:t>……</a:t>
+                      </a:r>
+                      <a:endParaRPr lang="zh-CN" altLang="en-US" dirty="0">
+                        <a:solidFill>
+                          <a:schemeClr val="tx1"/>
+                        </a:solidFill>
+                      </a:endParaRPr>
+                    </a:p>
+                  </a:txBody>
+                  <a:tcPr/>
+                </a:tc>
+                <a:tc>
+                  <a:txBody>
+                    <a:bodyPr/>
+                    <a:lstStyle/>
+                    <a:p>
+                      <a:endParaRPr lang="zh-CN" altLang="en-US"/>
+                    </a:p>
+                  </a:txBody>
+                  <a:tcPr/>
+                </a:tc>
+                <a:tc>
+                  <a:txBody>
+                    <a:bodyPr/>
+                    <a:lstStyle/>
+                    <a:p>
+                      <a:endParaRPr lang="zh-CN" altLang="en-US"/>
+                    </a:p>
+                  </a:txBody>
+                  <a:tcPr/>
+                </a:tc>
+                <a:tc>
+                  <a:txBody>
+                    <a:bodyPr/>
+                    <a:lstStyle/>
+                    <a:p>
+                      <a:endParaRPr lang="zh-CN" altLang="en-US"/>
+                    </a:p>
+                  </a:txBody>
+                  <a:tcPr/>
+                </a:tc>
+                <a:tc>
+                  <a:txBody>
+                    <a:bodyPr/>
+                    <a:lstStyle/>
+                    <a:p>
+                      <a:endParaRPr lang="zh-CN" altLang="en-US"/>
+                    </a:p>
+                  </a:txBody>
+                  <a:tcPr/>
+                </a:tc>
+                <a:tc>
+                  <a:txBody>
+                    <a:bodyPr/>
+                    <a:lstStyle/>
+                    <a:p>
+                      <a:endParaRPr lang="zh-CN" altLang="en-US" dirty="0"/>
+                    </a:p>
+                  </a:txBody>
+                  <a:tcPr/>
+                </a:tc>
+                <a:tc>
+                  <a:txBody>
+                    <a:bodyPr/>
+                    <a:lstStyle/>
+                    <a:p>
+                      <a:endParaRPr lang="zh-CN" altLang="en-US"/>
+                    </a:p>
+                  </a:txBody>
+                  <a:tcPr/>
+                </a:tc>
+                <a:tc>
+                  <a:txBody>
+                    <a:bodyPr/>
+                    <a:lstStyle/>
+                    <a:p>
+                      <a:endParaRPr lang="zh-CN" altLang="en-US"/>
+                    </a:p>
+                  </a:txBody>
+                  <a:tcPr/>
+                </a:tc>
+                <a:tc>
+                  <a:txBody>
+                    <a:bodyPr/>
+                    <a:lstStyle/>
+                    <a:p>
+                      <a:endParaRPr lang="zh-CN" altLang="en-US"/>
+                    </a:p>
+                  </a:txBody>
+                  <a:tcPr/>
+                </a:tc>
+                <a:extLst>
+                  <a:ext uri="{0D108BD9-81ED-4DB2-BD59-A6C34878D82A}">
+                    <a16:rowId xmlns:a16="http://schemas.microsoft.com/office/drawing/2014/main" val="3655719776"/>
+                  </a:ext>
+                </a:extLst>
+              </a:tr>
+              <a:tr h="370840">
+                <a:tc>
+                  <a:txBody>
+                    <a:bodyPr/>
+                    <a:lstStyle/>
+                    <a:p>
+                      <a:pPr algn="ctr"/>
+                      <a:r>
+                        <a:rPr lang="en-US" altLang="zh-CN" b="0" dirty="0" smtClean="0">
+                          <a:solidFill>
+                            <a:schemeClr val="tx1"/>
+                          </a:solidFill>
+                        </a:rPr>
+                        <a:t>3</a:t>
+                      </a:r>
+                      <a:endParaRPr lang="zh-CN" altLang="en-US" b="0" dirty="0">
+                        <a:solidFill>
+                          <a:schemeClr val="tx1"/>
+                        </a:solidFill>
+                      </a:endParaRPr>
+                    </a:p>
+                  </a:txBody>
+                  <a:tcPr/>
+                </a:tc>
+                <a:tc>
+                  <a:txBody>
+                    <a:bodyPr/>
+                    <a:lstStyle/>
+                    <a:p>
+                      <a:pPr algn="ctr"/>
+                      <a:r>
+                        <a:rPr lang="en-US" altLang="zh-CN" dirty="0" smtClean="0">
+                          <a:solidFill>
+                            <a:schemeClr val="tx1"/>
+                          </a:solidFill>
+                        </a:rPr>
+                        <a:t>……</a:t>
+                      </a:r>
+                      <a:endParaRPr lang="zh-CN" altLang="en-US" dirty="0">
+                        <a:solidFill>
+                          <a:schemeClr val="tx1"/>
+                        </a:solidFill>
+                      </a:endParaRPr>
+                    </a:p>
+                  </a:txBody>
+                  <a:tcPr/>
+                </a:tc>
+                <a:tc>
+                  <a:txBody>
+                    <a:bodyPr/>
+                    <a:lstStyle/>
+                    <a:p>
+                      <a:endParaRPr lang="zh-CN" altLang="en-US"/>
+                    </a:p>
+                  </a:txBody>
+                  <a:tcPr/>
+                </a:tc>
+                <a:tc>
+                  <a:txBody>
+                    <a:bodyPr/>
+                    <a:lstStyle/>
+                    <a:p>
+                      <a:endParaRPr lang="zh-CN" altLang="en-US"/>
+                    </a:p>
+                  </a:txBody>
+                  <a:tcPr/>
+                </a:tc>
+                <a:tc>
+                  <a:txBody>
+                    <a:bodyPr/>
+                    <a:lstStyle/>
+                    <a:p>
+                      <a:endParaRPr lang="zh-CN" altLang="en-US"/>
+                    </a:p>
+                  </a:txBody>
+                  <a:tcPr/>
+                </a:tc>
+                <a:tc>
+                  <a:txBody>
+                    <a:bodyPr/>
+                    <a:lstStyle/>
+                    <a:p>
+                      <a:endParaRPr lang="zh-CN" altLang="en-US"/>
+                    </a:p>
+                  </a:txBody>
+                  <a:tcPr/>
+                </a:tc>
+                <a:tc>
+                  <a:txBody>
+                    <a:bodyPr/>
+                    <a:lstStyle/>
+                    <a:p>
+                      <a:endParaRPr lang="zh-CN" altLang="en-US"/>
+                    </a:p>
+                  </a:txBody>
+                  <a:tcPr/>
+                </a:tc>
+                <a:tc>
+                  <a:txBody>
+                    <a:bodyPr/>
+                    <a:lstStyle/>
+                    <a:p>
+                      <a:endParaRPr lang="zh-CN" altLang="en-US"/>
+                    </a:p>
+                  </a:txBody>
+                  <a:tcPr/>
+                </a:tc>
+                <a:tc>
+                  <a:txBody>
+                    <a:bodyPr/>
+                    <a:lstStyle/>
+                    <a:p>
+                      <a:endParaRPr lang="zh-CN" altLang="en-US"/>
+                    </a:p>
+                  </a:txBody>
+                  <a:tcPr/>
+                </a:tc>
+                <a:tc>
+                  <a:txBody>
+                    <a:bodyPr/>
+                    <a:lstStyle/>
+                    <a:p>
+                      <a:endParaRPr lang="zh-CN" altLang="en-US"/>
+                    </a:p>
+                  </a:txBody>
+                  <a:tcPr/>
+                </a:tc>
+                <a:extLst>
+                  <a:ext uri="{0D108BD9-81ED-4DB2-BD59-A6C34878D82A}">
+                    <a16:rowId xmlns:a16="http://schemas.microsoft.com/office/drawing/2014/main" val="1985643076"/>
+                  </a:ext>
+                </a:extLst>
+              </a:tr>
+              <a:tr h="370840">
+                <a:tc>
+                  <a:txBody>
+                    <a:bodyPr/>
+                    <a:lstStyle/>
+                    <a:p>
+                      <a:pPr algn="ctr"/>
+                      <a:r>
+                        <a:rPr lang="en-US" altLang="zh-CN" b="0" dirty="0" smtClean="0">
+                          <a:solidFill>
+                            <a:schemeClr val="tx1"/>
+                          </a:solidFill>
+                        </a:rPr>
+                        <a:t>4</a:t>
+                      </a:r>
+                      <a:endParaRPr lang="zh-CN" altLang="en-US" b="0" dirty="0">
+                        <a:solidFill>
+                          <a:schemeClr val="tx1"/>
+                        </a:solidFill>
+                      </a:endParaRPr>
+                    </a:p>
+                  </a:txBody>
+                  <a:tcPr/>
+                </a:tc>
+                <a:tc>
+                  <a:txBody>
+                    <a:bodyPr/>
+                    <a:lstStyle/>
+                    <a:p>
+                      <a:pPr algn="ctr"/>
+                      <a:r>
+                        <a:rPr lang="en-US" altLang="zh-CN" dirty="0" smtClean="0">
+                          <a:solidFill>
+                            <a:schemeClr val="tx1"/>
+                          </a:solidFill>
+                        </a:rPr>
+                        <a:t>……</a:t>
+                      </a:r>
+                      <a:endParaRPr lang="zh-CN" altLang="en-US" dirty="0">
+                        <a:solidFill>
+                          <a:schemeClr val="tx1"/>
+                        </a:solidFill>
+                      </a:endParaRPr>
+                    </a:p>
+                  </a:txBody>
+                  <a:tcPr/>
+                </a:tc>
+                <a:tc>
+                  <a:txBody>
+                    <a:bodyPr/>
+                    <a:lstStyle/>
+                    <a:p>
+                      <a:endParaRPr lang="zh-CN" altLang="en-US"/>
+                    </a:p>
+                  </a:txBody>
+                  <a:tcPr/>
+                </a:tc>
+                <a:tc>
+                  <a:txBody>
+                    <a:bodyPr/>
+                    <a:lstStyle/>
+                    <a:p>
+                      <a:endParaRPr lang="zh-CN" altLang="en-US"/>
+                    </a:p>
+                  </a:txBody>
+                  <a:tcPr/>
+                </a:tc>
+                <a:tc>
+                  <a:txBody>
+                    <a:bodyPr/>
+                    <a:lstStyle/>
+                    <a:p>
+                      <a:endParaRPr lang="zh-CN" altLang="en-US"/>
+                    </a:p>
+                  </a:txBody>
+                  <a:tcPr/>
+                </a:tc>
+                <a:tc>
+                  <a:txBody>
+                    <a:bodyPr/>
+                    <a:lstStyle/>
+                    <a:p>
+                      <a:endParaRPr lang="zh-CN" altLang="en-US"/>
+                    </a:p>
+                  </a:txBody>
+                  <a:tcPr/>
+                </a:tc>
+                <a:tc>
+                  <a:txBody>
+                    <a:bodyPr/>
+                    <a:lstStyle/>
+                    <a:p>
+                      <a:endParaRPr lang="zh-CN" altLang="en-US"/>
+                    </a:p>
+                  </a:txBody>
+                  <a:tcPr/>
+                </a:tc>
+                <a:tc>
+                  <a:txBody>
+                    <a:bodyPr/>
+                    <a:lstStyle/>
+                    <a:p>
+                      <a:endParaRPr lang="zh-CN" altLang="en-US"/>
+                    </a:p>
+                  </a:txBody>
+                  <a:tcPr/>
+                </a:tc>
+                <a:tc>
+                  <a:txBody>
+                    <a:bodyPr/>
+                    <a:lstStyle/>
+                    <a:p>
+                      <a:endParaRPr lang="zh-CN" altLang="en-US"/>
+                    </a:p>
+                  </a:txBody>
+                  <a:tcPr/>
+                </a:tc>
+                <a:tc>
+                  <a:txBody>
+                    <a:bodyPr/>
+                    <a:lstStyle/>
+                    <a:p>
+                      <a:endParaRPr lang="zh-CN" altLang="en-US"/>
+                    </a:p>
+                  </a:txBody>
+                  <a:tcPr/>
+                </a:tc>
+                <a:extLst>
+                  <a:ext uri="{0D108BD9-81ED-4DB2-BD59-A6C34878D82A}">
+                    <a16:rowId xmlns:a16="http://schemas.microsoft.com/office/drawing/2014/main" val="3752446180"/>
+                  </a:ext>
+                </a:extLst>
+              </a:tr>
+              <a:tr h="370840">
+                <a:tc>
+                  <a:txBody>
+                    <a:bodyPr/>
+                    <a:lstStyle/>
+                    <a:p>
+                      <a:pPr algn="ctr"/>
+                      <a:r>
+                        <a:rPr lang="en-US" altLang="zh-CN" dirty="0" smtClean="0"/>
+                        <a:t>5</a:t>
+                      </a:r>
+                      <a:endParaRPr lang="zh-CN" altLang="en-US" dirty="0"/>
+                    </a:p>
+                  </a:txBody>
+                  <a:tcPr/>
+                </a:tc>
+                <a:tc>
+                  <a:txBody>
+                    <a:bodyPr/>
+                    <a:lstStyle/>
+                    <a:p>
+                      <a:pPr algn="ctr"/>
+                      <a:r>
+                        <a:rPr lang="en-US" altLang="zh-CN" dirty="0" smtClean="0"/>
+                        <a:t>……</a:t>
+                      </a:r>
+                      <a:endParaRPr lang="zh-CN" altLang="en-US" dirty="0"/>
+                    </a:p>
+                  </a:txBody>
+                  <a:tcPr/>
+                </a:tc>
+                <a:tc>
+                  <a:txBody>
+                    <a:bodyPr/>
+                    <a:lstStyle/>
+                    <a:p>
+                      <a:endParaRPr lang="zh-CN" altLang="en-US"/>
+                    </a:p>
+                  </a:txBody>
+                  <a:tcPr/>
+                </a:tc>
+                <a:tc>
+                  <a:txBody>
+                    <a:bodyPr/>
+                    <a:lstStyle/>
+                    <a:p>
+                      <a:endParaRPr lang="zh-CN" altLang="en-US"/>
+                    </a:p>
+                  </a:txBody>
+                  <a:tcPr/>
+                </a:tc>
+                <a:tc>
+                  <a:txBody>
+                    <a:bodyPr/>
+                    <a:lstStyle/>
+                    <a:p>
+                      <a:endParaRPr lang="zh-CN" altLang="en-US"/>
+                    </a:p>
+                  </a:txBody>
+                  <a:tcPr/>
+                </a:tc>
+                <a:tc>
+                  <a:txBody>
+                    <a:bodyPr/>
+                    <a:lstStyle/>
+                    <a:p>
+                      <a:endParaRPr lang="zh-CN" altLang="en-US"/>
+                    </a:p>
+                  </a:txBody>
+                  <a:tcPr/>
+                </a:tc>
+                <a:tc>
+                  <a:txBody>
+                    <a:bodyPr/>
+                    <a:lstStyle/>
+                    <a:p>
+                      <a:endParaRPr lang="zh-CN" altLang="en-US"/>
+                    </a:p>
+                  </a:txBody>
+                  <a:tcPr/>
+                </a:tc>
+                <a:tc>
+                  <a:txBody>
+                    <a:bodyPr/>
+                    <a:lstStyle/>
+                    <a:p>
+                      <a:endParaRPr lang="zh-CN" altLang="en-US"/>
+                    </a:p>
+                  </a:txBody>
+                  <a:tcPr/>
+                </a:tc>
+                <a:tc>
+                  <a:txBody>
+                    <a:bodyPr/>
+                    <a:lstStyle/>
+                    <a:p>
+                      <a:endParaRPr lang="zh-CN" altLang="en-US"/>
+                    </a:p>
+                  </a:txBody>
+                  <a:tcPr/>
+                </a:tc>
+                <a:tc>
+                  <a:txBody>
+                    <a:bodyPr/>
+                    <a:lstStyle/>
+                    <a:p>
+                      <a:endParaRPr lang="zh-CN" altLang="en-US" dirty="0"/>
+                    </a:p>
+                  </a:txBody>
+                  <a:tcPr/>
+                </a:tc>
+                <a:extLst>
+                  <a:ext uri="{0D108BD9-81ED-4DB2-BD59-A6C34878D82A}">
+                    <a16:rowId xmlns:a16="http://schemas.microsoft.com/office/drawing/2014/main" val="4219247397"/>
+                  </a:ext>
+                </a:extLst>
+              </a:tr>
+            </a:tbl>
+          </a:graphicData>
+        </a:graphic>
+      </p:graphicFrame>
+      <p:sp>
+        <p:nvSpPr>
+          <p:cNvPr id="9" name="矩形 8"/>
+          <p:cNvSpPr/>
+          <p:nvPr/>
+        </p:nvSpPr>
+        <p:spPr>
+          <a:xfrm>
+            <a:off x="1288471" y="3785863"/>
+            <a:ext cx="10113820" cy="398210"/>
+          </a:xfrm>
+          <a:prstGeom prst="rect">
+            <a:avLst/>
+          </a:prstGeom>
+          <a:ln/>
+        </p:spPr>
+        <p:style>
+          <a:lnRef idx="0">
+            <a:schemeClr val="accent1"/>
+          </a:lnRef>
+          <a:fillRef idx="3">
+            <a:schemeClr val="accent1"/>
+          </a:fillRef>
+          <a:effectRef idx="3">
+            <a:schemeClr val="accent1"/>
+          </a:effectRef>
+          <a:fontRef idx="minor">
+            <a:schemeClr val="lt1"/>
+          </a:fontRef>
+        </p:style>
+        <p:txBody>
+          <a:bodyPr rtlCol="0" anchor="ctr"/>
+          <a:lstStyle/>
+          <a:p>
+            <a:pPr algn="ctr"/>
+            <a:r>
+              <a:rPr lang="zh-CN" altLang="en-US" dirty="0" smtClean="0"/>
+              <a:t>添加一条</a:t>
+            </a:r>
+            <a:endParaRPr lang="zh-CN" altLang="en-US" dirty="0"/>
+          </a:p>
+        </p:txBody>
+      </p:sp>
+    </p:spTree>
+    <p:extLst>
+      <p:ext uri="{BB962C8B-B14F-4D97-AF65-F5344CB8AC3E}">
+        <p14:creationId xmlns:p14="http://schemas.microsoft.com/office/powerpoint/2010/main" val="107241534"/>
+      </p:ext>
+    </p:extLst>
+  </p:cSld>
+  <p:clrMapOvr>
+    <a:masterClrMapping/>
+  </p:clrMapOvr>
+  <p:timing>
+    <p:tnLst>
+      <p:par>
+        <p:cTn id="1" dur="indefinite" restart="never" nodeType="tmRoot"/>
+      </p:par>
+    </p:tnLst>
+  </p:timing>
+</p:sld>
+</file>
+
+<file path=ppt/slides/slide9.xml><?xml version="1.0" encoding="utf-8"?>
+<p:sld xmlns:a="http://schemas.openxmlformats.org/drawingml/2006/main" xmlns:r="http://schemas.openxmlformats.org/officeDocument/2006/relationships" xmlns:p="http://schemas.openxmlformats.org/presentationml/2006/main">
+  <p:cSld>
+    <p:spTree>
+      <p:nvGrpSpPr>
+        <p:cNvPr id="1" name=""/>
+        <p:cNvGrpSpPr/>
+        <p:nvPr/>
+      </p:nvGrpSpPr>
+      <p:grpSpPr>
+        <a:xfrm>
+          <a:off x="0" y="0"/>
+          <a:ext cx="0" cy="0"/>
+          <a:chOff x="0" y="0"/>
+          <a:chExt cx="0" cy="0"/>
+        </a:xfrm>
+      </p:grpSpPr>
+      <p:cxnSp>
+        <p:nvCxnSpPr>
+          <p:cNvPr id="5" name="直接连接符 4"/>
+          <p:cNvCxnSpPr/>
+          <p:nvPr/>
+        </p:nvCxnSpPr>
+        <p:spPr>
+          <a:xfrm>
+            <a:off x="4447309" y="1191491"/>
+            <a:ext cx="3241964" cy="0"/>
+          </a:xfrm>
+          <a:prstGeom prst="line">
+            <a:avLst/>
+          </a:prstGeom>
+        </p:spPr>
+        <p:style>
+          <a:lnRef idx="1">
+            <a:schemeClr val="accent1"/>
+          </a:lnRef>
+          <a:fillRef idx="0">
+            <a:schemeClr val="accent1"/>
+          </a:fillRef>
+          <a:effectRef idx="0">
+            <a:schemeClr val="accent1"/>
+          </a:effectRef>
+          <a:fontRef idx="minor">
+            <a:schemeClr val="tx1"/>
+          </a:fontRef>
+        </p:style>
+      </p:cxnSp>
+      <p:sp>
+        <p:nvSpPr>
+          <p:cNvPr id="6" name="文本框 5"/>
+          <p:cNvSpPr txBox="1"/>
+          <p:nvPr/>
+        </p:nvSpPr>
+        <p:spPr>
+          <a:xfrm>
+            <a:off x="5289873" y="822159"/>
+            <a:ext cx="1569660" cy="369332"/>
+          </a:xfrm>
+          <a:prstGeom prst="rect">
+            <a:avLst/>
+          </a:prstGeom>
+          <a:noFill/>
+        </p:spPr>
+        <p:txBody>
+          <a:bodyPr wrap="none" rtlCol="0">
+            <a:spAutoFit/>
+          </a:bodyPr>
+          <a:lstStyle/>
+          <a:p>
+            <a:r>
+              <a:rPr lang="zh-CN" altLang="en-US" dirty="0" smtClean="0"/>
+              <a:t>增加</a:t>
+            </a:r>
+            <a:r>
+              <a:rPr lang="zh-CN" altLang="en-US" dirty="0"/>
+              <a:t>判断</a:t>
+            </a:r>
+            <a:r>
+              <a:rPr lang="zh-CN" altLang="en-US" dirty="0" smtClean="0"/>
+              <a:t>试题</a:t>
+            </a:r>
+            <a:endParaRPr lang="zh-CN" altLang="en-US" dirty="0"/>
+          </a:p>
+        </p:txBody>
+      </p:sp>
+      <p:graphicFrame>
+        <p:nvGraphicFramePr>
+          <p:cNvPr id="7" name="表格 6"/>
+          <p:cNvGraphicFramePr>
+            <a:graphicFrameLocks noGrp="1"/>
+          </p:cNvGraphicFramePr>
+          <p:nvPr>
+            <p:extLst>
+              <p:ext uri="{D42A27DB-BD31-4B8C-83A1-F6EECF244321}">
+                <p14:modId xmlns:p14="http://schemas.microsoft.com/office/powerpoint/2010/main" val="1444547135"/>
+              </p:ext>
+            </p:extLst>
+          </p:nvPr>
+        </p:nvGraphicFramePr>
+        <p:xfrm>
+          <a:off x="1288471" y="1560822"/>
+          <a:ext cx="10113819" cy="370840"/>
+        </p:xfrm>
+        <a:graphic>
+          <a:graphicData uri="http://schemas.openxmlformats.org/drawingml/2006/table">
+            <a:tbl>
+              <a:tblPr firstRow="1" bandRow="1">
+                <a:tableStyleId>{5C22544A-7EE6-4342-B048-85BDC9FD1C3A}</a:tableStyleId>
+              </a:tblPr>
+              <a:tblGrid>
+                <a:gridCol w="1246911">
+                  <a:extLst>
+                    <a:ext uri="{9D8B030D-6E8A-4147-A177-3AD203B41FA5}">
+                      <a16:colId xmlns:a16="http://schemas.microsoft.com/office/drawing/2014/main" val="973691064"/>
+                    </a:ext>
+                  </a:extLst>
+                </a:gridCol>
+                <a:gridCol w="2812473">
+                  <a:extLst>
+                    <a:ext uri="{9D8B030D-6E8A-4147-A177-3AD203B41FA5}">
+                      <a16:colId xmlns:a16="http://schemas.microsoft.com/office/drawing/2014/main" val="3100354542"/>
+                    </a:ext>
+                  </a:extLst>
+                </a:gridCol>
+                <a:gridCol w="2008909">
+                  <a:extLst>
+                    <a:ext uri="{9D8B030D-6E8A-4147-A177-3AD203B41FA5}">
+                      <a16:colId xmlns:a16="http://schemas.microsoft.com/office/drawing/2014/main" val="3297084917"/>
+                    </a:ext>
+                  </a:extLst>
+                </a:gridCol>
+                <a:gridCol w="1942082">
+                  <a:extLst>
+                    <a:ext uri="{9D8B030D-6E8A-4147-A177-3AD203B41FA5}">
+                      <a16:colId xmlns:a16="http://schemas.microsoft.com/office/drawing/2014/main" val="1752784608"/>
+                    </a:ext>
+                  </a:extLst>
+                </a:gridCol>
+                <a:gridCol w="2103444">
+                  <a:extLst>
+                    <a:ext uri="{9D8B030D-6E8A-4147-A177-3AD203B41FA5}">
+                      <a16:colId xmlns:a16="http://schemas.microsoft.com/office/drawing/2014/main" val="1890151917"/>
+                    </a:ext>
+                  </a:extLst>
+                </a:gridCol>
+              </a:tblGrid>
+              <a:tr h="370840">
+                <a:tc>
+                  <a:txBody>
+                    <a:bodyPr/>
+                    <a:lstStyle/>
+                    <a:p>
+                      <a:pPr algn="ctr"/>
+                      <a:r>
+                        <a:rPr lang="zh-CN" altLang="en-US" sz="1400" dirty="0" smtClean="0"/>
+                        <a:t>编号</a:t>
+                      </a:r>
+                      <a:endParaRPr lang="zh-CN" altLang="en-US" sz="1400" dirty="0"/>
+                    </a:p>
+                  </a:txBody>
+                  <a:tcPr/>
+                </a:tc>
+                <a:tc>
+                  <a:txBody>
+                    <a:bodyPr/>
+                    <a:lstStyle/>
+                    <a:p>
+                      <a:pPr algn="ctr"/>
+                      <a:r>
+                        <a:rPr lang="zh-CN" altLang="en-US" sz="1400" dirty="0" smtClean="0"/>
+                        <a:t>题干</a:t>
+                      </a:r>
+                      <a:endParaRPr lang="zh-CN" altLang="en-US" sz="1400" dirty="0"/>
+                    </a:p>
+                  </a:txBody>
+                  <a:tcPr/>
+                </a:tc>
+                <a:tc>
+                  <a:txBody>
+                    <a:bodyPr/>
+                    <a:lstStyle/>
+                    <a:p>
+                      <a:pPr marL="0" marR="0" indent="0" algn="ctr" defTabSz="914400" rtl="0" eaLnBrk="1" fontAlgn="auto" latinLnBrk="0" hangingPunct="1">
+                        <a:lnSpc>
+                          <a:spcPct val="100000"/>
+                        </a:lnSpc>
+                        <a:spcBef>
+                          <a:spcPts val="0"/>
+                        </a:spcBef>
+                        <a:spcAft>
+                          <a:spcPts val="0"/>
+                        </a:spcAft>
+                        <a:buClrTx/>
+                        <a:buSzTx/>
+                        <a:buFontTx/>
+                        <a:buNone/>
+                        <a:tabLst/>
+                        <a:defRPr/>
+                      </a:pPr>
+                      <a:r>
+                        <a:rPr lang="zh-CN" altLang="en-US" sz="1400" dirty="0" smtClean="0"/>
+                        <a:t>是否正确</a:t>
+                      </a:r>
+                    </a:p>
+                  </a:txBody>
+                  <a:tcPr/>
+                </a:tc>
+                <a:tc>
+                  <a:txBody>
+                    <a:bodyPr/>
+                    <a:lstStyle/>
+                    <a:p>
+                      <a:pPr algn="ctr"/>
+                      <a:r>
+                        <a:rPr lang="zh-CN" altLang="en-US" sz="1400" dirty="0" smtClean="0"/>
+                        <a:t>答案</a:t>
+                      </a:r>
+                      <a:endParaRPr lang="zh-CN" altLang="en-US" sz="1400" dirty="0"/>
+                    </a:p>
+                  </a:txBody>
+                  <a:tcPr/>
+                </a:tc>
+                <a:tc>
+                  <a:txBody>
+                    <a:bodyPr/>
+                    <a:lstStyle/>
+                    <a:p>
+                      <a:pPr algn="ctr"/>
+                      <a:r>
+                        <a:rPr lang="zh-CN" altLang="en-US" sz="1400" dirty="0" smtClean="0"/>
+                        <a:t>解析</a:t>
+                      </a:r>
+                      <a:endParaRPr lang="zh-CN" altLang="en-US" sz="1400" dirty="0"/>
+                    </a:p>
+                  </a:txBody>
+                  <a:tcPr/>
+                </a:tc>
+                <a:extLst>
+                  <a:ext uri="{0D108BD9-81ED-4DB2-BD59-A6C34878D82A}">
+                    <a16:rowId xmlns:a16="http://schemas.microsoft.com/office/drawing/2014/main" val="2371275158"/>
+                  </a:ext>
+                </a:extLst>
+              </a:tr>
+            </a:tbl>
+          </a:graphicData>
+        </a:graphic>
+      </p:graphicFrame>
+      <p:graphicFrame>
+        <p:nvGraphicFramePr>
+          <p:cNvPr id="8" name="表格 7"/>
+          <p:cNvGraphicFramePr>
+            <a:graphicFrameLocks noGrp="1"/>
+          </p:cNvGraphicFramePr>
+          <p:nvPr>
+            <p:extLst>
+              <p:ext uri="{D42A27DB-BD31-4B8C-83A1-F6EECF244321}">
+                <p14:modId xmlns:p14="http://schemas.microsoft.com/office/powerpoint/2010/main" val="3788530072"/>
+              </p:ext>
+            </p:extLst>
+          </p:nvPr>
+        </p:nvGraphicFramePr>
+        <p:xfrm>
+          <a:off x="1288471" y="1931663"/>
+          <a:ext cx="10113820" cy="1854200"/>
+        </p:xfrm>
+        <a:graphic>
+          <a:graphicData uri="http://schemas.openxmlformats.org/drawingml/2006/table">
+            <a:tbl>
+              <a:tblPr firstRow="1" bandRow="1">
+                <a:tableStyleId>{5C22544A-7EE6-4342-B048-85BDC9FD1C3A}</a:tableStyleId>
+              </a:tblPr>
+              <a:tblGrid>
+                <a:gridCol w="1246911">
+                  <a:extLst>
+                    <a:ext uri="{9D8B030D-6E8A-4147-A177-3AD203B41FA5}">
+                      <a16:colId xmlns:a16="http://schemas.microsoft.com/office/drawing/2014/main" val="3290540492"/>
+                    </a:ext>
+                  </a:extLst>
+                </a:gridCol>
+                <a:gridCol w="2812473">
+                  <a:extLst>
+                    <a:ext uri="{9D8B030D-6E8A-4147-A177-3AD203B41FA5}">
+                      <a16:colId xmlns:a16="http://schemas.microsoft.com/office/drawing/2014/main" val="2761288044"/>
+                    </a:ext>
+                  </a:extLst>
+                </a:gridCol>
+                <a:gridCol w="2008908">
+                  <a:extLst>
+                    <a:ext uri="{9D8B030D-6E8A-4147-A177-3AD203B41FA5}">
+                      <a16:colId xmlns:a16="http://schemas.microsoft.com/office/drawing/2014/main" val="1175141232"/>
+                    </a:ext>
+                  </a:extLst>
+                </a:gridCol>
+                <a:gridCol w="1939637">
+                  <a:extLst>
+                    <a:ext uri="{9D8B030D-6E8A-4147-A177-3AD203B41FA5}">
+                      <a16:colId xmlns:a16="http://schemas.microsoft.com/office/drawing/2014/main" val="2393466023"/>
+                    </a:ext>
+                  </a:extLst>
+                </a:gridCol>
+                <a:gridCol w="2105891">
+                  <a:extLst>
+                    <a:ext uri="{9D8B030D-6E8A-4147-A177-3AD203B41FA5}">
+                      <a16:colId xmlns:a16="http://schemas.microsoft.com/office/drawing/2014/main" val="2645010706"/>
+                    </a:ext>
+                  </a:extLst>
+                </a:gridCol>
+              </a:tblGrid>
+              <a:tr h="370840">
+                <a:tc>
+                  <a:txBody>
+                    <a:bodyPr/>
+                    <a:lstStyle/>
+                    <a:p>
+                      <a:pPr algn="ctr"/>
+                      <a:r>
+                        <a:rPr lang="en-US" altLang="zh-CN" b="0" dirty="0" smtClean="0">
+                          <a:solidFill>
+                            <a:schemeClr val="tx1"/>
+                          </a:solidFill>
+                        </a:rPr>
+                        <a:t>1</a:t>
+                      </a:r>
+                      <a:endParaRPr lang="zh-CN" altLang="en-US" b="0" dirty="0">
+                        <a:solidFill>
+                          <a:schemeClr val="tx1"/>
+                        </a:solidFill>
+                      </a:endParaRPr>
+                    </a:p>
+                  </a:txBody>
+                  <a:tcPr/>
+                </a:tc>
+                <a:tc>
+                  <a:txBody>
+                    <a:bodyPr/>
+                    <a:lstStyle/>
+                    <a:p>
+                      <a:pPr algn="ctr"/>
+                      <a:r>
+                        <a:rPr lang="en-US" altLang="zh-CN" dirty="0" smtClean="0">
+                          <a:solidFill>
+                            <a:schemeClr val="tx1"/>
+                          </a:solidFill>
+                        </a:rPr>
+                        <a:t>……</a:t>
+                      </a:r>
+                      <a:endParaRPr lang="zh-CN" altLang="en-US" dirty="0">
+                        <a:solidFill>
+                          <a:schemeClr val="tx1"/>
+                        </a:solidFill>
+                      </a:endParaRPr>
+                    </a:p>
+                  </a:txBody>
+                  <a:tcPr/>
+                </a:tc>
+                <a:tc>
+                  <a:txBody>
+                    <a:bodyPr/>
+                    <a:lstStyle/>
+                    <a:p>
+                      <a:pPr algn="ctr"/>
+                      <a:r>
+                        <a:rPr lang="en-US" altLang="zh-CN" b="0" dirty="0" smtClean="0">
+                          <a:solidFill>
+                            <a:schemeClr val="tx1"/>
+                          </a:solidFill>
+                        </a:rPr>
+                        <a:t>Y</a:t>
+                      </a:r>
+                      <a:endParaRPr lang="zh-CN" altLang="en-US" b="0" dirty="0">
+                        <a:solidFill>
+                          <a:schemeClr val="tx1"/>
+                        </a:solidFill>
+                      </a:endParaRPr>
+                    </a:p>
+                  </a:txBody>
+                  <a:tcPr/>
+                </a:tc>
+                <a:tc>
+                  <a:txBody>
+                    <a:bodyPr/>
+                    <a:lstStyle/>
+                    <a:p>
+                      <a:pPr algn="ctr"/>
+                      <a:r>
+                        <a:rPr lang="en-US" altLang="zh-CN" sz="1600" b="0" dirty="0" smtClean="0">
+                          <a:solidFill>
+                            <a:schemeClr val="tx1"/>
+                          </a:solidFill>
+                        </a:rPr>
+                        <a:t>N</a:t>
+                      </a:r>
+                      <a:endParaRPr lang="zh-CN" altLang="en-US" sz="1600" b="0" dirty="0">
+                        <a:solidFill>
+                          <a:schemeClr val="tx1"/>
+                        </a:solidFill>
+                      </a:endParaRPr>
+                    </a:p>
+                  </a:txBody>
+                  <a:tcPr/>
+                </a:tc>
+                <a:tc>
+                  <a:txBody>
+                    <a:bodyPr/>
+                    <a:lstStyle/>
+                    <a:p>
+                      <a:pPr algn="ctr"/>
+                      <a:r>
+                        <a:rPr lang="en-US" altLang="zh-CN" b="0" dirty="0" smtClean="0">
+                          <a:solidFill>
+                            <a:schemeClr val="tx1"/>
+                          </a:solidFill>
+                        </a:rPr>
+                        <a:t>……</a:t>
+                      </a:r>
+                      <a:endParaRPr lang="zh-CN" altLang="en-US" b="0" dirty="0">
+                        <a:solidFill>
+                          <a:schemeClr val="tx1"/>
+                        </a:solidFill>
+                      </a:endParaRPr>
+                    </a:p>
+                  </a:txBody>
+                  <a:tcPr/>
+                </a:tc>
+                <a:extLst>
+                  <a:ext uri="{0D108BD9-81ED-4DB2-BD59-A6C34878D82A}">
+                    <a16:rowId xmlns:a16="http://schemas.microsoft.com/office/drawing/2014/main" val="4238928889"/>
+                  </a:ext>
+                </a:extLst>
+              </a:tr>
+              <a:tr h="370840">
+                <a:tc>
+                  <a:txBody>
+                    <a:bodyPr/>
+                    <a:lstStyle/>
+                    <a:p>
+                      <a:pPr algn="ctr"/>
+                      <a:r>
+                        <a:rPr lang="en-US" altLang="zh-CN" b="0" dirty="0" smtClean="0">
+                          <a:solidFill>
+                            <a:schemeClr val="tx1"/>
+                          </a:solidFill>
+                        </a:rPr>
+                        <a:t>2</a:t>
+                      </a:r>
+                      <a:endParaRPr lang="zh-CN" altLang="en-US" b="0" dirty="0">
+                        <a:solidFill>
+                          <a:schemeClr val="tx1"/>
+                        </a:solidFill>
+                      </a:endParaRPr>
+                    </a:p>
+                  </a:txBody>
+                  <a:tcPr/>
+                </a:tc>
+                <a:tc>
+                  <a:txBody>
+                    <a:bodyPr/>
+                    <a:lstStyle/>
+                    <a:p>
+                      <a:pPr algn="ctr"/>
+                      <a:r>
+                        <a:rPr lang="en-US" altLang="zh-CN" dirty="0" smtClean="0">
+                          <a:solidFill>
+                            <a:schemeClr val="tx1"/>
+                          </a:solidFill>
+                        </a:rPr>
+                        <a:t>……</a:t>
+                      </a:r>
+                      <a:endParaRPr lang="zh-CN" altLang="en-US" dirty="0">
+                        <a:solidFill>
+                          <a:schemeClr val="tx1"/>
+                        </a:solidFill>
+                      </a:endParaRPr>
+                    </a:p>
+                  </a:txBody>
+                  <a:tcPr/>
+                </a:tc>
+                <a:tc>
+                  <a:txBody>
+                    <a:bodyPr/>
+                    <a:lstStyle/>
+                    <a:p>
+                      <a:endParaRPr lang="zh-CN" altLang="en-US" dirty="0"/>
+                    </a:p>
+                  </a:txBody>
+                  <a:tcPr/>
+                </a:tc>
+                <a:tc>
+                  <a:txBody>
+                    <a:bodyPr/>
+                    <a:lstStyle/>
+                    <a:p>
+                      <a:endParaRPr lang="zh-CN" altLang="en-US"/>
+                    </a:p>
+                  </a:txBody>
+                  <a:tcPr/>
+                </a:tc>
+                <a:tc>
+                  <a:txBody>
+                    <a:bodyPr/>
+                    <a:lstStyle/>
+                    <a:p>
+                      <a:endParaRPr lang="zh-CN" altLang="en-US"/>
+                    </a:p>
+                  </a:txBody>
+                  <a:tcPr/>
+                </a:tc>
+                <a:extLst>
+                  <a:ext uri="{0D108BD9-81ED-4DB2-BD59-A6C34878D82A}">
+                    <a16:rowId xmlns:a16="http://schemas.microsoft.com/office/drawing/2014/main" val="3655719776"/>
+                  </a:ext>
+                </a:extLst>
+              </a:tr>
+              <a:tr h="370840">
+                <a:tc>
+                  <a:txBody>
+                    <a:bodyPr/>
+                    <a:lstStyle/>
+                    <a:p>
+                      <a:pPr algn="ctr"/>
+                      <a:r>
+                        <a:rPr lang="en-US" altLang="zh-CN" b="0" dirty="0" smtClean="0">
+                          <a:solidFill>
+                            <a:schemeClr val="tx1"/>
+                          </a:solidFill>
+                        </a:rPr>
+                        <a:t>3</a:t>
+                      </a:r>
+                      <a:endParaRPr lang="zh-CN" altLang="en-US" b="0" dirty="0">
+                        <a:solidFill>
+                          <a:schemeClr val="tx1"/>
+                        </a:solidFill>
+                      </a:endParaRPr>
+                    </a:p>
+                  </a:txBody>
+                  <a:tcPr/>
+                </a:tc>
+                <a:tc>
+                  <a:txBody>
+                    <a:bodyPr/>
+                    <a:lstStyle/>
+                    <a:p>
+                      <a:pPr algn="ctr"/>
+                      <a:r>
+                        <a:rPr lang="en-US" altLang="zh-CN" dirty="0" smtClean="0">
+                          <a:solidFill>
+                            <a:schemeClr val="tx1"/>
+                          </a:solidFill>
+                        </a:rPr>
+                        <a:t>……</a:t>
+                      </a:r>
+                      <a:endParaRPr lang="zh-CN" altLang="en-US" dirty="0">
+                        <a:solidFill>
+                          <a:schemeClr val="tx1"/>
+                        </a:solidFill>
+                      </a:endParaRPr>
+                    </a:p>
+                  </a:txBody>
+                  <a:tcPr/>
+                </a:tc>
+                <a:tc>
+                  <a:txBody>
+                    <a:bodyPr/>
+                    <a:lstStyle/>
+                    <a:p>
+                      <a:endParaRPr lang="zh-CN" altLang="en-US" dirty="0"/>
+                    </a:p>
+                  </a:txBody>
+                  <a:tcPr/>
+                </a:tc>
+                <a:tc>
+                  <a:txBody>
+                    <a:bodyPr/>
+                    <a:lstStyle/>
+                    <a:p>
+                      <a:endParaRPr lang="zh-CN" altLang="en-US" dirty="0"/>
+                    </a:p>
+                  </a:txBody>
+                  <a:tcPr/>
+                </a:tc>
+                <a:tc>
+                  <a:txBody>
+                    <a:bodyPr/>
+                    <a:lstStyle/>
+                    <a:p>
+                      <a:endParaRPr lang="zh-CN" altLang="en-US"/>
+                    </a:p>
+                  </a:txBody>
+                  <a:tcPr/>
+                </a:tc>
+                <a:extLst>
+                  <a:ext uri="{0D108BD9-81ED-4DB2-BD59-A6C34878D82A}">
+                    <a16:rowId xmlns:a16="http://schemas.microsoft.com/office/drawing/2014/main" val="1985643076"/>
+                  </a:ext>
+                </a:extLst>
+              </a:tr>
+              <a:tr h="370840">
+                <a:tc>
+                  <a:txBody>
+                    <a:bodyPr/>
+                    <a:lstStyle/>
+                    <a:p>
+                      <a:pPr algn="ctr"/>
+                      <a:r>
+                        <a:rPr lang="en-US" altLang="zh-CN" b="0" dirty="0" smtClean="0">
+                          <a:solidFill>
+                            <a:schemeClr val="tx1"/>
+                          </a:solidFill>
+                        </a:rPr>
+                        <a:t>4</a:t>
+                      </a:r>
+                      <a:endParaRPr lang="zh-CN" altLang="en-US" b="0" dirty="0">
+                        <a:solidFill>
+                          <a:schemeClr val="tx1"/>
+                        </a:solidFill>
+                      </a:endParaRPr>
+                    </a:p>
+                  </a:txBody>
+                  <a:tcPr/>
+                </a:tc>
+                <a:tc>
+                  <a:txBody>
+                    <a:bodyPr/>
+                    <a:lstStyle/>
+                    <a:p>
+                      <a:pPr algn="ctr"/>
+                      <a:r>
+                        <a:rPr lang="en-US" altLang="zh-CN" dirty="0" smtClean="0">
+                          <a:solidFill>
+                            <a:schemeClr val="tx1"/>
+                          </a:solidFill>
+                        </a:rPr>
+                        <a:t>……</a:t>
+                      </a:r>
+                      <a:endParaRPr lang="zh-CN" altLang="en-US" dirty="0">
+                        <a:solidFill>
+                          <a:schemeClr val="tx1"/>
+                        </a:solidFill>
+                      </a:endParaRPr>
+                    </a:p>
+                  </a:txBody>
+                  <a:tcPr/>
+                </a:tc>
+                <a:tc>
+                  <a:txBody>
+                    <a:bodyPr/>
+                    <a:lstStyle/>
+                    <a:p>
+                      <a:endParaRPr lang="zh-CN" altLang="en-US"/>
+                    </a:p>
+                  </a:txBody>
+                  <a:tcPr/>
+                </a:tc>
+                <a:tc>
+                  <a:txBody>
+                    <a:bodyPr/>
+                    <a:lstStyle/>
+                    <a:p>
+                      <a:endParaRPr lang="zh-CN" altLang="en-US" dirty="0"/>
+                    </a:p>
+                  </a:txBody>
+                  <a:tcPr/>
+                </a:tc>
+                <a:tc>
+                  <a:txBody>
+                    <a:bodyPr/>
+                    <a:lstStyle/>
+                    <a:p>
+                      <a:endParaRPr lang="zh-CN" altLang="en-US" dirty="0"/>
+                    </a:p>
+                  </a:txBody>
+                  <a:tcPr/>
+                </a:tc>
+                <a:extLst>
+                  <a:ext uri="{0D108BD9-81ED-4DB2-BD59-A6C34878D82A}">
+                    <a16:rowId xmlns:a16="http://schemas.microsoft.com/office/drawing/2014/main" val="3752446180"/>
+                  </a:ext>
+                </a:extLst>
+              </a:tr>
+              <a:tr h="370840">
+                <a:tc>
+                  <a:txBody>
+                    <a:bodyPr/>
+                    <a:lstStyle/>
+                    <a:p>
+                      <a:pPr algn="ctr"/>
+                      <a:r>
+                        <a:rPr lang="en-US" altLang="zh-CN" dirty="0" smtClean="0"/>
+                        <a:t>5</a:t>
+                      </a:r>
+                      <a:endParaRPr lang="zh-CN" altLang="en-US" dirty="0"/>
+                    </a:p>
+                  </a:txBody>
+                  <a:tcPr/>
+                </a:tc>
+                <a:tc>
+                  <a:txBody>
+                    <a:bodyPr/>
+                    <a:lstStyle/>
+                    <a:p>
+                      <a:pPr algn="ctr"/>
+                      <a:r>
+                        <a:rPr lang="en-US" altLang="zh-CN" dirty="0" smtClean="0"/>
+                        <a:t>……</a:t>
+                      </a:r>
+                      <a:endParaRPr lang="zh-CN" altLang="en-US" dirty="0"/>
+                    </a:p>
+                  </a:txBody>
+                  <a:tcPr/>
+                </a:tc>
+                <a:tc>
+                  <a:txBody>
+                    <a:bodyPr/>
+                    <a:lstStyle/>
+                    <a:p>
+                      <a:endParaRPr lang="zh-CN" altLang="en-US" dirty="0"/>
+                    </a:p>
+                  </a:txBody>
+                  <a:tcPr/>
+                </a:tc>
+                <a:tc>
+                  <a:txBody>
+                    <a:bodyPr/>
+                    <a:lstStyle/>
+                    <a:p>
+                      <a:endParaRPr lang="zh-CN" altLang="en-US"/>
+                    </a:p>
+                  </a:txBody>
+                  <a:tcPr/>
+                </a:tc>
+                <a:tc>
+                  <a:txBody>
+                    <a:bodyPr/>
+                    <a:lstStyle/>
+                    <a:p>
+                      <a:endParaRPr lang="zh-CN" altLang="en-US" dirty="0"/>
+                    </a:p>
+                  </a:txBody>
+                  <a:tcPr/>
+                </a:tc>
+                <a:extLst>
+                  <a:ext uri="{0D108BD9-81ED-4DB2-BD59-A6C34878D82A}">
+                    <a16:rowId xmlns:a16="http://schemas.microsoft.com/office/drawing/2014/main" val="4219247397"/>
+                  </a:ext>
+                </a:extLst>
+              </a:tr>
+            </a:tbl>
+          </a:graphicData>
+        </a:graphic>
+      </p:graphicFrame>
+      <p:sp>
+        <p:nvSpPr>
+          <p:cNvPr id="9" name="矩形 8"/>
+          <p:cNvSpPr/>
+          <p:nvPr/>
+        </p:nvSpPr>
+        <p:spPr>
+          <a:xfrm>
+            <a:off x="1288471" y="3785863"/>
+            <a:ext cx="10113820" cy="398210"/>
+          </a:xfrm>
+          <a:prstGeom prst="rect">
+            <a:avLst/>
+          </a:prstGeom>
+          <a:ln/>
+        </p:spPr>
+        <p:style>
+          <a:lnRef idx="0">
+            <a:schemeClr val="accent1"/>
+          </a:lnRef>
+          <a:fillRef idx="3">
+            <a:schemeClr val="accent1"/>
+          </a:fillRef>
+          <a:effectRef idx="3">
+            <a:schemeClr val="accent1"/>
+          </a:effectRef>
+          <a:fontRef idx="minor">
+            <a:schemeClr val="lt1"/>
+          </a:fontRef>
+        </p:style>
+        <p:txBody>
+          <a:bodyPr rtlCol="0" anchor="ctr"/>
+          <a:lstStyle/>
+          <a:p>
+            <a:pPr algn="ctr"/>
+            <a:r>
+              <a:rPr lang="zh-CN" altLang="en-US" dirty="0" smtClean="0"/>
+              <a:t>添加一条</a:t>
+            </a:r>
+            <a:endParaRPr lang="zh-CN" altLang="en-US" dirty="0"/>
+          </a:p>
+        </p:txBody>
+      </p:sp>
+    </p:spTree>
+    <p:extLst>
+      <p:ext uri="{BB962C8B-B14F-4D97-AF65-F5344CB8AC3E}">
+        <p14:creationId xmlns:p14="http://schemas.microsoft.com/office/powerpoint/2010/main" val="2099899039"/>
+      </p:ext>
+    </p:extLst>
+  </p:cSld>
+  <p:clrMapOvr>
+    <a:masterClrMapping/>
+  </p:clrMapOvr>
+  <p:timing>
+    <p:tnLst>
+      <p:par>
+        <p:cTn id="1" dur="indefinite" restart="never" nodeType="tmRoot"/>
+      </p:par>
+    </p:tnLst>
+  </p:timing>
 </p:sld>
 </file>
 
